--- a/statistical_inference.pptx
+++ b/statistical_inference.pptx
@@ -34,8 +34,11 @@
     <p:sldId id="282" r:id="rId28"/>
     <p:sldId id="283" r:id="rId29"/>
     <p:sldId id="284" r:id="rId30"/>
+    <p:sldId id="285" r:id="rId31"/>
+    <p:sldId id="286" r:id="rId32"/>
+    <p:sldId id="287" r:id="rId33"/>
   </p:sldIdLst>
-  <p:sldSz cx="9144000" cy="6858000" type="screen4x3"/>
+  <p:sldSz cx="12192000" cy="6858000"/>
   <p:notesSz cx="6858000" cy="9144000"/>
   <p:defaultTextStyle>
     <a:defPPr>
@@ -135,12 +138,12 @@
   <p:extLst>
     <p:ext uri="{EFAFB233-063F-42B5-8137-9DF3F51BA10A}">
       <p15:sldGuideLst xmlns:p15="http://schemas.microsoft.com/office/powerpoint/2012/main">
-        <p15:guide id="1" orient="horz" pos="2160">
+        <p15:guide id="1" orient="horz" pos="2160" userDrawn="1">
           <p15:clr>
             <a:srgbClr val="A4A3A4"/>
           </p15:clr>
         </p15:guide>
-        <p15:guide id="2" pos="2880">
+        <p15:guide id="2" pos="3840" userDrawn="1">
           <p15:clr>
             <a:srgbClr val="A4A3A4"/>
           </p15:clr>
@@ -180,8 +183,8 @@
         </p:nvSpPr>
         <p:spPr>
           <a:xfrm>
-            <a:off x="685800" y="2130425"/>
-            <a:ext cx="7772400" cy="1470025"/>
+            <a:off x="914400" y="2130426"/>
+            <a:ext cx="10363200" cy="1470025"/>
           </a:xfrm>
         </p:spPr>
         <p:txBody>
@@ -208,8 +211,8 @@
         </p:nvSpPr>
         <p:spPr>
           <a:xfrm>
-            <a:off x="1371600" y="3886200"/>
-            <a:ext cx="6400800" cy="1752600"/>
+            <a:off x="1828800" y="3886200"/>
+            <a:ext cx="8534400" cy="1752600"/>
           </a:xfrm>
         </p:spPr>
         <p:txBody>
@@ -332,7 +335,7 @@
           <a:p>
             <a:fld id="{241EB5C9-1307-BA42-ABA2-0BC069CD8E7F}" type="datetimeFigureOut">
               <a:rPr lang="en-US" smtClean="0"/>
-              <a:t>2/17/2018</a:t>
+              <a:t>8/6/2018</a:t>
             </a:fld>
             <a:endParaRPr lang="en-US"/>
           </a:p>
@@ -502,7 +505,7 @@
           <a:p>
             <a:fld id="{241EB5C9-1307-BA42-ABA2-0BC069CD8E7F}" type="datetimeFigureOut">
               <a:rPr lang="en-US" smtClean="0"/>
-              <a:t>2/17/2018</a:t>
+              <a:t>8/6/2018</a:t>
             </a:fld>
             <a:endParaRPr lang="en-US"/>
           </a:p>
@@ -592,8 +595,8 @@
         </p:nvSpPr>
         <p:spPr>
           <a:xfrm>
-            <a:off x="6629400" y="274638"/>
-            <a:ext cx="2057400" cy="5851525"/>
+            <a:off x="8839200" y="274639"/>
+            <a:ext cx="2743200" cy="5851525"/>
           </a:xfrm>
         </p:spPr>
         <p:txBody>
@@ -620,8 +623,8 @@
         </p:nvSpPr>
         <p:spPr>
           <a:xfrm>
-            <a:off x="457200" y="274638"/>
-            <a:ext cx="6019800" cy="5851525"/>
+            <a:off x="609600" y="274639"/>
+            <a:ext cx="8026400" cy="5851525"/>
           </a:xfrm>
         </p:spPr>
         <p:txBody>
@@ -682,7 +685,7 @@
           <a:p>
             <a:fld id="{241EB5C9-1307-BA42-ABA2-0BC069CD8E7F}" type="datetimeFigureOut">
               <a:rPr lang="en-US" smtClean="0"/>
-              <a:t>2/17/2018</a:t>
+              <a:t>8/6/2018</a:t>
             </a:fld>
             <a:endParaRPr lang="en-US"/>
           </a:p>
@@ -852,7 +855,7 @@
           <a:p>
             <a:fld id="{241EB5C9-1307-BA42-ABA2-0BC069CD8E7F}" type="datetimeFigureOut">
               <a:rPr lang="en-US" smtClean="0"/>
-              <a:t>2/17/2018</a:t>
+              <a:t>8/6/2018</a:t>
             </a:fld>
             <a:endParaRPr lang="en-US"/>
           </a:p>
@@ -942,8 +945,8 @@
         </p:nvSpPr>
         <p:spPr>
           <a:xfrm>
-            <a:off x="722313" y="4406900"/>
-            <a:ext cx="7772400" cy="1362075"/>
+            <a:off x="963084" y="4406901"/>
+            <a:ext cx="10363200" cy="1362075"/>
           </a:xfrm>
         </p:spPr>
         <p:txBody>
@@ -974,8 +977,8 @@
         </p:nvSpPr>
         <p:spPr>
           <a:xfrm>
-            <a:off x="722313" y="2906713"/>
-            <a:ext cx="7772400" cy="1500187"/>
+            <a:off x="963084" y="2906713"/>
+            <a:ext cx="10363200" cy="1500187"/>
           </a:xfrm>
         </p:spPr>
         <p:txBody>
@@ -1098,7 +1101,7 @@
           <a:p>
             <a:fld id="{241EB5C9-1307-BA42-ABA2-0BC069CD8E7F}" type="datetimeFigureOut">
               <a:rPr lang="en-US" smtClean="0"/>
-              <a:t>2/17/2018</a:t>
+              <a:t>8/6/2018</a:t>
             </a:fld>
             <a:endParaRPr lang="en-US"/>
           </a:p>
@@ -1211,8 +1214,8 @@
         </p:nvSpPr>
         <p:spPr>
           <a:xfrm>
-            <a:off x="457200" y="1600200"/>
-            <a:ext cx="4038600" cy="4525963"/>
+            <a:off x="609600" y="1600201"/>
+            <a:ext cx="5384800" cy="4525963"/>
           </a:xfrm>
         </p:spPr>
         <p:txBody>
@@ -1296,8 +1299,8 @@
         </p:nvSpPr>
         <p:spPr>
           <a:xfrm>
-            <a:off x="4648200" y="1600200"/>
-            <a:ext cx="4038600" cy="4525963"/>
+            <a:off x="6197600" y="1600201"/>
+            <a:ext cx="5384800" cy="4525963"/>
           </a:xfrm>
         </p:spPr>
         <p:txBody>
@@ -1386,7 +1389,7 @@
           <a:p>
             <a:fld id="{241EB5C9-1307-BA42-ABA2-0BC069CD8E7F}" type="datetimeFigureOut">
               <a:rPr lang="en-US" smtClean="0"/>
-              <a:t>2/17/2018</a:t>
+              <a:t>8/6/2018</a:t>
             </a:fld>
             <a:endParaRPr lang="en-US"/>
           </a:p>
@@ -1503,8 +1506,8 @@
         </p:nvSpPr>
         <p:spPr>
           <a:xfrm>
-            <a:off x="457200" y="1535113"/>
-            <a:ext cx="4040188" cy="639762"/>
+            <a:off x="609600" y="1535113"/>
+            <a:ext cx="5386917" cy="639762"/>
           </a:xfrm>
         </p:spPr>
         <p:txBody>
@@ -1568,8 +1571,8 @@
         </p:nvSpPr>
         <p:spPr>
           <a:xfrm>
-            <a:off x="457200" y="2174875"/>
-            <a:ext cx="4040188" cy="3951288"/>
+            <a:off x="609600" y="2174875"/>
+            <a:ext cx="5386917" cy="3951288"/>
           </a:xfrm>
         </p:spPr>
         <p:txBody>
@@ -1653,8 +1656,8 @@
         </p:nvSpPr>
         <p:spPr>
           <a:xfrm>
-            <a:off x="4645025" y="1535113"/>
-            <a:ext cx="4041775" cy="639762"/>
+            <a:off x="6193368" y="1535113"/>
+            <a:ext cx="5389033" cy="639762"/>
           </a:xfrm>
         </p:spPr>
         <p:txBody>
@@ -1718,8 +1721,8 @@
         </p:nvSpPr>
         <p:spPr>
           <a:xfrm>
-            <a:off x="4645025" y="2174875"/>
-            <a:ext cx="4041775" cy="3951288"/>
+            <a:off x="6193368" y="2174875"/>
+            <a:ext cx="5389033" cy="3951288"/>
           </a:xfrm>
         </p:spPr>
         <p:txBody>
@@ -1808,7 +1811,7 @@
           <a:p>
             <a:fld id="{241EB5C9-1307-BA42-ABA2-0BC069CD8E7F}" type="datetimeFigureOut">
               <a:rPr lang="en-US" smtClean="0"/>
-              <a:t>2/17/2018</a:t>
+              <a:t>8/6/2018</a:t>
             </a:fld>
             <a:endParaRPr lang="en-US"/>
           </a:p>
@@ -1926,7 +1929,7 @@
           <a:p>
             <a:fld id="{241EB5C9-1307-BA42-ABA2-0BC069CD8E7F}" type="datetimeFigureOut">
               <a:rPr lang="en-US" smtClean="0"/>
-              <a:t>2/17/2018</a:t>
+              <a:t>8/6/2018</a:t>
             </a:fld>
             <a:endParaRPr lang="en-US"/>
           </a:p>
@@ -2021,7 +2024,7 @@
           <a:p>
             <a:fld id="{241EB5C9-1307-BA42-ABA2-0BC069CD8E7F}" type="datetimeFigureOut">
               <a:rPr lang="en-US" smtClean="0"/>
-              <a:t>2/17/2018</a:t>
+              <a:t>8/6/2018</a:t>
             </a:fld>
             <a:endParaRPr lang="en-US"/>
           </a:p>
@@ -2111,8 +2114,8 @@
         </p:nvSpPr>
         <p:spPr>
           <a:xfrm>
-            <a:off x="457200" y="273050"/>
-            <a:ext cx="3008313" cy="1162050"/>
+            <a:off x="609601" y="273050"/>
+            <a:ext cx="4011084" cy="1162050"/>
           </a:xfrm>
         </p:spPr>
         <p:txBody>
@@ -2143,8 +2146,8 @@
         </p:nvSpPr>
         <p:spPr>
           <a:xfrm>
-            <a:off x="3575050" y="273050"/>
-            <a:ext cx="5111750" cy="5853113"/>
+            <a:off x="4766733" y="273051"/>
+            <a:ext cx="6815667" cy="5853113"/>
           </a:xfrm>
         </p:spPr>
         <p:txBody>
@@ -2228,8 +2231,8 @@
         </p:nvSpPr>
         <p:spPr>
           <a:xfrm>
-            <a:off x="457200" y="1435100"/>
-            <a:ext cx="3008313" cy="4691063"/>
+            <a:off x="609601" y="1435101"/>
+            <a:ext cx="4011084" cy="4691063"/>
           </a:xfrm>
         </p:spPr>
         <p:txBody>
@@ -2298,7 +2301,7 @@
           <a:p>
             <a:fld id="{241EB5C9-1307-BA42-ABA2-0BC069CD8E7F}" type="datetimeFigureOut">
               <a:rPr lang="en-US" smtClean="0"/>
-              <a:t>2/17/2018</a:t>
+              <a:t>8/6/2018</a:t>
             </a:fld>
             <a:endParaRPr lang="en-US"/>
           </a:p>
@@ -2388,8 +2391,8 @@
         </p:nvSpPr>
         <p:spPr>
           <a:xfrm>
-            <a:off x="1792288" y="4800600"/>
-            <a:ext cx="5486400" cy="566738"/>
+            <a:off x="2389717" y="4800600"/>
+            <a:ext cx="7315200" cy="566738"/>
           </a:xfrm>
         </p:spPr>
         <p:txBody>
@@ -2420,8 +2423,8 @@
         </p:nvSpPr>
         <p:spPr>
           <a:xfrm>
-            <a:off x="1792288" y="612775"/>
-            <a:ext cx="5486400" cy="4114800"/>
+            <a:off x="2389717" y="612775"/>
+            <a:ext cx="7315200" cy="4114800"/>
           </a:xfrm>
         </p:spPr>
         <p:txBody>
@@ -2481,8 +2484,8 @@
         </p:nvSpPr>
         <p:spPr>
           <a:xfrm>
-            <a:off x="1792288" y="5367338"/>
-            <a:ext cx="5486400" cy="804862"/>
+            <a:off x="2389717" y="5367338"/>
+            <a:ext cx="7315200" cy="804862"/>
           </a:xfrm>
         </p:spPr>
         <p:txBody>
@@ -2551,7 +2554,7 @@
           <a:p>
             <a:fld id="{241EB5C9-1307-BA42-ABA2-0BC069CD8E7F}" type="datetimeFigureOut">
               <a:rPr lang="en-US" smtClean="0"/>
-              <a:t>2/17/2018</a:t>
+              <a:t>8/6/2018</a:t>
             </a:fld>
             <a:endParaRPr lang="en-US"/>
           </a:p>
@@ -2646,8 +2649,8 @@
         </p:nvSpPr>
         <p:spPr>
           <a:xfrm>
-            <a:off x="457200" y="274638"/>
-            <a:ext cx="8229600" cy="1143000"/>
+            <a:off x="609600" y="274638"/>
+            <a:ext cx="10972800" cy="1143000"/>
           </a:xfrm>
           <a:prstGeom prst="rect">
             <a:avLst/>
@@ -2679,8 +2682,8 @@
         </p:nvSpPr>
         <p:spPr>
           <a:xfrm>
-            <a:off x="457200" y="1600200"/>
-            <a:ext cx="8229600" cy="4525963"/>
+            <a:off x="609600" y="1600201"/>
+            <a:ext cx="10972800" cy="4525963"/>
           </a:xfrm>
           <a:prstGeom prst="rect">
             <a:avLst/>
@@ -2741,8 +2744,8 @@
         </p:nvSpPr>
         <p:spPr>
           <a:xfrm>
-            <a:off x="457200" y="6356350"/>
-            <a:ext cx="2133600" cy="365125"/>
+            <a:off x="609600" y="6356351"/>
+            <a:ext cx="2844800" cy="365125"/>
           </a:xfrm>
           <a:prstGeom prst="rect">
             <a:avLst/>
@@ -2764,7 +2767,7 @@
           <a:p>
             <a:fld id="{241EB5C9-1307-BA42-ABA2-0BC069CD8E7F}" type="datetimeFigureOut">
               <a:rPr lang="en-US" smtClean="0"/>
-              <a:t>2/17/2018</a:t>
+              <a:t>8/6/2018</a:t>
             </a:fld>
             <a:endParaRPr lang="en-US"/>
           </a:p>
@@ -2782,8 +2785,8 @@
         </p:nvSpPr>
         <p:spPr>
           <a:xfrm>
-            <a:off x="3124200" y="6356350"/>
-            <a:ext cx="2895600" cy="365125"/>
+            <a:off x="4165600" y="6356351"/>
+            <a:ext cx="3860800" cy="365125"/>
           </a:xfrm>
           <a:prstGeom prst="rect">
             <a:avLst/>
@@ -2819,8 +2822,8 @@
         </p:nvSpPr>
         <p:spPr>
           <a:xfrm>
-            <a:off x="6553200" y="6356350"/>
-            <a:ext cx="2133600" cy="365125"/>
+            <a:off x="8737600" y="6356351"/>
+            <a:ext cx="2844800" cy="365125"/>
           </a:xfrm>
           <a:prstGeom prst="rect">
             <a:avLst/>
@@ -3151,7 +3154,7 @@
         </p:nvSpPr>
         <p:spPr>
           <a:xfrm>
-            <a:off x="685800" y="2130425"/>
+            <a:off x="2209800" y="2130426"/>
             <a:ext cx="7772400" cy="1470025"/>
           </a:xfrm>
         </p:spPr>
@@ -3159,44 +3162,9 @@
           <a:bodyPr/>
           <a:lstStyle/>
           <a:p>
-            <a:pPr lvl="0" marL="0" indent="0">
-              <a:buNone/>
-            </a:pPr>
             <a:r>
               <a:rPr/>
-              <a:t>Statistical</a:t>
-            </a:r>
-            <a:r>
-              <a:rPr/>
-              <a:t> </a:t>
-            </a:r>
-            <a:r>
-              <a:rPr/>
-              <a:t>Inference</a:t>
-            </a:r>
-            <a:r>
-              <a:rPr/>
-              <a:t> </a:t>
-            </a:r>
-            <a:r>
-              <a:rPr/>
-              <a:t>-</a:t>
-            </a:r>
-            <a:r>
-              <a:rPr/>
-              <a:t> </a:t>
-            </a:r>
-            <a:r>
-              <a:rPr/>
-              <a:t>Understanding</a:t>
-            </a:r>
-            <a:r>
-              <a:rPr/>
-              <a:t> </a:t>
-            </a:r>
-            <a:r>
-              <a:rPr/>
-              <a:t>p-values</a:t>
+              <a:t>Statistical Inference - Understanding p-values</a:t>
             </a:r>
           </a:p>
         </p:txBody>
@@ -3213,7 +3181,7 @@
         </p:nvSpPr>
         <p:spPr>
           <a:xfrm>
-            <a:off x="1371600" y="3886200"/>
+            <a:off x="2895600" y="3886200"/>
             <a:ext cx="6400800" cy="1752600"/>
           </a:xfrm>
         </p:spPr>
@@ -3221,69 +3189,48 @@
           <a:bodyPr/>
           <a:lstStyle/>
           <a:p>
-            <a:pPr lvl="0" marL="0" indent="0">
-              <a:buNone/>
-            </a:pPr>
+            <a:r>
+              <a:t/>
+            </a:r>
             <a:br/>
+            <a:r>
+              <a:t/>
+            </a:r>
             <a:br/>
             <a:r>
               <a:rPr/>
-              <a:t>Bindoff,</a:t>
-            </a:r>
+              <a:t>Bindoff, A.</a:t>
+            </a:r>
+          </a:p>
+        </p:txBody>
+      </p:sp>
+      <p:sp>
+        <p:nvSpPr>
+          <p:cNvPr id="4" name="Date Placeholder 3"/>
+          <p:cNvSpPr>
+            <a:spLocks noGrp="1"/>
+          </p:cNvSpPr>
+          <p:nvPr>
+            <p:ph type="dt" sz="half" idx="10"/>
+          </p:nvPr>
+        </p:nvSpPr>
+        <p:spPr/>
+        <p:txBody>
+          <a:bodyPr/>
+          <a:lstStyle/>
+          <a:p>
             <a:r>
               <a:rPr/>
-              <a:t> </a:t>
-            </a:r>
-            <a:r>
-              <a:rPr/>
-              <a:t>A.</a:t>
-            </a:r>
-          </a:p>
-        </p:txBody>
-      </p:sp>
-      <p:sp>
-        <p:nvSpPr>
-          <p:cNvPr id="4" name="Date Placeholder 3"/>
-          <p:cNvSpPr>
-            <a:spLocks noGrp="1"/>
-          </p:cNvSpPr>
-          <p:nvPr>
-            <p:ph type="dt" sz="half" idx="10"/>
-          </p:nvPr>
-        </p:nvSpPr>
-        <p:spPr/>
-        <p:txBody>
-          <a:bodyPr/>
-          <a:lstStyle/>
-          <a:p>
-            <a:pPr lvl="0" marL="0" indent="0">
-              <a:buNone/>
-            </a:pPr>
-            <a:r>
-              <a:rPr/>
-              <a:t>20</a:t>
-            </a:r>
-            <a:r>
-              <a:rPr/>
-              <a:t> </a:t>
-            </a:r>
-            <a:r>
-              <a:rPr/>
-              <a:t>July</a:t>
-            </a:r>
-            <a:r>
-              <a:rPr/>
-              <a:t> </a:t>
-            </a:r>
-            <a:r>
-              <a:rPr/>
-              <a:t>2018</a:t>
+              <a:t>20 July 2018</a:t>
             </a:r>
           </a:p>
         </p:txBody>
       </p:sp>
     </p:spTree>
   </p:cSld>
+  <p:clrMapOvr>
+    <a:masterClrMapping/>
+  </p:clrMapOvr>
 </p:sld>
 </file>
 
@@ -3304,66 +3251,9 @@
           <a:chExt cx="0" cy="0"/>
         </a:xfrm>
       </p:grpSpPr>
-      <p:sp>
-        <p:nvSpPr>
-          <p:cNvPr id="2" name="Title 1"/>
-          <p:cNvSpPr>
-            <a:spLocks noGrp="1"/>
-          </p:cNvSpPr>
-          <p:nvPr>
-            <p:ph type="title"/>
-          </p:nvPr>
-        </p:nvSpPr>
-        <p:spPr/>
-        <p:txBody>
-          <a:bodyPr/>
-          <a:lstStyle/>
-          <a:p>
-            <a:pPr lvl="0" marL="0" indent="0">
-              <a:buNone/>
-            </a:pPr>
-            <a:r>
-              <a:rPr/>
-              <a:t>Distribution</a:t>
-            </a:r>
-            <a:r>
-              <a:rPr/>
-              <a:t> </a:t>
-            </a:r>
-            <a:r>
-              <a:rPr/>
-              <a:t>of</a:t>
-            </a:r>
-            <a:r>
-              <a:rPr/>
-              <a:t> </a:t>
-            </a:r>
-            <a:r>
-              <a:rPr/>
-              <a:t>p-values</a:t>
-            </a:r>
-            <a:r>
-              <a:rPr/>
-              <a:t> </a:t>
-            </a:r>
-            <a:r>
-              <a:rPr/>
-              <a:t>(no</a:t>
-            </a:r>
-            <a:r>
-              <a:rPr/>
-              <a:t> </a:t>
-            </a:r>
-            <a:r>
-              <a:rPr/>
-              <a:t>effect)</a:t>
-            </a:r>
-          </a:p>
-        </p:txBody>
-      </p:sp>
       <p:pic>
         <p:nvPicPr>
-          <p:cNvPr descr="statistical_inference_files/figure-pptx/unnamed-chunk-6-1.png" id="0" name="Picture 1"/>
+          <p:cNvPr id="2" name="Picture 1" descr="statistical_inference_files/figure-pptx/unnamed-chunk-5-1.png"/>
           <p:cNvPicPr>
             <a:picLocks noGrp="1" noChangeAspect="1"/>
           </p:cNvPicPr>
@@ -3377,7 +3267,7 @@
         </p:blipFill>
         <p:spPr bwMode="auto">
           <a:xfrm>
-            <a:off x="1752600" y="1600200"/>
+            <a:off x="3276600" y="1600200"/>
             <a:ext cx="5651500" cy="4521200"/>
           </a:xfrm>
           <a:prstGeom prst="rect">
@@ -3393,6 +3283,9 @@
       </p:pic>
     </p:spTree>
   </p:cSld>
+  <p:clrMapOvr>
+    <a:masterClrMapping/>
+  </p:clrMapOvr>
 </p:sld>
 </file>
 
@@ -3415,136 +3308,43 @@
       </p:grpSpPr>
       <p:sp>
         <p:nvSpPr>
-          <p:cNvPr id="2" name="Title 1"/>
-          <p:cNvSpPr>
-            <a:spLocks noGrp="1"/>
-          </p:cNvSpPr>
-          <p:nvPr>
-            <p:ph type="title"/>
-          </p:nvPr>
-        </p:nvSpPr>
-        <p:spPr/>
-        <p:txBody>
-          <a:bodyPr/>
-          <a:lstStyle/>
-          <a:p>
-            <a:pPr lvl="0" marL="0" indent="0">
+          <p:cNvPr id="3" name="Content Placeholder 2"/>
+          <p:cNvSpPr>
+            <a:spLocks noGrp="1"/>
+          </p:cNvSpPr>
+          <p:nvPr>
+            <p:ph idx="1"/>
+          </p:nvPr>
+        </p:nvSpPr>
+        <p:spPr/>
+        <p:txBody>
+          <a:bodyPr/>
+          <a:lstStyle/>
+          <a:p>
+            <a:pPr marL="0" indent="0">
               <a:buNone/>
             </a:pPr>
-            <a:r>
-              <a:rPr/>
-              <a:t>Type</a:t>
-            </a:r>
-            <a:r>
-              <a:rPr/>
-              <a:t> </a:t>
-            </a:r>
-            <a:r>
-              <a:rPr/>
-              <a:t>1</a:t>
-            </a:r>
-            <a:r>
-              <a:rPr/>
-              <a:t> </a:t>
-            </a:r>
-            <a:r>
-              <a:rPr/>
-              <a:t>error</a:t>
-            </a:r>
-            <a:r>
-              <a:rPr/>
-              <a:t> </a:t>
-            </a:r>
-            <a:r>
-              <a:rPr/>
-              <a:t>rate</a:t>
-            </a:r>
-          </a:p>
-        </p:txBody>
-      </p:sp>
-      <mc:AlternateContent xmlns:mc="http://schemas.openxmlformats.org/markup-compatibility/2006">
-        <mc:Choice xmlns:a14="http://schemas.microsoft.com/office/drawing/2010/main" Requires="a14">
-          <p:sp>
-            <p:nvSpPr>
-              <p:cNvPr id="3" name="Content Placeholder 2"/>
-              <p:cNvSpPr>
-                <a:spLocks noGrp="1"/>
-              </p:cNvSpPr>
-              <p:nvPr>
-                <p:ph idx="1"/>
-              </p:nvPr>
-            </p:nvSpPr>
-            <p:spPr/>
-            <p:txBody>
-              <a:bodyPr/>
-              <a:lstStyle/>
-              <a:p>
-                <a:pPr lvl="0" marL="0" indent="0">
-                  <a:buNone/>
-                </a:pPr>
-                <a:r>
-                  <a:rPr/>
-                  <a:t>We use </a:t>
-                </a:r>
-                <a14:m>
-                  <m:oMath xmlns:m="http://schemas.openxmlformats.org/officeDocument/2006/math">
-                    <m:r>
-                      <m:t>α</m:t>
-                    </m:r>
-                    <m:r>
-                      <m:t>=</m:t>
-                    </m:r>
-                    <m:r>
-                      <m:t>.05</m:t>
-                    </m:r>
-                  </m:oMath>
-                </a14:m>
-                <a:r>
-                  <a:rPr/>
-                  <a:t> by convention (or is it by convenience?)</a:t>
-                </a:r>
-              </a:p>
-              <a:p>
-                <a:pPr lvl="0" marL="1270000" indent="0">
-                  <a:buNone/>
-                </a:pPr>
-                <a:r>
-                  <a:rPr sz="2000"/>
-                  <a:t>“It is convenient to take this point as a limit in judging whether a deviation is to be considered significant or not. Deviations exceeding twice the standard deviation are thus formally regarded as significant” (Fisher, 1925)</a:t>
-                </a:r>
-              </a:p>
-              <a:p>
-                <a:pPr lvl="0" marL="0" indent="0">
-                  <a:buNone/>
-                </a:pPr>
-                <a:r>
-                  <a:rPr/>
-                  <a:t>Compare with the histogram on the previous slide, is this what you would expect?</a:t>
-                </a:r>
-              </a:p>
-              <a:p>
-                <a:pPr lvl="0" marL="0" indent="0">
-                  <a:buNone/>
-                </a:pPr>
-                <a:r>
-                  <a:rPr/>
-                  <a:t>(Hold this thought, we will look at the distribution of p-values when there </a:t>
-                </a:r>
-                <a:r>
-                  <a:rPr b="1"/>
-                  <a:t>is</a:t>
-                </a:r>
-                <a:r>
-                  <a:rPr/>
-                  <a:t> an effect later)</a:t>
-                </a:r>
-              </a:p>
-            </p:txBody>
-          </p:sp>
-        </mc:Choice>
-      </mc:AlternateContent>
+            <a:endParaRPr/>
+          </a:p>
+          <a:p>
+            <a:pPr marL="1270000" indent="0">
+              <a:buNone/>
+            </a:pPr>
+            <a:r>
+              <a:rPr sz="1800">
+                <a:latin typeface="Courier"/>
+              </a:rPr>
+              <a:t>## 
+##  12  out of 1000 replications with mean correct responses &gt; .53</a:t>
+            </a:r>
+          </a:p>
+        </p:txBody>
+      </p:sp>
     </p:spTree>
   </p:cSld>
+  <p:clrMapOvr>
+    <a:masterClrMapping/>
+  </p:clrMapOvr>
 </p:sld>
 </file>
 
@@ -3580,153 +3380,43 @@
           <a:bodyPr/>
           <a:lstStyle/>
           <a:p>
-            <a:pPr lvl="0" marL="0" indent="0">
+            <a:r>
+              <a:rPr/>
+              <a:t>Do p-values completely solve the problem?</a:t>
+            </a:r>
+          </a:p>
+        </p:txBody>
+      </p:sp>
+      <p:sp>
+        <p:nvSpPr>
+          <p:cNvPr id="3" name="Content Placeholder 2"/>
+          <p:cNvSpPr>
+            <a:spLocks noGrp="1"/>
+          </p:cNvSpPr>
+          <p:nvPr>
+            <p:ph idx="1"/>
+          </p:nvPr>
+        </p:nvSpPr>
+        <p:spPr/>
+        <p:txBody>
+          <a:bodyPr/>
+          <a:lstStyle/>
+          <a:p>
+            <a:pPr marL="0" indent="0">
               <a:buNone/>
             </a:pPr>
             <a:r>
               <a:rPr/>
-              <a:t>Linear</a:t>
-            </a:r>
-            <a:r>
-              <a:rPr/>
-              <a:t> </a:t>
-            </a:r>
-            <a:r>
-              <a:rPr/>
-              <a:t>models</a:t>
-            </a:r>
-          </a:p>
-        </p:txBody>
-      </p:sp>
-      <mc:AlternateContent xmlns:mc="http://schemas.openxmlformats.org/markup-compatibility/2006">
-        <mc:Choice xmlns:a14="http://schemas.microsoft.com/office/drawing/2010/main" Requires="a14">
-          <p:sp>
-            <p:nvSpPr>
-              <p:cNvPr id="3" name="Content Placeholder 2"/>
-              <p:cNvSpPr>
-                <a:spLocks noGrp="1"/>
-              </p:cNvSpPr>
-              <p:nvPr>
-                <p:ph idx="1"/>
-              </p:nvPr>
-            </p:nvSpPr>
-            <p:spPr/>
-            <p:txBody>
-              <a:bodyPr/>
-              <a:lstStyle/>
-              <a:p>
-                <a:pPr lvl="0" marL="0" indent="0">
-                  <a:buNone/>
-                </a:pPr>
-                <a:r>
-                  <a:rPr/>
-                  <a:t>Let’s build a data generation model!</a:t>
-                </a:r>
-              </a:p>
-              <a:p>
-                <a:pPr lvl="0" marL="0" indent="0">
-                  <a:buNone/>
-                </a:pPr>
-                <a14:m>
-                  <m:oMath xmlns:m="http://schemas.openxmlformats.org/officeDocument/2006/math">
-                    <m:r>
-                      <m:t>y</m:t>
-                    </m:r>
-                    <m:r>
-                      <m:t>=</m:t>
-                    </m:r>
-                    <m:sSub>
-                      <m:e>
-                        <m:r>
-                          <m:t>β</m:t>
-                        </m:r>
-                      </m:e>
-                      <m:sub>
-                        <m:r>
-                          <m:t>0</m:t>
-                        </m:r>
-                      </m:sub>
-                    </m:sSub>
-                    <m:r>
-                      <m:t>+</m:t>
-                    </m:r>
-                    <m:sSub>
-                      <m:e>
-                        <m:r>
-                          <m:t>β</m:t>
-                        </m:r>
-                      </m:e>
-                      <m:sub>
-                        <m:r>
-                          <m:t>1</m:t>
-                        </m:r>
-                      </m:sub>
-                    </m:sSub>
-                    <m:sSub>
-                      <m:e>
-                        <m:r>
-                          <m:t>x</m:t>
-                        </m:r>
-                      </m:e>
-                      <m:sub>
-                        <m:r>
-                          <m:t>1</m:t>
-                        </m:r>
-                      </m:sub>
-                    </m:sSub>
-                    <m:r>
-                      <m:t>+</m:t>
-                    </m:r>
-                    <m:r>
-                      <m:t>ϵ</m:t>
-                    </m:r>
-                  </m:oMath>
-                </a14:m>
-                <a:br/>
-                <a14:m>
-                  <m:oMath xmlns:m="http://schemas.openxmlformats.org/officeDocument/2006/math">
-                    <m:r>
-                      <m:t>ϵ</m:t>
-                    </m:r>
-                    <m:r>
-                      <m:t>∼</m:t>
-                    </m:r>
-                    <m:r>
-                      <m:t>N</m:t>
-                    </m:r>
-                    <m:r>
-                      <m:t>(</m:t>
-                    </m:r>
-                    <m:r>
-                      <m:t>0</m:t>
-                    </m:r>
-                    <m:r>
-                      <m:t>,</m:t>
-                    </m:r>
-                    <m:sSup>
-                      <m:e>
-                        <m:r>
-                          <m:t>σ</m:t>
-                        </m:r>
-                      </m:e>
-                      <m:sup>
-                        <m:r>
-                          <m:t>2</m:t>
-                        </m:r>
-                      </m:sup>
-                    </m:sSup>
-                    <m:r>
-                      <m:t>)</m:t>
-                    </m:r>
-                  </m:oMath>
-                </a14:m>
-              </a:p>
-            </p:txBody>
-          </p:sp>
-        </mc:Choice>
-      </mc:AlternateContent>
+              <a:t>What is the distribution of p-values from our 1000 Bem replications?</a:t>
+            </a:r>
+          </a:p>
+        </p:txBody>
+      </p:sp>
     </p:spTree>
   </p:cSld>
+  <p:clrMapOvr>
+    <a:masterClrMapping/>
+  </p:clrMapOvr>
 </p:sld>
 </file>
 
@@ -3747,488 +3437,41 @@
           <a:chExt cx="0" cy="0"/>
         </a:xfrm>
       </p:grpSpPr>
-      <p:sp>
-        <p:nvSpPr>
-          <p:cNvPr id="2" name="Title 1"/>
-          <p:cNvSpPr>
-            <a:spLocks noGrp="1"/>
-          </p:cNvSpPr>
-          <p:nvPr>
-            <p:ph type="title"/>
-          </p:nvPr>
-        </p:nvSpPr>
-        <p:spPr/>
-        <p:txBody>
-          <a:bodyPr/>
-          <a:lstStyle/>
-          <a:p>
-            <a:pPr lvl="0" marL="0" indent="0">
-              <a:buNone/>
-            </a:pPr>
-            <a:r>
-              <a:rPr/>
-              <a:t>Linear</a:t>
-            </a:r>
-            <a:r>
-              <a:rPr/>
-              <a:t> </a:t>
-            </a:r>
-            <a:r>
-              <a:rPr/>
-              <a:t>models</a:t>
-            </a:r>
-          </a:p>
-        </p:txBody>
-      </p:sp>
-      <p:sp>
-        <p:nvSpPr>
-          <p:cNvPr id="3" name="Content Placeholder 2"/>
-          <p:cNvSpPr>
-            <a:spLocks noGrp="1"/>
-          </p:cNvSpPr>
-          <p:nvPr>
-            <p:ph idx="1"/>
-          </p:nvPr>
-        </p:nvSpPr>
-        <p:spPr/>
-        <p:txBody>
-          <a:bodyPr/>
-          <a:lstStyle/>
-          <a:p>
-            <a:pPr lvl="0" marL="1270000" indent="0">
-              <a:buNone/>
-            </a:pPr>
-            <a:r>
-              <a:rPr sz="1800" b="1">
-                <a:solidFill>
-                  <a:srgbClr val="007020"/>
-                </a:solidFill>
-                <a:latin typeface="Courier"/>
-              </a:rPr>
-              <a:t>set.seed</a:t>
-            </a:r>
-            <a:r>
-              <a:rPr sz="1800">
-                <a:latin typeface="Courier"/>
-              </a:rPr>
-              <a:t>(</a:t>
-            </a:r>
-            <a:r>
-              <a:rPr sz="1800">
-                <a:solidFill>
-                  <a:srgbClr val="40A070"/>
-                </a:solidFill>
-                <a:latin typeface="Courier"/>
-              </a:rPr>
-              <a:t>10</a:t>
-            </a:r>
-            <a:r>
-              <a:rPr sz="1800">
-                <a:latin typeface="Courier"/>
-              </a:rPr>
-              <a:t>)</a:t>
-            </a:r>
-            <a:br/>
-            <a:r>
-              <a:rPr sz="1800">
-                <a:latin typeface="Courier"/>
-              </a:rPr>
-              <a:t>B0 &lt;-</a:t>
-            </a:r>
-            <a:r>
-              <a:rPr sz="1800">
-                <a:solidFill>
-                  <a:srgbClr val="4070A0"/>
-                </a:solidFill>
-                <a:latin typeface="Courier"/>
-              </a:rPr>
-              <a:t> </a:t>
-            </a:r>
-            <a:r>
-              <a:rPr sz="1800">
-                <a:solidFill>
-                  <a:srgbClr val="40A070"/>
-                </a:solidFill>
-                <a:latin typeface="Courier"/>
-              </a:rPr>
-              <a:t>3</a:t>
-            </a:r>
-            <a:br/>
-            <a:r>
-              <a:rPr sz="1800">
-                <a:latin typeface="Courier"/>
-              </a:rPr>
-              <a:t>B1 &lt;-</a:t>
-            </a:r>
-            <a:r>
-              <a:rPr sz="1800">
-                <a:solidFill>
-                  <a:srgbClr val="4070A0"/>
-                </a:solidFill>
-                <a:latin typeface="Courier"/>
-              </a:rPr>
-              <a:t> </a:t>
-            </a:r>
-            <a:r>
-              <a:rPr sz="1800">
-                <a:solidFill>
-                  <a:srgbClr val="40A070"/>
-                </a:solidFill>
-                <a:latin typeface="Courier"/>
-              </a:rPr>
-              <a:t>1.5</a:t>
-            </a:r>
-            <a:br/>
-            <a:r>
-              <a:rPr sz="1800">
-                <a:latin typeface="Courier"/>
-              </a:rPr>
-              <a:t>epsilon &lt;-</a:t>
-            </a:r>
-            <a:r>
-              <a:rPr sz="1800">
-                <a:solidFill>
-                  <a:srgbClr val="4070A0"/>
-                </a:solidFill>
-                <a:latin typeface="Courier"/>
-              </a:rPr>
-              <a:t> </a:t>
-            </a:r>
-            <a:r>
-              <a:rPr sz="1800" b="1">
-                <a:solidFill>
-                  <a:srgbClr val="007020"/>
-                </a:solidFill>
-                <a:latin typeface="Courier"/>
-              </a:rPr>
-              <a:t>function</a:t>
-            </a:r>
-            <a:r>
-              <a:rPr sz="1800">
-                <a:latin typeface="Courier"/>
-              </a:rPr>
-              <a:t>(){</a:t>
-            </a:r>
-            <a:r>
-              <a:rPr sz="1800" b="1">
-                <a:solidFill>
-                  <a:srgbClr val="007020"/>
-                </a:solidFill>
-                <a:latin typeface="Courier"/>
-              </a:rPr>
-              <a:t>rnorm</a:t>
-            </a:r>
-            <a:r>
-              <a:rPr sz="1800">
-                <a:latin typeface="Courier"/>
-              </a:rPr>
-              <a:t>(</a:t>
-            </a:r>
-            <a:r>
-              <a:rPr sz="1800">
-                <a:solidFill>
-                  <a:srgbClr val="40A070"/>
-                </a:solidFill>
-                <a:latin typeface="Courier"/>
-              </a:rPr>
-              <a:t>12</a:t>
-            </a:r>
-            <a:r>
-              <a:rPr sz="1800">
-                <a:latin typeface="Courier"/>
-              </a:rPr>
-              <a:t>, </a:t>
-            </a:r>
-            <a:r>
-              <a:rPr sz="1800">
-                <a:solidFill>
-                  <a:srgbClr val="902000"/>
-                </a:solidFill>
-                <a:latin typeface="Courier"/>
-              </a:rPr>
-              <a:t>mean =</a:t>
-            </a:r>
-            <a:r>
-              <a:rPr sz="1800">
-                <a:latin typeface="Courier"/>
-              </a:rPr>
-              <a:t> </a:t>
-            </a:r>
-            <a:r>
-              <a:rPr sz="1800">
-                <a:solidFill>
-                  <a:srgbClr val="40A070"/>
-                </a:solidFill>
-                <a:latin typeface="Courier"/>
-              </a:rPr>
-              <a:t>0</a:t>
-            </a:r>
-            <a:r>
-              <a:rPr sz="1800">
-                <a:latin typeface="Courier"/>
-              </a:rPr>
-              <a:t>, </a:t>
-            </a:r>
-            <a:r>
-              <a:rPr sz="1800">
-                <a:solidFill>
-                  <a:srgbClr val="902000"/>
-                </a:solidFill>
-                <a:latin typeface="Courier"/>
-              </a:rPr>
-              <a:t>sd =</a:t>
-            </a:r>
-            <a:r>
-              <a:rPr sz="1800">
-                <a:latin typeface="Courier"/>
-              </a:rPr>
-              <a:t> </a:t>
-            </a:r>
-            <a:r>
-              <a:rPr sz="1800">
-                <a:solidFill>
-                  <a:srgbClr val="40A070"/>
-                </a:solidFill>
-                <a:latin typeface="Courier"/>
-              </a:rPr>
-              <a:t>1</a:t>
-            </a:r>
-            <a:r>
-              <a:rPr sz="1800">
-                <a:latin typeface="Courier"/>
-              </a:rPr>
-              <a:t>)}</a:t>
-            </a:r>
-            <a:br/>
-            <a:r>
-              <a:rPr sz="1800">
-                <a:latin typeface="Courier"/>
-              </a:rPr>
-              <a:t>x1 &lt;-</a:t>
-            </a:r>
-            <a:r>
-              <a:rPr sz="1800">
-                <a:solidFill>
-                  <a:srgbClr val="4070A0"/>
-                </a:solidFill>
-                <a:latin typeface="Courier"/>
-              </a:rPr>
-              <a:t> </a:t>
-            </a:r>
-            <a:r>
-              <a:rPr sz="1800" b="1">
-                <a:solidFill>
-                  <a:srgbClr val="007020"/>
-                </a:solidFill>
-                <a:latin typeface="Courier"/>
-              </a:rPr>
-              <a:t>c</a:t>
-            </a:r>
-            <a:r>
-              <a:rPr sz="1800">
-                <a:latin typeface="Courier"/>
-              </a:rPr>
-              <a:t>(</a:t>
-            </a:r>
-            <a:r>
-              <a:rPr sz="1800" b="1">
-                <a:solidFill>
-                  <a:srgbClr val="007020"/>
-                </a:solidFill>
-                <a:latin typeface="Courier"/>
-              </a:rPr>
-              <a:t>rep</a:t>
-            </a:r>
-            <a:r>
-              <a:rPr sz="1800">
-                <a:latin typeface="Courier"/>
-              </a:rPr>
-              <a:t>(</a:t>
-            </a:r>
-            <a:r>
-              <a:rPr sz="1800">
-                <a:solidFill>
-                  <a:srgbClr val="40A070"/>
-                </a:solidFill>
-                <a:latin typeface="Courier"/>
-              </a:rPr>
-              <a:t>0</a:t>
-            </a:r>
-            <a:r>
-              <a:rPr sz="1800">
-                <a:latin typeface="Courier"/>
-              </a:rPr>
-              <a:t>, </a:t>
-            </a:r>
-            <a:r>
-              <a:rPr sz="1800">
-                <a:solidFill>
-                  <a:srgbClr val="40A070"/>
-                </a:solidFill>
-                <a:latin typeface="Courier"/>
-              </a:rPr>
-              <a:t>6</a:t>
-            </a:r>
-            <a:r>
-              <a:rPr sz="1800">
-                <a:latin typeface="Courier"/>
-              </a:rPr>
-              <a:t>), </a:t>
-            </a:r>
-            <a:r>
-              <a:rPr sz="1800" b="1">
-                <a:solidFill>
-                  <a:srgbClr val="007020"/>
-                </a:solidFill>
-                <a:latin typeface="Courier"/>
-              </a:rPr>
-              <a:t>rep</a:t>
-            </a:r>
-            <a:r>
-              <a:rPr sz="1800">
-                <a:latin typeface="Courier"/>
-              </a:rPr>
-              <a:t>(</a:t>
-            </a:r>
-            <a:r>
-              <a:rPr sz="1800">
-                <a:solidFill>
-                  <a:srgbClr val="40A070"/>
-                </a:solidFill>
-                <a:latin typeface="Courier"/>
-              </a:rPr>
-              <a:t>1</a:t>
-            </a:r>
-            <a:r>
-              <a:rPr sz="1800">
-                <a:latin typeface="Courier"/>
-              </a:rPr>
-              <a:t>, </a:t>
-            </a:r>
-            <a:r>
-              <a:rPr sz="1800">
-                <a:solidFill>
-                  <a:srgbClr val="40A070"/>
-                </a:solidFill>
-                <a:latin typeface="Courier"/>
-              </a:rPr>
-              <a:t>6</a:t>
-            </a:r>
-            <a:r>
-              <a:rPr sz="1800">
-                <a:latin typeface="Courier"/>
-              </a:rPr>
-              <a:t>))</a:t>
-            </a:r>
-            <a:br/>
-            <a:br/>
-            <a:r>
-              <a:rPr sz="1800">
-                <a:latin typeface="Courier"/>
-              </a:rPr>
-              <a:t>y &lt;-</a:t>
-            </a:r>
-            <a:r>
-              <a:rPr sz="1800">
-                <a:solidFill>
-                  <a:srgbClr val="4070A0"/>
-                </a:solidFill>
-                <a:latin typeface="Courier"/>
-              </a:rPr>
-              <a:t> </a:t>
-            </a:r>
-            <a:r>
-              <a:rPr sz="1800" b="1">
-                <a:solidFill>
-                  <a:srgbClr val="007020"/>
-                </a:solidFill>
-                <a:latin typeface="Courier"/>
-              </a:rPr>
-              <a:t>function</a:t>
-            </a:r>
-            <a:r>
-              <a:rPr sz="1800">
-                <a:latin typeface="Courier"/>
-              </a:rPr>
-              <a:t>(){B0 </a:t>
-            </a:r>
-            <a:r>
-              <a:rPr sz="1800">
-                <a:solidFill>
-                  <a:srgbClr val="666666"/>
-                </a:solidFill>
-                <a:latin typeface="Courier"/>
-              </a:rPr>
-              <a:t>+</a:t>
-            </a:r>
-            <a:r>
-              <a:rPr sz="1800">
-                <a:solidFill>
-                  <a:srgbClr val="4070A0"/>
-                </a:solidFill>
-                <a:latin typeface="Courier"/>
-              </a:rPr>
-              <a:t> </a:t>
-            </a:r>
-            <a:r>
-              <a:rPr sz="1800">
-                <a:latin typeface="Courier"/>
-              </a:rPr>
-              <a:t>B1</a:t>
-            </a:r>
-            <a:r>
-              <a:rPr sz="1800">
-                <a:solidFill>
-                  <a:srgbClr val="666666"/>
-                </a:solidFill>
-                <a:latin typeface="Courier"/>
-              </a:rPr>
-              <a:t>*</a:t>
-            </a:r>
-            <a:r>
-              <a:rPr sz="1800">
-                <a:latin typeface="Courier"/>
-              </a:rPr>
-              <a:t>x1 </a:t>
-            </a:r>
-            <a:r>
-              <a:rPr sz="1800">
-                <a:solidFill>
-                  <a:srgbClr val="666666"/>
-                </a:solidFill>
-                <a:latin typeface="Courier"/>
-              </a:rPr>
-              <a:t>+</a:t>
-            </a:r>
-            <a:r>
-              <a:rPr sz="1800">
-                <a:solidFill>
-                  <a:srgbClr val="4070A0"/>
-                </a:solidFill>
-                <a:latin typeface="Courier"/>
-              </a:rPr>
-              <a:t> </a:t>
-            </a:r>
-            <a:r>
-              <a:rPr sz="1800" b="1">
-                <a:solidFill>
-                  <a:srgbClr val="007020"/>
-                </a:solidFill>
-                <a:latin typeface="Courier"/>
-              </a:rPr>
-              <a:t>epsilon</a:t>
-            </a:r>
-            <a:r>
-              <a:rPr sz="1800">
-                <a:latin typeface="Courier"/>
-              </a:rPr>
-              <a:t>()}</a:t>
-            </a:r>
-          </a:p>
-        </p:txBody>
-      </p:sp>
+      <p:pic>
+        <p:nvPicPr>
+          <p:cNvPr id="2" name="Picture 1" descr="statistical_inference_files/figure-pptx/unnamed-chunk-6-1.png"/>
+          <p:cNvPicPr>
+            <a:picLocks noGrp="1" noChangeAspect="1"/>
+          </p:cNvPicPr>
+          <p:nvPr/>
+        </p:nvPicPr>
+        <p:blipFill>
+          <a:blip r:embed="rId2"/>
+          <a:stretch>
+            <a:fillRect/>
+          </a:stretch>
+        </p:blipFill>
+        <p:spPr bwMode="auto">
+          <a:xfrm>
+            <a:off x="3276600" y="1600200"/>
+            <a:ext cx="5651500" cy="4521200"/>
+          </a:xfrm>
+          <a:prstGeom prst="rect">
+            <a:avLst/>
+          </a:prstGeom>
+          <a:noFill/>
+          <a:ln w="9525">
+            <a:noFill/>
+            <a:headEnd/>
+            <a:tailEnd/>
+          </a:ln>
+        </p:spPr>
+      </p:pic>
     </p:spTree>
   </p:cSld>
+  <p:clrMapOvr>
+    <a:masterClrMapping/>
+  </p:clrMapOvr>
 </p:sld>
 </file>
 
@@ -4264,56 +3507,98 @@
           <a:bodyPr/>
           <a:lstStyle/>
           <a:p>
-            <a:pPr lvl="0" marL="0" indent="0">
+            <a:r>
+              <a:rPr/>
+              <a:t>Type 1 error rate</a:t>
+            </a:r>
+          </a:p>
+        </p:txBody>
+      </p:sp>
+      <p:sp>
+        <p:nvSpPr>
+          <p:cNvPr id="3" name="Content Placeholder 2"/>
+          <p:cNvSpPr>
+            <a:spLocks noGrp="1"/>
+          </p:cNvSpPr>
+          <p:nvPr>
+            <p:ph idx="1"/>
+          </p:nvPr>
+        </p:nvSpPr>
+        <p:spPr/>
+        <p:txBody>
+          <a:bodyPr/>
+          <a:lstStyle/>
+          <a:p>
+            <a:pPr marL="0" indent="0">
               <a:buNone/>
             </a:pPr>
             <a:r>
               <a:rPr/>
-              <a:t>Linear</a:t>
-            </a:r>
+              <a:t>We use </a:t>
+            </a:r>
+            <a14:m xmlns:a14="http://schemas.microsoft.com/office/drawing/2010/main">
+              <m:oMath xmlns:m="http://schemas.openxmlformats.org/officeDocument/2006/math">
+                <m:r>
+                  <a:rPr>
+                    <a:latin typeface="Cambria Math" panose="02040503050406030204" pitchFamily="18" charset="0"/>
+                  </a:rPr>
+                  <m:t>𝛼</m:t>
+                </m:r>
+                <m:r>
+                  <a:rPr>
+                    <a:latin typeface="Cambria Math" panose="02040503050406030204" pitchFamily="18" charset="0"/>
+                  </a:rPr>
+                  <m:t>=.05</m:t>
+                </m:r>
+              </m:oMath>
+            </a14:m>
             <a:r>
               <a:rPr/>
-              <a:t> </a:t>
-            </a:r>
+              <a:t> by convention (or is it by convenience?)</a:t>
+            </a:r>
+          </a:p>
+          <a:p>
+            <a:pPr marL="1270000" indent="0">
+              <a:buNone/>
+            </a:pPr>
+            <a:r>
+              <a:rPr sz="2000"/>
+              <a:t>“It is convenient to take this point as a limit in judging whether a deviation is to be considered significant or not. Deviations exceeding twice the standard deviation are thus formally regarded as significant” (Fisher, 1925)</a:t>
+            </a:r>
+          </a:p>
+          <a:p>
+            <a:pPr marL="0" indent="0">
+              <a:buNone/>
+            </a:pPr>
             <a:r>
               <a:rPr/>
-              <a:t>models</a:t>
-            </a:r>
-          </a:p>
-        </p:txBody>
-      </p:sp>
-      <p:pic>
-        <p:nvPicPr>
-          <p:cNvPr descr="statistical_inference_files/figure-pptx/unnamed-chunk-8-1.png" id="0" name="Picture 1"/>
-          <p:cNvPicPr>
-            <a:picLocks noGrp="1" noChangeAspect="1"/>
-          </p:cNvPicPr>
-          <p:nvPr/>
-        </p:nvPicPr>
-        <p:blipFill>
-          <a:blip r:embed="rId2"/>
-          <a:stretch>
-            <a:fillRect/>
-          </a:stretch>
-        </p:blipFill>
-        <p:spPr bwMode="auto">
-          <a:xfrm>
-            <a:off x="1752600" y="1600200"/>
-            <a:ext cx="5651500" cy="4521200"/>
-          </a:xfrm>
-          <a:prstGeom prst="rect">
-            <a:avLst/>
-          </a:prstGeom>
-          <a:noFill/>
-          <a:ln w="9525">
-            <a:noFill/>
-            <a:headEnd/>
-            <a:tailEnd/>
-          </a:ln>
-        </p:spPr>
-      </p:pic>
+              <a:t>Compare with the histogram on the previous slide, is this what you would expect?</a:t>
+            </a:r>
+          </a:p>
+          <a:p>
+            <a:pPr marL="0" indent="0">
+              <a:buNone/>
+            </a:pPr>
+            <a:r>
+              <a:rPr/>
+              <a:t>(Hold this thought, we will look at the distribution of p-values when there </a:t>
+            </a:r>
+            <a:r>
+              <a:rPr b="1"/>
+              <a:t>is</a:t>
+            </a:r>
+            <a:r>
+              <a:rPr/>
+              <a:t> an effect later)</a:t>
+            </a:r>
+          </a:p>
+        </p:txBody>
+      </p:sp>
     </p:spTree>
   </p:cSld>
+  <p:clrMapOvr>
+    <a:masterClrMapping/>
+  </p:clrMapOvr>
 </p:sld>
 </file>
 
@@ -4349,65 +3634,220 @@
           <a:bodyPr/>
           <a:lstStyle/>
           <a:p>
-            <a:pPr lvl="0" marL="0" indent="0">
+            <a:r>
+              <a:rPr/>
+              <a:t>Linear models</a:t>
+            </a:r>
+          </a:p>
+        </p:txBody>
+      </p:sp>
+      <p:sp>
+        <p:nvSpPr>
+          <p:cNvPr id="3" name="Content Placeholder 2"/>
+          <p:cNvSpPr>
+            <a:spLocks noGrp="1"/>
+          </p:cNvSpPr>
+          <p:nvPr>
+            <p:ph idx="1"/>
+          </p:nvPr>
+        </p:nvSpPr>
+        <p:spPr/>
+        <p:txBody>
+          <a:bodyPr/>
+          <a:lstStyle/>
+          <a:p>
+            <a:pPr marL="0" indent="0">
               <a:buNone/>
             </a:pPr>
             <a:r>
               <a:rPr/>
-              <a:t>Linear</a:t>
-            </a:r>
-            <a:r>
-              <a:rPr/>
-              <a:t> </a:t>
-            </a:r>
-            <a:r>
-              <a:rPr/>
-              <a:t>models</a:t>
-            </a:r>
-          </a:p>
-        </p:txBody>
-      </p:sp>
-      <p:sp>
-        <p:nvSpPr>
-          <p:cNvPr id="3" name="Content Placeholder 2"/>
-          <p:cNvSpPr>
-            <a:spLocks noGrp="1"/>
-          </p:cNvSpPr>
-          <p:nvPr>
-            <p:ph idx="1"/>
-          </p:nvPr>
-        </p:nvSpPr>
-        <p:spPr/>
-        <p:txBody>
-          <a:bodyPr/>
-          <a:lstStyle/>
-          <a:p>
-            <a:pPr lvl="0" marL="1270000" indent="0">
+              <a:t>Let’s build a data generation model!</a:t>
+            </a:r>
+          </a:p>
+          <a:p>
+            <a:pPr marL="0" indent="0">
               <a:buNone/>
             </a:pPr>
-            <a:r>
-              <a:rPr sz="1800">
-                <a:latin typeface="Courier"/>
-              </a:rPr>
-              <a:t>##      y x1
-## 1  3.0  0
-## 2  2.8  0
-## 3  1.6  0
-## 4  2.4  0
-## 5  3.3  0
-## 6  3.4  0
-## 7  3.3  1
-## 8  4.1  1
-## 9  2.9  1
-## 10 4.2  1
-## 11 5.6  1
-## 12 5.3  1</a:t>
-            </a:r>
+            <a14:m xmlns:a14="http://schemas.microsoft.com/office/drawing/2010/main">
+              <m:oMathPara xmlns:m="http://schemas.openxmlformats.org/officeDocument/2006/math">
+                <m:oMathParaPr>
+                  <m:jc m:val="centerGroup"/>
+                </m:oMathParaPr>
+                <m:oMath xmlns:m="http://schemas.openxmlformats.org/officeDocument/2006/math">
+                  <m:r>
+                    <a:rPr>
+                      <a:latin typeface="Cambria Math" panose="02040503050406030204" pitchFamily="18" charset="0"/>
+                    </a:rPr>
+                    <m:t>𝑦</m:t>
+                  </m:r>
+                  <m:r>
+                    <a:rPr>
+                      <a:latin typeface="Cambria Math" panose="02040503050406030204" pitchFamily="18" charset="0"/>
+                    </a:rPr>
+                    <m:t>=</m:t>
+                  </m:r>
+                  <m:sSub>
+                    <m:sSubPr>
+                      <m:ctrlPr>
+                        <a:rPr i="1">
+                          <a:latin typeface="Cambria Math" panose="02040503050406030204" pitchFamily="18" charset="0"/>
+                        </a:rPr>
+                      </m:ctrlPr>
+                    </m:sSubPr>
+                    <m:e>
+                      <m:r>
+                        <a:rPr>
+                          <a:latin typeface="Cambria Math" panose="02040503050406030204" pitchFamily="18" charset="0"/>
+                        </a:rPr>
+                        <m:t>𝛽</m:t>
+                      </m:r>
+                    </m:e>
+                    <m:sub>
+                      <m:r>
+                        <a:rPr>
+                          <a:latin typeface="Cambria Math" panose="02040503050406030204" pitchFamily="18" charset="0"/>
+                        </a:rPr>
+                        <m:t>0</m:t>
+                      </m:r>
+                    </m:sub>
+                  </m:sSub>
+                  <m:r>
+                    <a:rPr>
+                      <a:latin typeface="Cambria Math" panose="02040503050406030204" pitchFamily="18" charset="0"/>
+                    </a:rPr>
+                    <m:t>+</m:t>
+                  </m:r>
+                  <m:sSub>
+                    <m:sSubPr>
+                      <m:ctrlPr>
+                        <a:rPr i="1">
+                          <a:latin typeface="Cambria Math" panose="02040503050406030204" pitchFamily="18" charset="0"/>
+                        </a:rPr>
+                      </m:ctrlPr>
+                    </m:sSubPr>
+                    <m:e>
+                      <m:r>
+                        <a:rPr>
+                          <a:latin typeface="Cambria Math" panose="02040503050406030204" pitchFamily="18" charset="0"/>
+                        </a:rPr>
+                        <m:t>𝛽</m:t>
+                      </m:r>
+                    </m:e>
+                    <m:sub>
+                      <m:r>
+                        <a:rPr>
+                          <a:latin typeface="Cambria Math" panose="02040503050406030204" pitchFamily="18" charset="0"/>
+                        </a:rPr>
+                        <m:t>1</m:t>
+                      </m:r>
+                    </m:sub>
+                  </m:sSub>
+                  <m:sSub>
+                    <m:sSubPr>
+                      <m:ctrlPr>
+                        <a:rPr i="1">
+                          <a:latin typeface="Cambria Math" panose="02040503050406030204" pitchFamily="18" charset="0"/>
+                        </a:rPr>
+                      </m:ctrlPr>
+                    </m:sSubPr>
+                    <m:e>
+                      <m:r>
+                        <a:rPr>
+                          <a:latin typeface="Cambria Math" panose="02040503050406030204" pitchFamily="18" charset="0"/>
+                        </a:rPr>
+                        <m:t>𝑥</m:t>
+                      </m:r>
+                    </m:e>
+                    <m:sub>
+                      <m:r>
+                        <a:rPr>
+                          <a:latin typeface="Cambria Math" panose="02040503050406030204" pitchFamily="18" charset="0"/>
+                        </a:rPr>
+                        <m:t>1</m:t>
+                      </m:r>
+                    </m:sub>
+                  </m:sSub>
+                  <m:r>
+                    <a:rPr>
+                      <a:latin typeface="Cambria Math" panose="02040503050406030204" pitchFamily="18" charset="0"/>
+                    </a:rPr>
+                    <m:t>+</m:t>
+                  </m:r>
+                  <m:r>
+                    <a:rPr>
+                      <a:latin typeface="Cambria Math" panose="02040503050406030204" pitchFamily="18" charset="0"/>
+                    </a:rPr>
+                    <m:t>𝜖</m:t>
+                  </m:r>
+                </m:oMath>
+                <m:oMath xmlns:m="http://schemas.openxmlformats.org/officeDocument/2006/math">
+                  <m:r>
+                    <a:rPr>
+                      <a:latin typeface="Cambria Math" panose="02040503050406030204" pitchFamily="18" charset="0"/>
+                    </a:rPr>
+                    <m:t>𝜖</m:t>
+                  </m:r>
+                  <m:r>
+                    <a:rPr>
+                      <a:latin typeface="Cambria Math" panose="02040503050406030204" pitchFamily="18" charset="0"/>
+                    </a:rPr>
+                    <m:t>∼</m:t>
+                  </m:r>
+                  <m:r>
+                    <a:rPr>
+                      <a:latin typeface="Cambria Math" panose="02040503050406030204" pitchFamily="18" charset="0"/>
+                    </a:rPr>
+                    <m:t>𝑁</m:t>
+                  </m:r>
+                  <m:r>
+                    <a:rPr>
+                      <a:latin typeface="Cambria Math" panose="02040503050406030204" pitchFamily="18" charset="0"/>
+                    </a:rPr>
+                    <m:t>(0,</m:t>
+                  </m:r>
+                  <m:sSup>
+                    <m:sSupPr>
+                      <m:ctrlPr>
+                        <a:rPr i="1">
+                          <a:latin typeface="Cambria Math" panose="02040503050406030204" pitchFamily="18" charset="0"/>
+                        </a:rPr>
+                      </m:ctrlPr>
+                    </m:sSupPr>
+                    <m:e>
+                      <m:r>
+                        <a:rPr>
+                          <a:latin typeface="Cambria Math" panose="02040503050406030204" pitchFamily="18" charset="0"/>
+                        </a:rPr>
+                        <m:t>𝜎</m:t>
+                      </m:r>
+                    </m:e>
+                    <m:sup>
+                      <m:r>
+                        <a:rPr>
+                          <a:latin typeface="Cambria Math" panose="02040503050406030204" pitchFamily="18" charset="0"/>
+                        </a:rPr>
+                        <m:t>2</m:t>
+                      </m:r>
+                    </m:sup>
+                  </m:sSup>
+                  <m:r>
+                    <a:rPr>
+                      <a:latin typeface="Cambria Math" panose="02040503050406030204" pitchFamily="18" charset="0"/>
+                    </a:rPr>
+                    <m:t>)</m:t>
+                  </m:r>
+                </m:oMath>
+              </m:oMathPara>
+            </a14:m>
+            <a:endParaRPr/>
           </a:p>
         </p:txBody>
       </p:sp>
     </p:spTree>
   </p:cSld>
+  <p:clrMapOvr>
+    <a:masterClrMapping/>
+  </p:clrMapOvr>
 </p:sld>
 </file>
 
@@ -4443,76 +3883,483 @@
           <a:bodyPr/>
           <a:lstStyle/>
           <a:p>
-            <a:pPr lvl="0" marL="0" indent="0">
+            <a:r>
+              <a:rPr/>
+              <a:t>Linear models</a:t>
+            </a:r>
+          </a:p>
+        </p:txBody>
+      </p:sp>
+      <p:sp>
+        <p:nvSpPr>
+          <p:cNvPr id="3" name="Content Placeholder 2"/>
+          <p:cNvSpPr>
+            <a:spLocks noGrp="1"/>
+          </p:cNvSpPr>
+          <p:nvPr>
+            <p:ph idx="1"/>
+          </p:nvPr>
+        </p:nvSpPr>
+        <p:spPr/>
+        <p:txBody>
+          <a:bodyPr/>
+          <a:lstStyle/>
+          <a:p>
+            <a:pPr marL="1270000" indent="0">
               <a:buNone/>
             </a:pPr>
             <a:r>
-              <a:rPr/>
-              <a:t>Linear</a:t>
-            </a:r>
-            <a:r>
-              <a:rPr/>
+              <a:rPr sz="1800" b="1">
+                <a:solidFill>
+                  <a:srgbClr val="007020"/>
+                </a:solidFill>
+                <a:latin typeface="Courier"/>
+              </a:rPr>
+              <a:t>set.seed</a:t>
+            </a:r>
+            <a:r>
+              <a:rPr sz="1800">
+                <a:latin typeface="Courier"/>
+              </a:rPr>
+              <a:t>(</a:t>
+            </a:r>
+            <a:r>
+              <a:rPr sz="1800">
+                <a:solidFill>
+                  <a:srgbClr val="40A070"/>
+                </a:solidFill>
+                <a:latin typeface="Courier"/>
+              </a:rPr>
+              <a:t>10</a:t>
+            </a:r>
+            <a:r>
+              <a:rPr sz="1800">
+                <a:latin typeface="Courier"/>
+              </a:rPr>
+              <a:t>)</a:t>
+            </a:r>
+            <a:r>
+              <a:t/>
+            </a:r>
+            <a:br/>
+            <a:r>
+              <a:rPr sz="1800">
+                <a:latin typeface="Courier"/>
+              </a:rPr>
+              <a:t>B0 &lt;-</a:t>
+            </a:r>
+            <a:r>
+              <a:rPr sz="1800">
+                <a:solidFill>
+                  <a:srgbClr val="4070A0"/>
+                </a:solidFill>
+                <a:latin typeface="Courier"/>
+              </a:rPr>
               <a:t> </a:t>
             </a:r>
             <a:r>
-              <a:rPr/>
-              <a:t>models</a:t>
-            </a:r>
-          </a:p>
-        </p:txBody>
-      </p:sp>
-      <p:sp>
-        <p:nvSpPr>
-          <p:cNvPr id="3" name="Content Placeholder 2"/>
-          <p:cNvSpPr>
-            <a:spLocks noGrp="1"/>
-          </p:cNvSpPr>
-          <p:nvPr>
-            <p:ph idx="1"/>
-          </p:nvPr>
-        </p:nvSpPr>
-        <p:spPr/>
-        <p:txBody>
-          <a:bodyPr/>
-          <a:lstStyle/>
-          <a:p>
-            <a:pPr lvl="0" marL="1270000" indent="0">
-              <a:buNone/>
-            </a:pPr>
-            <a:r>
-              <a:rPr sz="1800">
-                <a:latin typeface="Courier"/>
-              </a:rPr>
-              <a:t>## 
-##  Welch Two Sample t-test
-## 
-## data:  y by x1
-## t = -2.8891, df = 8.4102, p-value = 0.0192
-## alternative hypothesis: true difference in means is not equal to 0
-## 95 percent confidence interval:
-##  -2.6573292 -0.3093374
-## sample estimates:
-## mean in group 0 mean in group 1 
-##        2.750000        4.233333</a:t>
-            </a:r>
-          </a:p>
-          <a:p>
-            <a:pPr lvl="0" marL="1270000" indent="0">
-              <a:buNone/>
-            </a:pPr>
-            <a:r>
-              <a:rPr sz="1800">
-                <a:latin typeface="Courier"/>
-              </a:rPr>
-              <a:t>## 
-## 
-## Difference in group means =  1.483333</a:t>
+              <a:rPr sz="1800">
+                <a:solidFill>
+                  <a:srgbClr val="40A070"/>
+                </a:solidFill>
+                <a:latin typeface="Courier"/>
+              </a:rPr>
+              <a:t>3</a:t>
+            </a:r>
+            <a:r>
+              <a:t/>
+            </a:r>
+            <a:br/>
+            <a:r>
+              <a:rPr sz="1800">
+                <a:latin typeface="Courier"/>
+              </a:rPr>
+              <a:t>B1 &lt;-</a:t>
+            </a:r>
+            <a:r>
+              <a:rPr sz="1800">
+                <a:solidFill>
+                  <a:srgbClr val="4070A0"/>
+                </a:solidFill>
+                <a:latin typeface="Courier"/>
+              </a:rPr>
+              <a:t> </a:t>
+            </a:r>
+            <a:r>
+              <a:rPr sz="1800">
+                <a:solidFill>
+                  <a:srgbClr val="40A070"/>
+                </a:solidFill>
+                <a:latin typeface="Courier"/>
+              </a:rPr>
+              <a:t>1.5</a:t>
+            </a:r>
+            <a:r>
+              <a:t/>
+            </a:r>
+            <a:br/>
+            <a:r>
+              <a:rPr sz="1800">
+                <a:latin typeface="Courier"/>
+              </a:rPr>
+              <a:t>epsilon &lt;-</a:t>
+            </a:r>
+            <a:r>
+              <a:rPr sz="1800">
+                <a:solidFill>
+                  <a:srgbClr val="4070A0"/>
+                </a:solidFill>
+                <a:latin typeface="Courier"/>
+              </a:rPr>
+              <a:t> </a:t>
+            </a:r>
+            <a:r>
+              <a:rPr sz="1800" b="1">
+                <a:solidFill>
+                  <a:srgbClr val="007020"/>
+                </a:solidFill>
+                <a:latin typeface="Courier"/>
+              </a:rPr>
+              <a:t>function</a:t>
+            </a:r>
+            <a:r>
+              <a:rPr sz="1800">
+                <a:latin typeface="Courier"/>
+              </a:rPr>
+              <a:t>(){</a:t>
+            </a:r>
+            <a:r>
+              <a:rPr sz="1800" b="1">
+                <a:solidFill>
+                  <a:srgbClr val="007020"/>
+                </a:solidFill>
+                <a:latin typeface="Courier"/>
+              </a:rPr>
+              <a:t>rnorm</a:t>
+            </a:r>
+            <a:r>
+              <a:rPr sz="1800">
+                <a:latin typeface="Courier"/>
+              </a:rPr>
+              <a:t>(</a:t>
+            </a:r>
+            <a:r>
+              <a:rPr sz="1800">
+                <a:solidFill>
+                  <a:srgbClr val="40A070"/>
+                </a:solidFill>
+                <a:latin typeface="Courier"/>
+              </a:rPr>
+              <a:t>12</a:t>
+            </a:r>
+            <a:r>
+              <a:rPr sz="1800">
+                <a:latin typeface="Courier"/>
+              </a:rPr>
+              <a:t>, </a:t>
+            </a:r>
+            <a:r>
+              <a:rPr sz="1800">
+                <a:solidFill>
+                  <a:srgbClr val="902000"/>
+                </a:solidFill>
+                <a:latin typeface="Courier"/>
+              </a:rPr>
+              <a:t>mean =</a:t>
+            </a:r>
+            <a:r>
+              <a:rPr sz="1800">
+                <a:latin typeface="Courier"/>
+              </a:rPr>
+              <a:t> </a:t>
+            </a:r>
+            <a:r>
+              <a:rPr sz="1800">
+                <a:solidFill>
+                  <a:srgbClr val="40A070"/>
+                </a:solidFill>
+                <a:latin typeface="Courier"/>
+              </a:rPr>
+              <a:t>0</a:t>
+            </a:r>
+            <a:r>
+              <a:rPr sz="1800">
+                <a:latin typeface="Courier"/>
+              </a:rPr>
+              <a:t>, </a:t>
+            </a:r>
+            <a:r>
+              <a:rPr sz="1800">
+                <a:solidFill>
+                  <a:srgbClr val="902000"/>
+                </a:solidFill>
+                <a:latin typeface="Courier"/>
+              </a:rPr>
+              <a:t>sd =</a:t>
+            </a:r>
+            <a:r>
+              <a:rPr sz="1800">
+                <a:latin typeface="Courier"/>
+              </a:rPr>
+              <a:t> </a:t>
+            </a:r>
+            <a:r>
+              <a:rPr sz="1800">
+                <a:solidFill>
+                  <a:srgbClr val="40A070"/>
+                </a:solidFill>
+                <a:latin typeface="Courier"/>
+              </a:rPr>
+              <a:t>1</a:t>
+            </a:r>
+            <a:r>
+              <a:rPr sz="1800">
+                <a:latin typeface="Courier"/>
+              </a:rPr>
+              <a:t>)}</a:t>
+            </a:r>
+            <a:r>
+              <a:t/>
+            </a:r>
+            <a:br/>
+            <a:r>
+              <a:rPr sz="1800">
+                <a:latin typeface="Courier"/>
+              </a:rPr>
+              <a:t>x1 &lt;-</a:t>
+            </a:r>
+            <a:r>
+              <a:rPr sz="1800">
+                <a:solidFill>
+                  <a:srgbClr val="4070A0"/>
+                </a:solidFill>
+                <a:latin typeface="Courier"/>
+              </a:rPr>
+              <a:t> </a:t>
+            </a:r>
+            <a:r>
+              <a:rPr sz="1800" b="1">
+                <a:solidFill>
+                  <a:srgbClr val="007020"/>
+                </a:solidFill>
+                <a:latin typeface="Courier"/>
+              </a:rPr>
+              <a:t>c</a:t>
+            </a:r>
+            <a:r>
+              <a:rPr sz="1800">
+                <a:latin typeface="Courier"/>
+              </a:rPr>
+              <a:t>(</a:t>
+            </a:r>
+            <a:r>
+              <a:rPr sz="1800" b="1">
+                <a:solidFill>
+                  <a:srgbClr val="007020"/>
+                </a:solidFill>
+                <a:latin typeface="Courier"/>
+              </a:rPr>
+              <a:t>rep</a:t>
+            </a:r>
+            <a:r>
+              <a:rPr sz="1800">
+                <a:latin typeface="Courier"/>
+              </a:rPr>
+              <a:t>(</a:t>
+            </a:r>
+            <a:r>
+              <a:rPr sz="1800">
+                <a:solidFill>
+                  <a:srgbClr val="40A070"/>
+                </a:solidFill>
+                <a:latin typeface="Courier"/>
+              </a:rPr>
+              <a:t>0</a:t>
+            </a:r>
+            <a:r>
+              <a:rPr sz="1800">
+                <a:latin typeface="Courier"/>
+              </a:rPr>
+              <a:t>, </a:t>
+            </a:r>
+            <a:r>
+              <a:rPr sz="1800">
+                <a:solidFill>
+                  <a:srgbClr val="40A070"/>
+                </a:solidFill>
+                <a:latin typeface="Courier"/>
+              </a:rPr>
+              <a:t>6</a:t>
+            </a:r>
+            <a:r>
+              <a:rPr sz="1800">
+                <a:latin typeface="Courier"/>
+              </a:rPr>
+              <a:t>), </a:t>
+            </a:r>
+            <a:r>
+              <a:rPr sz="1800" b="1">
+                <a:solidFill>
+                  <a:srgbClr val="007020"/>
+                </a:solidFill>
+                <a:latin typeface="Courier"/>
+              </a:rPr>
+              <a:t>rep</a:t>
+            </a:r>
+            <a:r>
+              <a:rPr sz="1800">
+                <a:latin typeface="Courier"/>
+              </a:rPr>
+              <a:t>(</a:t>
+            </a:r>
+            <a:r>
+              <a:rPr sz="1800">
+                <a:solidFill>
+                  <a:srgbClr val="40A070"/>
+                </a:solidFill>
+                <a:latin typeface="Courier"/>
+              </a:rPr>
+              <a:t>1</a:t>
+            </a:r>
+            <a:r>
+              <a:rPr sz="1800">
+                <a:latin typeface="Courier"/>
+              </a:rPr>
+              <a:t>, </a:t>
+            </a:r>
+            <a:r>
+              <a:rPr sz="1800">
+                <a:solidFill>
+                  <a:srgbClr val="40A070"/>
+                </a:solidFill>
+                <a:latin typeface="Courier"/>
+              </a:rPr>
+              <a:t>6</a:t>
+            </a:r>
+            <a:r>
+              <a:rPr sz="1800">
+                <a:latin typeface="Courier"/>
+              </a:rPr>
+              <a:t>))</a:t>
+            </a:r>
+            <a:r>
+              <a:t/>
+            </a:r>
+            <a:br/>
+            <a:r>
+              <a:t/>
+            </a:r>
+            <a:br/>
+            <a:r>
+              <a:rPr sz="1800">
+                <a:latin typeface="Courier"/>
+              </a:rPr>
+              <a:t>y &lt;-</a:t>
+            </a:r>
+            <a:r>
+              <a:rPr sz="1800">
+                <a:solidFill>
+                  <a:srgbClr val="4070A0"/>
+                </a:solidFill>
+                <a:latin typeface="Courier"/>
+              </a:rPr>
+              <a:t> </a:t>
+            </a:r>
+            <a:r>
+              <a:rPr sz="1800" b="1">
+                <a:solidFill>
+                  <a:srgbClr val="007020"/>
+                </a:solidFill>
+                <a:latin typeface="Courier"/>
+              </a:rPr>
+              <a:t>function</a:t>
+            </a:r>
+            <a:r>
+              <a:rPr sz="1800">
+                <a:latin typeface="Courier"/>
+              </a:rPr>
+              <a:t>(){B0 </a:t>
+            </a:r>
+            <a:r>
+              <a:rPr sz="1800">
+                <a:solidFill>
+                  <a:srgbClr val="666666"/>
+                </a:solidFill>
+                <a:latin typeface="Courier"/>
+              </a:rPr>
+              <a:t>+</a:t>
+            </a:r>
+            <a:r>
+              <a:rPr sz="1800">
+                <a:solidFill>
+                  <a:srgbClr val="4070A0"/>
+                </a:solidFill>
+                <a:latin typeface="Courier"/>
+              </a:rPr>
+              <a:t> </a:t>
+            </a:r>
+            <a:r>
+              <a:rPr sz="1800">
+                <a:latin typeface="Courier"/>
+              </a:rPr>
+              <a:t>B1</a:t>
+            </a:r>
+            <a:r>
+              <a:rPr sz="1800">
+                <a:solidFill>
+                  <a:srgbClr val="666666"/>
+                </a:solidFill>
+                <a:latin typeface="Courier"/>
+              </a:rPr>
+              <a:t>*</a:t>
+            </a:r>
+            <a:r>
+              <a:rPr sz="1800">
+                <a:latin typeface="Courier"/>
+              </a:rPr>
+              <a:t>x1 </a:t>
+            </a:r>
+            <a:r>
+              <a:rPr sz="1800">
+                <a:solidFill>
+                  <a:srgbClr val="666666"/>
+                </a:solidFill>
+                <a:latin typeface="Courier"/>
+              </a:rPr>
+              <a:t>+</a:t>
+            </a:r>
+            <a:r>
+              <a:rPr sz="1800">
+                <a:solidFill>
+                  <a:srgbClr val="4070A0"/>
+                </a:solidFill>
+                <a:latin typeface="Courier"/>
+              </a:rPr>
+              <a:t> </a:t>
+            </a:r>
+            <a:r>
+              <a:rPr sz="1800" b="1">
+                <a:solidFill>
+                  <a:srgbClr val="007020"/>
+                </a:solidFill>
+                <a:latin typeface="Courier"/>
+              </a:rPr>
+              <a:t>epsilon</a:t>
+            </a:r>
+            <a:r>
+              <a:rPr sz="1800">
+                <a:latin typeface="Courier"/>
+              </a:rPr>
+              <a:t>()}</a:t>
             </a:r>
           </a:p>
         </p:txBody>
       </p:sp>
     </p:spTree>
   </p:cSld>
+  <p:clrMapOvr>
+    <a:masterClrMapping/>
+  </p:clrMapOvr>
 </p:sld>
 </file>
 
@@ -4548,216 +4395,48 @@
           <a:bodyPr/>
           <a:lstStyle/>
           <a:p>
-            <a:pPr lvl="0" marL="0" indent="0">
-              <a:buNone/>
-            </a:pPr>
             <a:r>
               <a:rPr/>
-              <a:t>Practical</a:t>
-            </a:r>
-            <a:r>
-              <a:rPr/>
-              <a:t> </a:t>
-            </a:r>
-            <a:r>
-              <a:rPr/>
-              <a:t>example</a:t>
-            </a:r>
-            <a:r>
-              <a:rPr/>
-              <a:t> </a:t>
-            </a:r>
-            <a:r>
-              <a:rPr/>
-              <a:t>-</a:t>
-            </a:r>
-            <a:r>
-              <a:rPr/>
-              <a:t> </a:t>
-            </a:r>
-            <a:r>
-              <a:rPr/>
-              <a:t>permutation</a:t>
-            </a:r>
-            <a:r>
-              <a:rPr/>
-              <a:t> </a:t>
-            </a:r>
-            <a:r>
-              <a:rPr/>
-              <a:t>test</a:t>
-            </a:r>
-          </a:p>
-        </p:txBody>
-      </p:sp>
-      <mc:AlternateContent xmlns:mc="http://schemas.openxmlformats.org/markup-compatibility/2006">
-        <mc:Choice xmlns:a14="http://schemas.microsoft.com/office/drawing/2010/main" Requires="a14">
-          <p:sp>
-            <p:nvSpPr>
-              <p:cNvPr id="3" name="Content Placeholder 2"/>
-              <p:cNvSpPr>
-                <a:spLocks noGrp="1"/>
-              </p:cNvSpPr>
-              <p:nvPr>
-                <p:ph idx="1"/>
-              </p:nvPr>
-            </p:nvSpPr>
-            <p:spPr/>
-            <p:txBody>
-              <a:bodyPr/>
-              <a:lstStyle/>
-              <a:p>
-                <a:pPr lvl="0" marL="0" indent="0">
-                  <a:buNone/>
-                </a:pPr>
-                <a:r>
-                  <a:rPr/>
-                  <a:t>Using the R scripts provided, generate data and write the numbers on the squares provided. On the coloured squares write the </a:t>
-                </a:r>
-                <a14:m>
-                  <m:oMath xmlns:m="http://schemas.openxmlformats.org/officeDocument/2006/math">
-                    <m:sSub>
-                      <m:e>
-                        <m:r>
-                          <m:t>y</m:t>
-                        </m:r>
-                      </m:e>
-                      <m:sub>
-                        <m:r>
-                          <m:t>i</m:t>
-                        </m:r>
-                      </m:sub>
-                    </m:sSub>
-                  </m:oMath>
-                </a14:m>
-                <a:r>
-                  <a:rPr/>
-                  <a:t> values corresponding to </a:t>
-                </a:r>
-                <a14:m>
-                  <m:oMath xmlns:m="http://schemas.openxmlformats.org/officeDocument/2006/math">
-                    <m:sSub>
-                      <m:e>
-                        <m:r>
-                          <m:t>x</m:t>
-                        </m:r>
-                      </m:e>
-                      <m:sub>
-                        <m:sSub>
-                          <m:e>
-                            <m:r>
-                              <m:t>1</m:t>
-                            </m:r>
-                          </m:e>
-                          <m:sub>
-                            <m:r>
-                              <m:t>i</m:t>
-                            </m:r>
-                          </m:sub>
-                        </m:sSub>
-                      </m:sub>
-                    </m:sSub>
-                    <m:r>
-                      <m:t>=</m:t>
-                    </m:r>
-                    <m:r>
-                      <m:t>0</m:t>
-                    </m:r>
-                  </m:oMath>
-                </a14:m>
-                <a:r>
-                  <a:rPr/>
-                  <a:t>, and on the white paper write the </a:t>
-                </a:r>
-                <a14:m>
-                  <m:oMath xmlns:m="http://schemas.openxmlformats.org/officeDocument/2006/math">
-                    <m:sSub>
-                      <m:e>
-                        <m:r>
-                          <m:t>y</m:t>
-                        </m:r>
-                      </m:e>
-                      <m:sub>
-                        <m:r>
-                          <m:t>i</m:t>
-                        </m:r>
-                      </m:sub>
-                    </m:sSub>
-                  </m:oMath>
-                </a14:m>
-                <a:r>
-                  <a:rPr/>
-                  <a:t> values corresponding to </a:t>
-                </a:r>
-                <a14:m>
-                  <m:oMath xmlns:m="http://schemas.openxmlformats.org/officeDocument/2006/math">
-                    <m:sSub>
-                      <m:e>
-                        <m:r>
-                          <m:t>x</m:t>
-                        </m:r>
-                      </m:e>
-                      <m:sub>
-                        <m:sSub>
-                          <m:e>
-                            <m:r>
-                              <m:t>1</m:t>
-                            </m:r>
-                          </m:e>
-                          <m:sub>
-                            <m:r>
-                              <m:t>i</m:t>
-                            </m:r>
-                          </m:sub>
-                        </m:sSub>
-                      </m:sub>
-                    </m:sSub>
-                    <m:r>
-                      <m:t>=</m:t>
-                    </m:r>
-                    <m:r>
-                      <m:t>1</m:t>
-                    </m:r>
-                  </m:oMath>
-                </a14:m>
-                <a:r>
-                  <a:rPr/>
-                  <a:t>.</a:t>
-                </a:r>
-              </a:p>
-              <a:p>
-                <a:pPr lvl="0" marL="0" indent="0">
-                  <a:buNone/>
-                </a:pPr>
-                <a:r>
-                  <a:rPr/>
-                  <a:t>Now shuffle the squares and divide into two groups of 6.</a:t>
-                </a:r>
-              </a:p>
-              <a:p>
-                <a:pPr lvl="0" marL="0" indent="0">
-                  <a:buNone/>
-                </a:pPr>
-                <a:r>
-                  <a:rPr/>
-                  <a:t>Calculate the difference between group means and record this number.</a:t>
-                </a:r>
-              </a:p>
-              <a:p>
-                <a:pPr lvl="0" marL="0" indent="0">
-                  <a:buNone/>
-                </a:pPr>
-                <a:r>
-                  <a:rPr/>
-                  <a:t>Re-shuffle, divide into new groups and calculate the group mean differences 20 times.</a:t>
-                </a:r>
-              </a:p>
-            </p:txBody>
-          </p:sp>
-        </mc:Choice>
-      </mc:AlternateContent>
+              <a:t>Linear models</a:t>
+            </a:r>
+          </a:p>
+        </p:txBody>
+      </p:sp>
+      <p:pic>
+        <p:nvPicPr>
+          <p:cNvPr id="3" name="Picture 1" descr="statistical_inference_files/figure-pptx/unnamed-chunk-8-1.png"/>
+          <p:cNvPicPr>
+            <a:picLocks noGrp="1" noChangeAspect="1"/>
+          </p:cNvPicPr>
+          <p:nvPr/>
+        </p:nvPicPr>
+        <p:blipFill>
+          <a:blip r:embed="rId2"/>
+          <a:stretch>
+            <a:fillRect/>
+          </a:stretch>
+        </p:blipFill>
+        <p:spPr bwMode="auto">
+          <a:xfrm>
+            <a:off x="3276600" y="1600200"/>
+            <a:ext cx="5651500" cy="4521200"/>
+          </a:xfrm>
+          <a:prstGeom prst="rect">
+            <a:avLst/>
+          </a:prstGeom>
+          <a:noFill/>
+          <a:ln w="9525">
+            <a:noFill/>
+            <a:headEnd/>
+            <a:tailEnd/>
+          </a:ln>
+        </p:spPr>
+      </p:pic>
     </p:spTree>
   </p:cSld>
+  <p:clrMapOvr>
+    <a:masterClrMapping/>
+  </p:clrMapOvr>
 </p:sld>
 </file>
 
@@ -4793,75 +4472,57 @@
           <a:bodyPr/>
           <a:lstStyle/>
           <a:p>
-            <a:pPr lvl="0" marL="0" indent="0">
+            <a:r>
+              <a:rPr/>
+              <a:t>Linear models</a:t>
+            </a:r>
+          </a:p>
+        </p:txBody>
+      </p:sp>
+      <p:sp>
+        <p:nvSpPr>
+          <p:cNvPr id="3" name="Content Placeholder 2"/>
+          <p:cNvSpPr>
+            <a:spLocks noGrp="1"/>
+          </p:cNvSpPr>
+          <p:nvPr>
+            <p:ph idx="1"/>
+          </p:nvPr>
+        </p:nvSpPr>
+        <p:spPr/>
+        <p:txBody>
+          <a:bodyPr/>
+          <a:lstStyle/>
+          <a:p>
+            <a:pPr marL="1270000" indent="0">
               <a:buNone/>
             </a:pPr>
             <a:r>
-              <a:rPr/>
-              <a:t>Practical</a:t>
-            </a:r>
-            <a:r>
-              <a:rPr/>
-              <a:t> </a:t>
-            </a:r>
-            <a:r>
-              <a:rPr/>
-              <a:t>example</a:t>
-            </a:r>
-            <a:r>
-              <a:rPr/>
-              <a:t> </a:t>
-            </a:r>
-            <a:r>
-              <a:rPr/>
-              <a:t>-</a:t>
-            </a:r>
-            <a:r>
-              <a:rPr/>
-              <a:t> </a:t>
-            </a:r>
-            <a:r>
-              <a:rPr/>
-              <a:t>permutation</a:t>
-            </a:r>
-            <a:r>
-              <a:rPr/>
-              <a:t> </a:t>
-            </a:r>
-            <a:r>
-              <a:rPr/>
-              <a:t>test</a:t>
-            </a:r>
-          </a:p>
-        </p:txBody>
-      </p:sp>
-      <p:sp>
-        <p:nvSpPr>
-          <p:cNvPr id="3" name="Content Placeholder 2"/>
-          <p:cNvSpPr>
-            <a:spLocks noGrp="1"/>
-          </p:cNvSpPr>
-          <p:nvPr>
-            <p:ph idx="1"/>
-          </p:nvPr>
-        </p:nvSpPr>
-        <p:spPr/>
-        <p:txBody>
-          <a:bodyPr/>
-          <a:lstStyle/>
-          <a:p>
-            <a:pPr lvl="0" marL="0" indent="0">
-              <a:buNone/>
-            </a:pPr>
-            <a:r>
-              <a:rPr/>
-              <a:t>Out of 100 permutations, how many resulted in a difference at least as large as observed in our experiment?</a:t>
+              <a:rPr sz="1800">
+                <a:latin typeface="Courier"/>
+              </a:rPr>
+              <a:t>##      y x1
+## 1  3.0  0
+## 2  2.8  0
+## 3  1.6  0
+## 4  2.4  0
+## 5  3.3  0
+## 6  3.4  0
+## 7  3.3  1
+## 8  4.1  1
+## 9  2.9  1
+## 10 4.2  1
+## 11 5.6  1
+## 12 5.3  1</a:t>
             </a:r>
           </a:p>
         </p:txBody>
       </p:sp>
     </p:spTree>
   </p:cSld>
+  <p:clrMapOvr>
+    <a:masterClrMapping/>
+  </p:clrMapOvr>
 </p:sld>
 </file>
 
@@ -4882,38 +4543,85 @@
           <a:chExt cx="0" cy="0"/>
         </a:xfrm>
       </p:grpSpPr>
-      <p:pic>
-        <p:nvPicPr>
-          <p:cNvPr descr="statistical_inference_files/figure-pptx/unnamed-chunk-12-1.png" id="0" name="Picture 1"/>
-          <p:cNvPicPr>
-            <a:picLocks noGrp="1" noChangeAspect="1"/>
-          </p:cNvPicPr>
-          <p:nvPr/>
-        </p:nvPicPr>
-        <p:blipFill>
-          <a:blip r:embed="rId2"/>
-          <a:stretch>
-            <a:fillRect/>
-          </a:stretch>
-        </p:blipFill>
-        <p:spPr bwMode="auto">
-          <a:xfrm>
-            <a:off x="1752600" y="1600200"/>
-            <a:ext cx="5651500" cy="4521200"/>
-          </a:xfrm>
-          <a:prstGeom prst="rect">
-            <a:avLst/>
-          </a:prstGeom>
-          <a:noFill/>
-          <a:ln w="9525">
-            <a:noFill/>
-            <a:headEnd/>
-            <a:tailEnd/>
-          </a:ln>
-        </p:spPr>
-      </p:pic>
+      <p:sp>
+        <p:nvSpPr>
+          <p:cNvPr id="2" name="Title 1"/>
+          <p:cNvSpPr>
+            <a:spLocks noGrp="1"/>
+          </p:cNvSpPr>
+          <p:nvPr>
+            <p:ph type="title"/>
+          </p:nvPr>
+        </p:nvSpPr>
+        <p:spPr/>
+        <p:txBody>
+          <a:bodyPr/>
+          <a:lstStyle/>
+          <a:p>
+            <a:r>
+              <a:rPr/>
+              <a:t>Linear models</a:t>
+            </a:r>
+          </a:p>
+        </p:txBody>
+      </p:sp>
+      <p:sp>
+        <p:nvSpPr>
+          <p:cNvPr id="3" name="Content Placeholder 2"/>
+          <p:cNvSpPr>
+            <a:spLocks noGrp="1"/>
+          </p:cNvSpPr>
+          <p:nvPr>
+            <p:ph idx="1"/>
+          </p:nvPr>
+        </p:nvSpPr>
+        <p:spPr/>
+        <p:txBody>
+          <a:bodyPr>
+            <a:normAutofit lnSpcReduction="10000"/>
+          </a:bodyPr>
+          <a:lstStyle/>
+          <a:p>
+            <a:pPr marL="1270000" indent="0">
+              <a:buNone/>
+            </a:pPr>
+            <a:r>
+              <a:rPr sz="1800">
+                <a:latin typeface="Courier"/>
+              </a:rPr>
+              <a:t>## 
+##  Welch Two Sample t-test
+## 
+## data:  y by x1
+## t = -2.8891, df = 8.4102, p-value = 0.0192
+## alternative hypothesis: true difference in means is not equal to 0
+## 95 percent confidence interval:
+##  -2.6573292 -0.3093374
+## sample estimates:
+## mean in group 0 mean in group 1 
+##        2.750000        4.233333</a:t>
+            </a:r>
+          </a:p>
+          <a:p>
+            <a:pPr marL="1270000" indent="0">
+              <a:buNone/>
+            </a:pPr>
+            <a:r>
+              <a:rPr sz="1800">
+                <a:latin typeface="Courier"/>
+              </a:rPr>
+              <a:t>## 
+## 
+## Difference in group means =  1.483333</a:t>
+            </a:r>
+          </a:p>
+        </p:txBody>
+      </p:sp>
     </p:spTree>
   </p:cSld>
+  <p:clrMapOvr>
+    <a:masterClrMapping/>
+  </p:clrMapOvr>
 </p:sld>
 </file>
 
@@ -4949,28 +4657,9 @@
           <a:bodyPr/>
           <a:lstStyle/>
           <a:p>
-            <a:pPr lvl="0" marL="0" indent="0">
-              <a:buNone/>
-            </a:pPr>
             <a:r>
               <a:rPr/>
-              <a:t>What</a:t>
-            </a:r>
-            <a:r>
-              <a:rPr/>
-              <a:t> </a:t>
-            </a:r>
-            <a:r>
-              <a:rPr/>
-              <a:t>is</a:t>
-            </a:r>
-            <a:r>
-              <a:rPr/>
-              <a:t> </a:t>
-            </a:r>
-            <a:r>
-              <a:rPr/>
-              <a:t>inference?</a:t>
+              <a:t>What is inference?</a:t>
             </a:r>
           </a:p>
         </p:txBody>
@@ -5025,6 +4714,9 @@
       </p:sp>
     </p:spTree>
   </p:cSld>
+  <p:clrMapOvr>
+    <a:masterClrMapping/>
+  </p:clrMapOvr>
 </p:sld>
 </file>
 
@@ -5060,549 +4752,291 @@
           <a:bodyPr/>
           <a:lstStyle/>
           <a:p>
-            <a:pPr lvl="0" marL="0" indent="0">
-              <a:buNone/>
-            </a:pPr>
             <a:r>
               <a:rPr/>
-              <a:t>Distribution</a:t>
-            </a:r>
-            <a:r>
-              <a:rPr/>
-              <a:t> </a:t>
-            </a:r>
-            <a:r>
-              <a:rPr/>
-              <a:t>of</a:t>
-            </a:r>
-            <a:r>
-              <a:rPr/>
-              <a:t> </a:t>
-            </a:r>
-            <a:r>
-              <a:rPr/>
-              <a:t>p-values</a:t>
-            </a:r>
-            <a:r>
-              <a:rPr/>
-              <a:t> </a:t>
-            </a:r>
-            <a:r>
-              <a:rPr/>
-              <a:t>(large</a:t>
-            </a:r>
-            <a:r>
-              <a:rPr/>
-              <a:t> </a:t>
-            </a:r>
-            <a:r>
-              <a:rPr/>
-              <a:t>effect)</a:t>
-            </a:r>
-          </a:p>
-        </p:txBody>
-      </p:sp>
-      <p:sp>
-        <p:nvSpPr>
-          <p:cNvPr id="3" name="Content Placeholder 2"/>
-          <p:cNvSpPr>
-            <a:spLocks noGrp="1"/>
-          </p:cNvSpPr>
-          <p:nvPr>
-            <p:ph idx="1"/>
-          </p:nvPr>
-        </p:nvSpPr>
-        <p:spPr/>
-        <p:txBody>
-          <a:bodyPr/>
-          <a:lstStyle/>
-          <a:p>
-            <a:pPr lvl="0" marL="1270000" indent="0">
-              <a:buNone/>
-            </a:pPr>
-            <a:r>
-              <a:rPr sz="1800">
-                <a:latin typeface="Courier"/>
-              </a:rPr>
-              <a:t>p.val.perm &lt;-</a:t>
-            </a:r>
-            <a:r>
-              <a:rPr sz="1800">
-                <a:solidFill>
-                  <a:srgbClr val="4070A0"/>
-                </a:solidFill>
-                <a:latin typeface="Courier"/>
-              </a:rPr>
-              <a:t> </a:t>
-            </a:r>
-            <a:r>
-              <a:rPr sz="1800" b="1">
-                <a:solidFill>
-                  <a:srgbClr val="007020"/>
-                </a:solidFill>
-                <a:latin typeface="Courier"/>
-              </a:rPr>
-              <a:t>function</a:t>
-            </a:r>
-            <a:r>
-              <a:rPr sz="1800">
-                <a:latin typeface="Courier"/>
-              </a:rPr>
-              <a:t>(){</a:t>
-            </a:r>
-            <a:br/>
-            <a:r>
-              <a:rPr sz="1800">
-                <a:latin typeface="Courier"/>
-              </a:rPr>
-              <a:t>  k &lt;-</a:t>
-            </a:r>
-            <a:r>
-              <a:rPr sz="1800">
-                <a:solidFill>
-                  <a:srgbClr val="4070A0"/>
-                </a:solidFill>
-                <a:latin typeface="Courier"/>
-              </a:rPr>
-              <a:t> </a:t>
-            </a:r>
-            <a:r>
-              <a:rPr sz="1800" b="1">
-                <a:solidFill>
-                  <a:srgbClr val="007020"/>
-                </a:solidFill>
-                <a:latin typeface="Courier"/>
-              </a:rPr>
-              <a:t>y</a:t>
-            </a:r>
-            <a:r>
-              <a:rPr sz="1800">
-                <a:latin typeface="Courier"/>
-              </a:rPr>
-              <a:t>()         </a:t>
-            </a:r>
-            <a:r>
-              <a:rPr sz="1800" i="1">
-                <a:solidFill>
-                  <a:srgbClr val="60A0B0"/>
-                </a:solidFill>
-                <a:latin typeface="Courier"/>
-              </a:rPr>
-              <a:t># run experiment again (random draws from generating model)</a:t>
-            </a:r>
-            <a:br/>
-            <a:r>
-              <a:rPr sz="1800">
-                <a:latin typeface="Courier"/>
-              </a:rPr>
-              <a:t>  obs.diff &lt;-</a:t>
-            </a:r>
-            <a:r>
-              <a:rPr sz="1800">
-                <a:solidFill>
-                  <a:srgbClr val="4070A0"/>
-                </a:solidFill>
-                <a:latin typeface="Courier"/>
-              </a:rPr>
-              <a:t> </a:t>
-            </a:r>
-            <a:r>
-              <a:rPr sz="1800" b="1">
-                <a:solidFill>
-                  <a:srgbClr val="007020"/>
-                </a:solidFill>
-                <a:latin typeface="Courier"/>
-              </a:rPr>
-              <a:t>abs</a:t>
-            </a:r>
-            <a:r>
-              <a:rPr sz="1800">
-                <a:latin typeface="Courier"/>
-              </a:rPr>
-              <a:t>(</a:t>
-            </a:r>
-            <a:r>
-              <a:rPr sz="1800" b="1">
-                <a:solidFill>
-                  <a:srgbClr val="007020"/>
-                </a:solidFill>
-                <a:latin typeface="Courier"/>
-              </a:rPr>
-              <a:t>mean</a:t>
-            </a:r>
-            <a:r>
-              <a:rPr sz="1800">
-                <a:latin typeface="Courier"/>
-              </a:rPr>
-              <a:t>(k[</a:t>
-            </a:r>
-            <a:r>
-              <a:rPr sz="1800">
-                <a:solidFill>
-                  <a:srgbClr val="40A070"/>
-                </a:solidFill>
-                <a:latin typeface="Courier"/>
-              </a:rPr>
-              <a:t>7</a:t>
-            </a:r>
-            <a:r>
-              <a:rPr sz="1800">
-                <a:solidFill>
-                  <a:srgbClr val="666666"/>
-                </a:solidFill>
-                <a:latin typeface="Courier"/>
-              </a:rPr>
-              <a:t>:</a:t>
-            </a:r>
-            <a:r>
-              <a:rPr sz="1800">
-                <a:solidFill>
-                  <a:srgbClr val="40A070"/>
-                </a:solidFill>
-                <a:latin typeface="Courier"/>
-              </a:rPr>
-              <a:t>12</a:t>
-            </a:r>
-            <a:r>
-              <a:rPr sz="1800">
-                <a:latin typeface="Courier"/>
-              </a:rPr>
-              <a:t>]</a:t>
-            </a:r>
-            <a:r>
-              <a:rPr sz="1800">
-                <a:solidFill>
-                  <a:srgbClr val="666666"/>
-                </a:solidFill>
-                <a:latin typeface="Courier"/>
-              </a:rPr>
-              <a:t>-</a:t>
-            </a:r>
-            <a:r>
-              <a:rPr sz="1800">
-                <a:latin typeface="Courier"/>
-              </a:rPr>
-              <a:t>k[</a:t>
-            </a:r>
-            <a:r>
-              <a:rPr sz="1800">
-                <a:solidFill>
-                  <a:srgbClr val="40A070"/>
-                </a:solidFill>
-                <a:latin typeface="Courier"/>
-              </a:rPr>
-              <a:t>1</a:t>
-            </a:r>
-            <a:r>
-              <a:rPr sz="1800">
-                <a:solidFill>
-                  <a:srgbClr val="666666"/>
-                </a:solidFill>
-                <a:latin typeface="Courier"/>
-              </a:rPr>
-              <a:t>:</a:t>
-            </a:r>
-            <a:r>
-              <a:rPr sz="1800">
-                <a:solidFill>
-                  <a:srgbClr val="40A070"/>
-                </a:solidFill>
-                <a:latin typeface="Courier"/>
-              </a:rPr>
-              <a:t>6</a:t>
-            </a:r>
-            <a:r>
-              <a:rPr sz="1800">
-                <a:latin typeface="Courier"/>
-              </a:rPr>
-              <a:t>]))  </a:t>
-            </a:r>
-            <a:r>
-              <a:rPr sz="1800" i="1">
-                <a:solidFill>
-                  <a:srgbClr val="60A0B0"/>
-                </a:solidFill>
-                <a:latin typeface="Courier"/>
-              </a:rPr>
-              <a:t># calculate observed difference of means</a:t>
-            </a:r>
-            <a:br/>
-            <a:r>
-              <a:rPr sz="1800">
-                <a:latin typeface="Courier"/>
-              </a:rPr>
-              <a:t>  perm &lt;-</a:t>
-            </a:r>
-            <a:r>
-              <a:rPr sz="1800">
-                <a:solidFill>
-                  <a:srgbClr val="4070A0"/>
-                </a:solidFill>
-                <a:latin typeface="Courier"/>
-              </a:rPr>
-              <a:t> </a:t>
-            </a:r>
-            <a:r>
-              <a:rPr sz="1800" b="1">
-                <a:solidFill>
-                  <a:srgbClr val="007020"/>
-                </a:solidFill>
-                <a:latin typeface="Courier"/>
-              </a:rPr>
-              <a:t>replicate</a:t>
-            </a:r>
-            <a:r>
-              <a:rPr sz="1800">
-                <a:latin typeface="Courier"/>
-              </a:rPr>
-              <a:t>(</a:t>
-            </a:r>
-            <a:r>
-              <a:rPr sz="1800">
-                <a:solidFill>
-                  <a:srgbClr val="40A070"/>
-                </a:solidFill>
-                <a:latin typeface="Courier"/>
-              </a:rPr>
-              <a:t>100</a:t>
-            </a:r>
-            <a:r>
-              <a:rPr sz="1800">
-                <a:latin typeface="Courier"/>
-              </a:rPr>
-              <a:t>, </a:t>
-            </a:r>
-            <a:r>
-              <a:rPr sz="1800" b="1">
-                <a:solidFill>
-                  <a:srgbClr val="007020"/>
-                </a:solidFill>
-                <a:latin typeface="Courier"/>
-              </a:rPr>
-              <a:t>shuffle</a:t>
-            </a:r>
-            <a:r>
-              <a:rPr sz="1800">
-                <a:latin typeface="Courier"/>
-              </a:rPr>
-              <a:t>(k))     </a:t>
-            </a:r>
-            <a:r>
-              <a:rPr sz="1800" i="1">
-                <a:solidFill>
-                  <a:srgbClr val="60A0B0"/>
-                </a:solidFill>
-                <a:latin typeface="Courier"/>
-              </a:rPr>
-              <a:t># permute ("shuffle") 100 times and calculate observed differences</a:t>
-            </a:r>
-            <a:br/>
-            <a:r>
-              <a:rPr sz="1800">
-                <a:latin typeface="Courier"/>
-              </a:rPr>
-              <a:t>  </a:t>
-            </a:r>
-            <a:r>
-              <a:rPr sz="1800" b="1">
-                <a:solidFill>
-                  <a:srgbClr val="007020"/>
-                </a:solidFill>
-                <a:latin typeface="Courier"/>
-              </a:rPr>
-              <a:t>mean</a:t>
-            </a:r>
-            <a:r>
-              <a:rPr sz="1800">
-                <a:latin typeface="Courier"/>
-              </a:rPr>
-              <a:t>(perm </a:t>
-            </a:r>
-            <a:r>
-              <a:rPr sz="1800">
-                <a:solidFill>
-                  <a:srgbClr val="666666"/>
-                </a:solidFill>
-                <a:latin typeface="Courier"/>
-              </a:rPr>
-              <a:t>&gt;=</a:t>
-            </a:r>
-            <a:r>
-              <a:rPr sz="1800">
-                <a:solidFill>
-                  <a:srgbClr val="4070A0"/>
-                </a:solidFill>
-                <a:latin typeface="Courier"/>
-              </a:rPr>
-              <a:t> </a:t>
-            </a:r>
-            <a:r>
-              <a:rPr sz="1800">
-                <a:latin typeface="Courier"/>
-              </a:rPr>
-              <a:t>obs.diff)       </a:t>
-            </a:r>
-            <a:r>
-              <a:rPr sz="1800" i="1">
-                <a:solidFill>
-                  <a:srgbClr val="60A0B0"/>
-                </a:solidFill>
-                <a:latin typeface="Courier"/>
-              </a:rPr>
-              <a:t># what proportion of permutations &gt;= observed difference from experiment</a:t>
-            </a:r>
-            <a:br/>
-            <a:r>
-              <a:rPr sz="1800">
-                <a:latin typeface="Courier"/>
-              </a:rPr>
-              <a:t>}</a:t>
-            </a:r>
-            <a:br/>
-            <a:br/>
-            <a:r>
-              <a:rPr sz="1800">
-                <a:latin typeface="Courier"/>
-              </a:rPr>
-              <a:t>p.perm &lt;-</a:t>
-            </a:r>
-            <a:r>
-              <a:rPr sz="1800">
-                <a:solidFill>
-                  <a:srgbClr val="4070A0"/>
-                </a:solidFill>
-                <a:latin typeface="Courier"/>
-              </a:rPr>
-              <a:t> </a:t>
-            </a:r>
-            <a:r>
-              <a:rPr sz="1800" b="1">
-                <a:solidFill>
-                  <a:srgbClr val="007020"/>
-                </a:solidFill>
-                <a:latin typeface="Courier"/>
-              </a:rPr>
-              <a:t>replicate</a:t>
-            </a:r>
-            <a:r>
-              <a:rPr sz="1800">
-                <a:latin typeface="Courier"/>
-              </a:rPr>
-              <a:t>(</a:t>
-            </a:r>
-            <a:r>
-              <a:rPr sz="1800">
-                <a:solidFill>
-                  <a:srgbClr val="40A070"/>
-                </a:solidFill>
-                <a:latin typeface="Courier"/>
-              </a:rPr>
-              <a:t>500</a:t>
-            </a:r>
-            <a:r>
-              <a:rPr sz="1800">
-                <a:latin typeface="Courier"/>
-              </a:rPr>
-              <a:t>, </a:t>
-            </a:r>
-            <a:r>
-              <a:rPr sz="1800" b="1">
-                <a:solidFill>
-                  <a:srgbClr val="007020"/>
-                </a:solidFill>
-                <a:latin typeface="Courier"/>
-              </a:rPr>
-              <a:t>p.val.perm</a:t>
-            </a:r>
-            <a:r>
-              <a:rPr sz="1800">
-                <a:latin typeface="Courier"/>
-              </a:rPr>
-              <a:t>())   </a:t>
-            </a:r>
-            <a:r>
-              <a:rPr sz="1800" i="1">
-                <a:solidFill>
-                  <a:srgbClr val="60A0B0"/>
-                </a:solidFill>
-                <a:latin typeface="Courier"/>
-              </a:rPr>
-              <a:t># repeat experiment 500 times, storing p-value each time</a:t>
-            </a:r>
-            <a:br/>
-            <a:r>
-              <a:rPr sz="1800" b="1">
-                <a:solidFill>
-                  <a:srgbClr val="007020"/>
-                </a:solidFill>
-                <a:latin typeface="Courier"/>
-              </a:rPr>
-              <a:t>mean</a:t>
-            </a:r>
-            <a:r>
-              <a:rPr sz="1800">
-                <a:latin typeface="Courier"/>
-              </a:rPr>
-              <a:t>(p.perm </a:t>
-            </a:r>
-            <a:r>
-              <a:rPr sz="1800">
-                <a:solidFill>
-                  <a:srgbClr val="666666"/>
-                </a:solidFill>
-                <a:latin typeface="Courier"/>
-              </a:rPr>
-              <a:t>&lt;</a:t>
-            </a:r>
-            <a:r>
-              <a:rPr sz="1800">
-                <a:solidFill>
-                  <a:srgbClr val="4070A0"/>
-                </a:solidFill>
-                <a:latin typeface="Courier"/>
-              </a:rPr>
-              <a:t> </a:t>
-            </a:r>
-            <a:r>
-              <a:rPr sz="1800">
-                <a:solidFill>
-                  <a:srgbClr val="40A070"/>
-                </a:solidFill>
-                <a:latin typeface="Courier"/>
-              </a:rPr>
-              <a:t>.05</a:t>
-            </a:r>
-            <a:r>
-              <a:rPr sz="1800">
-                <a:latin typeface="Courier"/>
-              </a:rPr>
-              <a:t>)                       </a:t>
-            </a:r>
-            <a:r>
-              <a:rPr sz="1800" i="1">
-                <a:solidFill>
-                  <a:srgbClr val="60A0B0"/>
-                </a:solidFill>
-                <a:latin typeface="Courier"/>
-              </a:rPr>
-              <a:t># true positive rate by permutation test</a:t>
-            </a:r>
-          </a:p>
-          <a:p>
-            <a:pPr lvl="0" marL="1270000" indent="0">
-              <a:buNone/>
-            </a:pPr>
-            <a:r>
-              <a:rPr sz="1800">
-                <a:latin typeface="Courier"/>
-              </a:rPr>
-              <a:t>## [1] 0.622</a:t>
-            </a:r>
-          </a:p>
-        </p:txBody>
-      </p:sp>
+              <a:t>Practical example - permutation test</a:t>
+            </a:r>
+          </a:p>
+        </p:txBody>
+      </p:sp>
+      <mc:AlternateContent xmlns:mc="http://schemas.openxmlformats.org/markup-compatibility/2006">
+        <mc:Choice xmlns:a14="http://schemas.microsoft.com/office/drawing/2010/main" Requires="a14">
+          <p:sp>
+            <p:nvSpPr>
+              <p:cNvPr id="3" name="Content Placeholder 2"/>
+              <p:cNvSpPr>
+                <a:spLocks noGrp="1"/>
+              </p:cNvSpPr>
+              <p:nvPr>
+                <p:ph idx="1"/>
+              </p:nvPr>
+            </p:nvSpPr>
+            <p:spPr/>
+            <p:txBody>
+              <a:bodyPr>
+                <a:normAutofit lnSpcReduction="10000"/>
+              </a:bodyPr>
+              <a:lstStyle/>
+              <a:p>
+                <a:pPr marL="0" indent="0">
+                  <a:buNone/>
+                </a:pPr>
+                <a:r>
+                  <a:rPr/>
+                  <a:t>Using the R scripts provided, generate data and write the numbers on the squares provided. On the coloured squares write the </a:t>
+                </a:r>
+                <a14:m>
+                  <m:oMath xmlns:m="http://schemas.openxmlformats.org/officeDocument/2006/math">
+                    <m:sSub>
+                      <m:sSubPr>
+                        <m:ctrlPr>
+                          <a:rPr>
+                            <a:latin typeface="Cambria Math" panose="02040503050406030204" pitchFamily="18" charset="0"/>
+                          </a:rPr>
+                        </m:ctrlPr>
+                      </m:sSubPr>
+                      <m:e>
+                        <m:r>
+                          <a:rPr>
+                            <a:latin typeface="Cambria Math" panose="02040503050406030204" pitchFamily="18" charset="0"/>
+                          </a:rPr>
+                          <m:t>𝑦</m:t>
+                        </m:r>
+                      </m:e>
+                      <m:sub>
+                        <m:r>
+                          <a:rPr>
+                            <a:latin typeface="Cambria Math" panose="02040503050406030204" pitchFamily="18" charset="0"/>
+                          </a:rPr>
+                          <m:t>𝑖</m:t>
+                        </m:r>
+                      </m:sub>
+                    </m:sSub>
+                  </m:oMath>
+                </a14:m>
+                <a:r>
+                  <a:rPr/>
+                  <a:t> values corresponding to </a:t>
+                </a:r>
+                <a14:m>
+                  <m:oMath xmlns:m="http://schemas.openxmlformats.org/officeDocument/2006/math">
+                    <m:sSub>
+                      <m:sSubPr>
+                        <m:ctrlPr>
+                          <a:rPr>
+                            <a:latin typeface="Cambria Math" panose="02040503050406030204" pitchFamily="18" charset="0"/>
+                          </a:rPr>
+                        </m:ctrlPr>
+                      </m:sSubPr>
+                      <m:e>
+                        <m:r>
+                          <a:rPr>
+                            <a:latin typeface="Cambria Math" panose="02040503050406030204" pitchFamily="18" charset="0"/>
+                          </a:rPr>
+                          <m:t>𝑥</m:t>
+                        </m:r>
+                      </m:e>
+                      <m:sub>
+                        <m:sSub>
+                          <m:sSubPr>
+                            <m:ctrlPr>
+                              <a:rPr i="1">
+                                <a:latin typeface="Cambria Math" panose="02040503050406030204" pitchFamily="18" charset="0"/>
+                              </a:rPr>
+                            </m:ctrlPr>
+                          </m:sSubPr>
+                          <m:e>
+                            <m:r>
+                              <a:rPr>
+                                <a:latin typeface="Cambria Math" panose="02040503050406030204" pitchFamily="18" charset="0"/>
+                              </a:rPr>
+                              <m:t>1</m:t>
+                            </m:r>
+                          </m:e>
+                          <m:sub>
+                            <m:r>
+                              <a:rPr>
+                                <a:latin typeface="Cambria Math" panose="02040503050406030204" pitchFamily="18" charset="0"/>
+                              </a:rPr>
+                              <m:t>𝑖</m:t>
+                            </m:r>
+                          </m:sub>
+                        </m:sSub>
+                      </m:sub>
+                    </m:sSub>
+                    <m:r>
+                      <a:rPr>
+                        <a:latin typeface="Cambria Math" panose="02040503050406030204" pitchFamily="18" charset="0"/>
+                      </a:rPr>
+                      <m:t>=0</m:t>
+                    </m:r>
+                  </m:oMath>
+                </a14:m>
+                <a:r>
+                  <a:rPr/>
+                  <a:t>, and on the white paper write the </a:t>
+                </a:r>
+                <a14:m>
+                  <m:oMath xmlns:m="http://schemas.openxmlformats.org/officeDocument/2006/math">
+                    <m:sSub>
+                      <m:sSubPr>
+                        <m:ctrlPr>
+                          <a:rPr>
+                            <a:latin typeface="Cambria Math" panose="02040503050406030204" pitchFamily="18" charset="0"/>
+                          </a:rPr>
+                        </m:ctrlPr>
+                      </m:sSubPr>
+                      <m:e>
+                        <m:r>
+                          <a:rPr>
+                            <a:latin typeface="Cambria Math" panose="02040503050406030204" pitchFamily="18" charset="0"/>
+                          </a:rPr>
+                          <m:t>𝑦</m:t>
+                        </m:r>
+                      </m:e>
+                      <m:sub>
+                        <m:r>
+                          <a:rPr>
+                            <a:latin typeface="Cambria Math" panose="02040503050406030204" pitchFamily="18" charset="0"/>
+                          </a:rPr>
+                          <m:t>𝑖</m:t>
+                        </m:r>
+                      </m:sub>
+                    </m:sSub>
+                  </m:oMath>
+                </a14:m>
+                <a:r>
+                  <a:rPr/>
+                  <a:t> values corresponding to </a:t>
+                </a:r>
+                <a14:m>
+                  <m:oMath xmlns:m="http://schemas.openxmlformats.org/officeDocument/2006/math">
+                    <m:sSub>
+                      <m:sSubPr>
+                        <m:ctrlPr>
+                          <a:rPr>
+                            <a:latin typeface="Cambria Math" panose="02040503050406030204" pitchFamily="18" charset="0"/>
+                          </a:rPr>
+                        </m:ctrlPr>
+                      </m:sSubPr>
+                      <m:e>
+                        <m:r>
+                          <a:rPr>
+                            <a:latin typeface="Cambria Math" panose="02040503050406030204" pitchFamily="18" charset="0"/>
+                          </a:rPr>
+                          <m:t>𝑥</m:t>
+                        </m:r>
+                      </m:e>
+                      <m:sub>
+                        <m:sSub>
+                          <m:sSubPr>
+                            <m:ctrlPr>
+                              <a:rPr i="1">
+                                <a:latin typeface="Cambria Math" panose="02040503050406030204" pitchFamily="18" charset="0"/>
+                              </a:rPr>
+                            </m:ctrlPr>
+                          </m:sSubPr>
+                          <m:e>
+                            <m:r>
+                              <a:rPr>
+                                <a:latin typeface="Cambria Math" panose="02040503050406030204" pitchFamily="18" charset="0"/>
+                              </a:rPr>
+                              <m:t>1</m:t>
+                            </m:r>
+                          </m:e>
+                          <m:sub>
+                            <m:r>
+                              <a:rPr>
+                                <a:latin typeface="Cambria Math" panose="02040503050406030204" pitchFamily="18" charset="0"/>
+                              </a:rPr>
+                              <m:t>𝑖</m:t>
+                            </m:r>
+                          </m:sub>
+                        </m:sSub>
+                      </m:sub>
+                    </m:sSub>
+                    <m:r>
+                      <a:rPr>
+                        <a:latin typeface="Cambria Math" panose="02040503050406030204" pitchFamily="18" charset="0"/>
+                      </a:rPr>
+                      <m:t>=1</m:t>
+                    </m:r>
+                  </m:oMath>
+                </a14:m>
+                <a:r>
+                  <a:rPr/>
+                  <a:t>.</a:t>
+                </a:r>
+              </a:p>
+              <a:p>
+                <a:pPr marL="0" indent="0">
+                  <a:buNone/>
+                </a:pPr>
+                <a:r>
+                  <a:rPr/>
+                  <a:t>Now shuffle the squares and divide into two groups of 6.</a:t>
+                </a:r>
+              </a:p>
+              <a:p>
+                <a:pPr marL="0" indent="0">
+                  <a:buNone/>
+                </a:pPr>
+                <a:r>
+                  <a:rPr/>
+                  <a:t>Calculate the difference between group means and record this number.</a:t>
+                </a:r>
+              </a:p>
+              <a:p>
+                <a:pPr marL="0" indent="0">
+                  <a:buNone/>
+                </a:pPr>
+                <a:r>
+                  <a:rPr/>
+                  <a:t>Re-shuffle, divide into new groups and calculate the group mean differences 20 times.</a:t>
+                </a:r>
+              </a:p>
+            </p:txBody>
+          </p:sp>
+        </mc:Choice>
+        <mc:Fallback>
+          <p:sp>
+            <p:nvSpPr>
+              <p:cNvPr id="3" name="Content Placeholder 2"/>
+              <p:cNvSpPr>
+                <a:spLocks noGrp="1" noRot="1" noChangeAspect="1" noMove="1" noResize="1" noEditPoints="1" noAdjustHandles="1" noChangeArrowheads="1" noChangeShapeType="1" noTextEdit="1"/>
+              </p:cNvSpPr>
+              <p:nvPr>
+                <p:ph idx="1"/>
+              </p:nvPr>
+            </p:nvSpPr>
+            <p:spPr>
+              <a:blipFill rotWithShape="0">
+                <a:blip r:embed="rId2"/>
+                <a:stretch>
+                  <a:fillRect l="-1389" t="-2830" r="-1944" b="-2022"/>
+                </a:stretch>
+              </a:blipFill>
+            </p:spPr>
+            <p:txBody>
+              <a:bodyPr/>
+              <a:lstStyle/>
+              <a:p>
+                <a:r>
+                  <a:rPr lang="en-AU">
+                    <a:noFill/>
+                  </a:rPr>
+                  <a:t> </a:t>
+                </a:r>
+              </a:p>
+            </p:txBody>
+          </p:sp>
+        </mc:Fallback>
+      </mc:AlternateContent>
     </p:spTree>
   </p:cSld>
+  <p:clrMapOvr>
+    <a:masterClrMapping/>
+  </p:clrMapOvr>
 </p:sld>
 </file>
 
@@ -5638,80 +5072,43 @@
           <a:bodyPr/>
           <a:lstStyle/>
           <a:p>
-            <a:pPr lvl="0" marL="0" indent="0">
+            <a:r>
+              <a:rPr/>
+              <a:t>Practical example - permutation test</a:t>
+            </a:r>
+          </a:p>
+        </p:txBody>
+      </p:sp>
+      <p:sp>
+        <p:nvSpPr>
+          <p:cNvPr id="3" name="Content Placeholder 2"/>
+          <p:cNvSpPr>
+            <a:spLocks noGrp="1"/>
+          </p:cNvSpPr>
+          <p:nvPr>
+            <p:ph idx="1"/>
+          </p:nvPr>
+        </p:nvSpPr>
+        <p:spPr/>
+        <p:txBody>
+          <a:bodyPr/>
+          <a:lstStyle/>
+          <a:p>
+            <a:pPr marL="0" indent="0">
               <a:buNone/>
             </a:pPr>
             <a:r>
               <a:rPr/>
-              <a:t>Distribution</a:t>
-            </a:r>
-            <a:r>
-              <a:rPr/>
-              <a:t> </a:t>
-            </a:r>
-            <a:r>
-              <a:rPr/>
-              <a:t>of</a:t>
-            </a:r>
-            <a:r>
-              <a:rPr/>
-              <a:t> </a:t>
-            </a:r>
-            <a:r>
-              <a:rPr/>
-              <a:t>p-values</a:t>
-            </a:r>
-            <a:r>
-              <a:rPr/>
-              <a:t> </a:t>
-            </a:r>
-            <a:r>
-              <a:rPr/>
-              <a:t>(large</a:t>
-            </a:r>
-            <a:r>
-              <a:rPr/>
-              <a:t> </a:t>
-            </a:r>
-            <a:r>
-              <a:rPr/>
-              <a:t>effect)</a:t>
-            </a:r>
-          </a:p>
-        </p:txBody>
-      </p:sp>
-      <p:pic>
-        <p:nvPicPr>
-          <p:cNvPr descr="statistical_inference_files/figure-pptx/unnamed-chunk-14-1.png" id="0" name="Picture 1"/>
-          <p:cNvPicPr>
-            <a:picLocks noGrp="1" noChangeAspect="1"/>
-          </p:cNvPicPr>
-          <p:nvPr/>
-        </p:nvPicPr>
-        <p:blipFill>
-          <a:blip r:embed="rId2"/>
-          <a:stretch>
-            <a:fillRect/>
-          </a:stretch>
-        </p:blipFill>
-        <p:spPr bwMode="auto">
-          <a:xfrm>
-            <a:off x="1752600" y="1600200"/>
-            <a:ext cx="5651500" cy="4521200"/>
-          </a:xfrm>
-          <a:prstGeom prst="rect">
-            <a:avLst/>
-          </a:prstGeom>
-          <a:noFill/>
-          <a:ln w="9525">
-            <a:noFill/>
-            <a:headEnd/>
-            <a:tailEnd/>
-          </a:ln>
-        </p:spPr>
-      </p:pic>
+              <a:t>Out of 100 permutations, how many resulted in a difference at least as large as observed in our experiment?</a:t>
+            </a:r>
+          </a:p>
+        </p:txBody>
+      </p:sp>
     </p:spTree>
   </p:cSld>
+  <p:clrMapOvr>
+    <a:masterClrMapping/>
+  </p:clrMapOvr>
 </p:sld>
 </file>
 
@@ -5732,122 +5129,41 @@
           <a:chExt cx="0" cy="0"/>
         </a:xfrm>
       </p:grpSpPr>
-      <p:sp>
-        <p:nvSpPr>
-          <p:cNvPr id="2" name="Title 1"/>
-          <p:cNvSpPr>
-            <a:spLocks noGrp="1"/>
-          </p:cNvSpPr>
-          <p:nvPr>
-            <p:ph type="title"/>
-          </p:nvPr>
-        </p:nvSpPr>
-        <p:spPr/>
-        <p:txBody>
-          <a:bodyPr/>
-          <a:lstStyle/>
-          <a:p>
-            <a:pPr lvl="0" marL="0" indent="0">
-              <a:buNone/>
-            </a:pPr>
-            <a:r>
-              <a:rPr/>
-              <a:t>What</a:t>
-            </a:r>
-            <a:r>
-              <a:rPr/>
-              <a:t> </a:t>
-            </a:r>
-            <a:r>
-              <a:rPr/>
-              <a:t>have</a:t>
-            </a:r>
-            <a:r>
-              <a:rPr/>
-              <a:t> </a:t>
-            </a:r>
-            <a:r>
-              <a:rPr/>
-              <a:t>we</a:t>
-            </a:r>
-            <a:r>
-              <a:rPr/>
-              <a:t> </a:t>
-            </a:r>
-            <a:r>
-              <a:rPr/>
-              <a:t>learned?</a:t>
-            </a:r>
-          </a:p>
-        </p:txBody>
-      </p:sp>
-      <mc:AlternateContent xmlns:mc="http://schemas.openxmlformats.org/markup-compatibility/2006">
-        <mc:Choice xmlns:a14="http://schemas.microsoft.com/office/drawing/2010/main" Requires="a14">
-          <p:sp>
-            <p:nvSpPr>
-              <p:cNvPr id="3" name="Content Placeholder 2"/>
-              <p:cNvSpPr>
-                <a:spLocks noGrp="1"/>
-              </p:cNvSpPr>
-              <p:nvPr>
-                <p:ph idx="1"/>
-              </p:nvPr>
-            </p:nvSpPr>
-            <p:spPr/>
-            <p:txBody>
-              <a:bodyPr/>
-              <a:lstStyle/>
-              <a:p>
-                <a:pPr lvl="1"/>
-                <a14:m>
-                  <m:oMath xmlns:m="http://schemas.openxmlformats.org/officeDocument/2006/math">
-                    <m:r>
-                      <m:t>α</m:t>
-                    </m:r>
-                  </m:oMath>
-                </a14:m>
-                <a:r>
-                  <a:rPr/>
-                  <a:t> (typically </a:t>
-                </a:r>
-                <a14:m>
-                  <m:oMath xmlns:m="http://schemas.openxmlformats.org/officeDocument/2006/math">
-                    <m:r>
-                      <m:t>α</m:t>
-                    </m:r>
-                    <m:r>
-                      <m:t>=</m:t>
-                    </m:r>
-                    <m:r>
-                      <m:t>.05</m:t>
-                    </m:r>
-                  </m:oMath>
-                </a14:m>
-                <a:r>
-                  <a:rPr/>
-                  <a:t>) is the proportion of times we’re prepared to reject the null when it is true, the so-called Type 1 error rate</a:t>
-                </a:r>
-              </a:p>
-              <a:p>
-                <a:pPr lvl="1"/>
-                <a:r>
-                  <a:rPr/>
-                  <a:t>if there is no difference between groups p-values are uniformly distributed over many experiments (p = .001 is no more unusual than p = .321)</a:t>
-                </a:r>
-              </a:p>
-              <a:p>
-                <a:pPr lvl="1"/>
-                <a:r>
-                  <a:rPr/>
-                  <a:t>if there is a difference between groups, p-values will not be uniformly distributed over many experiments (this is why p-values are useful under the “frequentist” assumptions)</a:t>
-                </a:r>
-              </a:p>
-            </p:txBody>
-          </p:sp>
-        </mc:Choice>
-      </mc:AlternateContent>
+      <p:pic>
+        <p:nvPicPr>
+          <p:cNvPr id="2" name="Picture 1" descr="statistical_inference_files/figure-pptx/unnamed-chunk-12-1.png"/>
+          <p:cNvPicPr>
+            <a:picLocks noGrp="1" noChangeAspect="1"/>
+          </p:cNvPicPr>
+          <p:nvPr/>
+        </p:nvPicPr>
+        <p:blipFill>
+          <a:blip r:embed="rId2"/>
+          <a:stretch>
+            <a:fillRect/>
+          </a:stretch>
+        </p:blipFill>
+        <p:spPr bwMode="auto">
+          <a:xfrm>
+            <a:off x="3276600" y="1600200"/>
+            <a:ext cx="5651500" cy="4521200"/>
+          </a:xfrm>
+          <a:prstGeom prst="rect">
+            <a:avLst/>
+          </a:prstGeom>
+          <a:noFill/>
+          <a:ln w="9525">
+            <a:noFill/>
+            <a:headEnd/>
+            <a:tailEnd/>
+          </a:ln>
+        </p:spPr>
+      </p:pic>
     </p:spTree>
   </p:cSld>
+  <p:clrMapOvr>
+    <a:masterClrMapping/>
+  </p:clrMapOvr>
 </p:sld>
 </file>
 
@@ -5883,36 +5199,772 @@
           <a:bodyPr/>
           <a:lstStyle/>
           <a:p>
-            <a:pPr lvl="0" marL="0" indent="0">
+            <a:r>
+              <a:rPr/>
+              <a:t>Distribution of p-values (large effect)</a:t>
+            </a:r>
+          </a:p>
+        </p:txBody>
+      </p:sp>
+      <p:sp>
+        <p:nvSpPr>
+          <p:cNvPr id="3" name="Content Placeholder 2"/>
+          <p:cNvSpPr>
+            <a:spLocks noGrp="1"/>
+          </p:cNvSpPr>
+          <p:nvPr>
+            <p:ph idx="1"/>
+          </p:nvPr>
+        </p:nvSpPr>
+        <p:spPr/>
+        <p:txBody>
+          <a:bodyPr>
+            <a:normAutofit lnSpcReduction="10000"/>
+          </a:bodyPr>
+          <a:lstStyle/>
+          <a:p>
+            <a:pPr marL="1270000" indent="0">
               <a:buNone/>
             </a:pPr>
             <a:r>
+              <a:rPr sz="1800">
+                <a:latin typeface="Courier"/>
+              </a:rPr>
+              <a:t>p.val.perm &lt;-</a:t>
+            </a:r>
+            <a:r>
+              <a:rPr sz="1800">
+                <a:solidFill>
+                  <a:srgbClr val="4070A0"/>
+                </a:solidFill>
+                <a:latin typeface="Courier"/>
+              </a:rPr>
+              <a:t> </a:t>
+            </a:r>
+            <a:r>
+              <a:rPr sz="1800" b="1">
+                <a:solidFill>
+                  <a:srgbClr val="007020"/>
+                </a:solidFill>
+                <a:latin typeface="Courier"/>
+              </a:rPr>
+              <a:t>function</a:t>
+            </a:r>
+            <a:r>
+              <a:rPr sz="1800">
+                <a:latin typeface="Courier"/>
+              </a:rPr>
+              <a:t>(){</a:t>
+            </a:r>
+            <a:r>
+              <a:t/>
+            </a:r>
+            <a:br/>
+            <a:r>
+              <a:rPr sz="1800">
+                <a:latin typeface="Courier"/>
+              </a:rPr>
+              <a:t>  k &lt;-</a:t>
+            </a:r>
+            <a:r>
+              <a:rPr sz="1800">
+                <a:solidFill>
+                  <a:srgbClr val="4070A0"/>
+                </a:solidFill>
+                <a:latin typeface="Courier"/>
+              </a:rPr>
+              <a:t> </a:t>
+            </a:r>
+            <a:r>
+              <a:rPr sz="1800" b="1">
+                <a:solidFill>
+                  <a:srgbClr val="007020"/>
+                </a:solidFill>
+                <a:latin typeface="Courier"/>
+              </a:rPr>
+              <a:t>y</a:t>
+            </a:r>
+            <a:r>
+              <a:rPr sz="1800">
+                <a:latin typeface="Courier"/>
+              </a:rPr>
+              <a:t>()         </a:t>
+            </a:r>
+            <a:r>
+              <a:rPr sz="1800" i="1">
+                <a:solidFill>
+                  <a:srgbClr val="60A0B0"/>
+                </a:solidFill>
+                <a:latin typeface="Courier"/>
+              </a:rPr>
+              <a:t># run experiment again (random draws from generating model)</a:t>
+            </a:r>
+            <a:r>
+              <a:t/>
+            </a:r>
+            <a:br/>
+            <a:r>
+              <a:rPr sz="1800">
+                <a:latin typeface="Courier"/>
+              </a:rPr>
+              <a:t>  obs.diff &lt;-</a:t>
+            </a:r>
+            <a:r>
+              <a:rPr sz="1800">
+                <a:solidFill>
+                  <a:srgbClr val="4070A0"/>
+                </a:solidFill>
+                <a:latin typeface="Courier"/>
+              </a:rPr>
+              <a:t> </a:t>
+            </a:r>
+            <a:r>
+              <a:rPr sz="1800" b="1">
+                <a:solidFill>
+                  <a:srgbClr val="007020"/>
+                </a:solidFill>
+                <a:latin typeface="Courier"/>
+              </a:rPr>
+              <a:t>abs</a:t>
+            </a:r>
+            <a:r>
+              <a:rPr sz="1800">
+                <a:latin typeface="Courier"/>
+              </a:rPr>
+              <a:t>(</a:t>
+            </a:r>
+            <a:r>
+              <a:rPr sz="1800" b="1">
+                <a:solidFill>
+                  <a:srgbClr val="007020"/>
+                </a:solidFill>
+                <a:latin typeface="Courier"/>
+              </a:rPr>
+              <a:t>mean</a:t>
+            </a:r>
+            <a:r>
+              <a:rPr sz="1800">
+                <a:latin typeface="Courier"/>
+              </a:rPr>
+              <a:t>(k[</a:t>
+            </a:r>
+            <a:r>
+              <a:rPr sz="1800">
+                <a:solidFill>
+                  <a:srgbClr val="40A070"/>
+                </a:solidFill>
+                <a:latin typeface="Courier"/>
+              </a:rPr>
+              <a:t>7</a:t>
+            </a:r>
+            <a:r>
+              <a:rPr sz="1800">
+                <a:solidFill>
+                  <a:srgbClr val="666666"/>
+                </a:solidFill>
+                <a:latin typeface="Courier"/>
+              </a:rPr>
+              <a:t>:</a:t>
+            </a:r>
+            <a:r>
+              <a:rPr sz="1800">
+                <a:solidFill>
+                  <a:srgbClr val="40A070"/>
+                </a:solidFill>
+                <a:latin typeface="Courier"/>
+              </a:rPr>
+              <a:t>12</a:t>
+            </a:r>
+            <a:r>
+              <a:rPr sz="1800">
+                <a:latin typeface="Courier"/>
+              </a:rPr>
+              <a:t>]</a:t>
+            </a:r>
+            <a:r>
+              <a:rPr sz="1800">
+                <a:solidFill>
+                  <a:srgbClr val="666666"/>
+                </a:solidFill>
+                <a:latin typeface="Courier"/>
+              </a:rPr>
+              <a:t>-</a:t>
+            </a:r>
+            <a:r>
+              <a:rPr sz="1800">
+                <a:latin typeface="Courier"/>
+              </a:rPr>
+              <a:t>k[</a:t>
+            </a:r>
+            <a:r>
+              <a:rPr sz="1800">
+                <a:solidFill>
+                  <a:srgbClr val="40A070"/>
+                </a:solidFill>
+                <a:latin typeface="Courier"/>
+              </a:rPr>
+              <a:t>1</a:t>
+            </a:r>
+            <a:r>
+              <a:rPr sz="1800">
+                <a:solidFill>
+                  <a:srgbClr val="666666"/>
+                </a:solidFill>
+                <a:latin typeface="Courier"/>
+              </a:rPr>
+              <a:t>:</a:t>
+            </a:r>
+            <a:r>
+              <a:rPr sz="1800">
+                <a:solidFill>
+                  <a:srgbClr val="40A070"/>
+                </a:solidFill>
+                <a:latin typeface="Courier"/>
+              </a:rPr>
+              <a:t>6</a:t>
+            </a:r>
+            <a:r>
+              <a:rPr sz="1800">
+                <a:latin typeface="Courier"/>
+              </a:rPr>
+              <a:t>]))  </a:t>
+            </a:r>
+            <a:r>
+              <a:rPr sz="1800" i="1">
+                <a:solidFill>
+                  <a:srgbClr val="60A0B0"/>
+                </a:solidFill>
+                <a:latin typeface="Courier"/>
+              </a:rPr>
+              <a:t># calculate observed difference of means</a:t>
+            </a:r>
+            <a:r>
+              <a:t/>
+            </a:r>
+            <a:br/>
+            <a:r>
+              <a:rPr sz="1800">
+                <a:latin typeface="Courier"/>
+              </a:rPr>
+              <a:t>  perm &lt;-</a:t>
+            </a:r>
+            <a:r>
+              <a:rPr sz="1800">
+                <a:solidFill>
+                  <a:srgbClr val="4070A0"/>
+                </a:solidFill>
+                <a:latin typeface="Courier"/>
+              </a:rPr>
+              <a:t> </a:t>
+            </a:r>
+            <a:r>
+              <a:rPr sz="1800" b="1">
+                <a:solidFill>
+                  <a:srgbClr val="007020"/>
+                </a:solidFill>
+                <a:latin typeface="Courier"/>
+              </a:rPr>
+              <a:t>replicate</a:t>
+            </a:r>
+            <a:r>
+              <a:rPr sz="1800">
+                <a:latin typeface="Courier"/>
+              </a:rPr>
+              <a:t>(</a:t>
+            </a:r>
+            <a:r>
+              <a:rPr sz="1800">
+                <a:solidFill>
+                  <a:srgbClr val="40A070"/>
+                </a:solidFill>
+                <a:latin typeface="Courier"/>
+              </a:rPr>
+              <a:t>100</a:t>
+            </a:r>
+            <a:r>
+              <a:rPr sz="1800">
+                <a:latin typeface="Courier"/>
+              </a:rPr>
+              <a:t>, </a:t>
+            </a:r>
+            <a:r>
+              <a:rPr sz="1800" b="1">
+                <a:solidFill>
+                  <a:srgbClr val="007020"/>
+                </a:solidFill>
+                <a:latin typeface="Courier"/>
+              </a:rPr>
+              <a:t>shuffle</a:t>
+            </a:r>
+            <a:r>
+              <a:rPr sz="1800">
+                <a:latin typeface="Courier"/>
+              </a:rPr>
+              <a:t>(k))     </a:t>
+            </a:r>
+            <a:r>
+              <a:rPr sz="1800" i="1">
+                <a:solidFill>
+                  <a:srgbClr val="60A0B0"/>
+                </a:solidFill>
+                <a:latin typeface="Courier"/>
+              </a:rPr>
+              <a:t># permute ("shuffle") 100 times and calculate observed differences</a:t>
+            </a:r>
+            <a:r>
+              <a:t/>
+            </a:r>
+            <a:br/>
+            <a:r>
+              <a:rPr sz="1800">
+                <a:latin typeface="Courier"/>
+              </a:rPr>
+              <a:t>  </a:t>
+            </a:r>
+            <a:r>
+              <a:rPr sz="1800" b="1">
+                <a:solidFill>
+                  <a:srgbClr val="007020"/>
+                </a:solidFill>
+                <a:latin typeface="Courier"/>
+              </a:rPr>
+              <a:t>mean</a:t>
+            </a:r>
+            <a:r>
+              <a:rPr sz="1800">
+                <a:latin typeface="Courier"/>
+              </a:rPr>
+              <a:t>(perm </a:t>
+            </a:r>
+            <a:r>
+              <a:rPr sz="1800">
+                <a:solidFill>
+                  <a:srgbClr val="666666"/>
+                </a:solidFill>
+                <a:latin typeface="Courier"/>
+              </a:rPr>
+              <a:t>&gt;=</a:t>
+            </a:r>
+            <a:r>
+              <a:rPr sz="1800">
+                <a:solidFill>
+                  <a:srgbClr val="4070A0"/>
+                </a:solidFill>
+                <a:latin typeface="Courier"/>
+              </a:rPr>
+              <a:t> </a:t>
+            </a:r>
+            <a:r>
+              <a:rPr sz="1800">
+                <a:latin typeface="Courier"/>
+              </a:rPr>
+              <a:t>obs.diff)       </a:t>
+            </a:r>
+            <a:r>
+              <a:rPr sz="1800" i="1">
+                <a:solidFill>
+                  <a:srgbClr val="60A0B0"/>
+                </a:solidFill>
+                <a:latin typeface="Courier"/>
+              </a:rPr>
+              <a:t># what proportion of permutations &gt;= observed difference from experiment</a:t>
+            </a:r>
+            <a:r>
+              <a:t/>
+            </a:r>
+            <a:br/>
+            <a:r>
+              <a:rPr sz="1800">
+                <a:latin typeface="Courier"/>
+              </a:rPr>
+              <a:t>}</a:t>
+            </a:r>
+            <a:r>
+              <a:t/>
+            </a:r>
+            <a:br/>
+            <a:r>
+              <a:t/>
+            </a:r>
+            <a:br/>
+            <a:r>
+              <a:rPr sz="1800">
+                <a:latin typeface="Courier"/>
+              </a:rPr>
+              <a:t>p.perm &lt;-</a:t>
+            </a:r>
+            <a:r>
+              <a:rPr sz="1800">
+                <a:solidFill>
+                  <a:srgbClr val="4070A0"/>
+                </a:solidFill>
+                <a:latin typeface="Courier"/>
+              </a:rPr>
+              <a:t> </a:t>
+            </a:r>
+            <a:r>
+              <a:rPr sz="1800" b="1">
+                <a:solidFill>
+                  <a:srgbClr val="007020"/>
+                </a:solidFill>
+                <a:latin typeface="Courier"/>
+              </a:rPr>
+              <a:t>replicate</a:t>
+            </a:r>
+            <a:r>
+              <a:rPr sz="1800">
+                <a:latin typeface="Courier"/>
+              </a:rPr>
+              <a:t>(</a:t>
+            </a:r>
+            <a:r>
+              <a:rPr sz="1800">
+                <a:solidFill>
+                  <a:srgbClr val="40A070"/>
+                </a:solidFill>
+                <a:latin typeface="Courier"/>
+              </a:rPr>
+              <a:t>500</a:t>
+            </a:r>
+            <a:r>
+              <a:rPr sz="1800">
+                <a:latin typeface="Courier"/>
+              </a:rPr>
+              <a:t>, </a:t>
+            </a:r>
+            <a:r>
+              <a:rPr sz="1800" b="1">
+                <a:solidFill>
+                  <a:srgbClr val="007020"/>
+                </a:solidFill>
+                <a:latin typeface="Courier"/>
+              </a:rPr>
+              <a:t>p.val.perm</a:t>
+            </a:r>
+            <a:r>
+              <a:rPr sz="1800">
+                <a:latin typeface="Courier"/>
+              </a:rPr>
+              <a:t>())   </a:t>
+            </a:r>
+            <a:r>
+              <a:rPr sz="1800" i="1">
+                <a:solidFill>
+                  <a:srgbClr val="60A0B0"/>
+                </a:solidFill>
+                <a:latin typeface="Courier"/>
+              </a:rPr>
+              <a:t># repeat experiment 500 times, storing p-value each time</a:t>
+            </a:r>
+            <a:r>
+              <a:t/>
+            </a:r>
+            <a:br/>
+            <a:r>
+              <a:rPr sz="1800" b="1">
+                <a:solidFill>
+                  <a:srgbClr val="007020"/>
+                </a:solidFill>
+                <a:latin typeface="Courier"/>
+              </a:rPr>
+              <a:t>mean</a:t>
+            </a:r>
+            <a:r>
+              <a:rPr sz="1800">
+                <a:latin typeface="Courier"/>
+              </a:rPr>
+              <a:t>(p.perm </a:t>
+            </a:r>
+            <a:r>
+              <a:rPr sz="1800">
+                <a:solidFill>
+                  <a:srgbClr val="666666"/>
+                </a:solidFill>
+                <a:latin typeface="Courier"/>
+              </a:rPr>
+              <a:t>&lt;</a:t>
+            </a:r>
+            <a:r>
+              <a:rPr sz="1800">
+                <a:solidFill>
+                  <a:srgbClr val="4070A0"/>
+                </a:solidFill>
+                <a:latin typeface="Courier"/>
+              </a:rPr>
+              <a:t> </a:t>
+            </a:r>
+            <a:r>
+              <a:rPr sz="1800">
+                <a:solidFill>
+                  <a:srgbClr val="40A070"/>
+                </a:solidFill>
+                <a:latin typeface="Courier"/>
+              </a:rPr>
+              <a:t>.05</a:t>
+            </a:r>
+            <a:r>
+              <a:rPr sz="1800">
+                <a:latin typeface="Courier"/>
+              </a:rPr>
+              <a:t>)                       </a:t>
+            </a:r>
+            <a:r>
+              <a:rPr sz="1800" i="1">
+                <a:solidFill>
+                  <a:srgbClr val="60A0B0"/>
+                </a:solidFill>
+                <a:latin typeface="Courier"/>
+              </a:rPr>
+              <a:t># true positive rate by permutation test</a:t>
+            </a:r>
+          </a:p>
+          <a:p>
+            <a:pPr marL="1270000" indent="0">
+              <a:buNone/>
+            </a:pPr>
+            <a:r>
+              <a:rPr sz="1800">
+                <a:latin typeface="Courier"/>
+              </a:rPr>
+              <a:t>## [1] 0.622</a:t>
+            </a:r>
+          </a:p>
+        </p:txBody>
+      </p:sp>
+    </p:spTree>
+  </p:cSld>
+  <p:clrMapOvr>
+    <a:masterClrMapping/>
+  </p:clrMapOvr>
+</p:sld>
+</file>
+
+<file path=ppt/slides/slide24.xml><?xml version="1.0" encoding="utf-8"?>
+<p:sld xmlns:a="http://schemas.openxmlformats.org/drawingml/2006/main" xmlns:r="http://schemas.openxmlformats.org/officeDocument/2006/relationships" xmlns:p="http://schemas.openxmlformats.org/presentationml/2006/main">
+  <p:cSld>
+    <p:spTree>
+      <p:nvGrpSpPr>
+        <p:cNvPr id="1" name=""/>
+        <p:cNvGrpSpPr/>
+        <p:nvPr/>
+      </p:nvGrpSpPr>
+      <p:grpSpPr>
+        <a:xfrm>
+          <a:off x="0" y="0"/>
+          <a:ext cx="0" cy="0"/>
+          <a:chOff x="0" y="0"/>
+          <a:chExt cx="0" cy="0"/>
+        </a:xfrm>
+      </p:grpSpPr>
+      <p:sp>
+        <p:nvSpPr>
+          <p:cNvPr id="2" name="Title 1"/>
+          <p:cNvSpPr>
+            <a:spLocks noGrp="1"/>
+          </p:cNvSpPr>
+          <p:nvPr>
+            <p:ph type="title"/>
+          </p:nvPr>
+        </p:nvSpPr>
+        <p:spPr/>
+        <p:txBody>
+          <a:bodyPr/>
+          <a:lstStyle/>
+          <a:p>
+            <a:r>
               <a:rPr/>
-              <a:t>What</a:t>
-            </a:r>
+              <a:t>Distribution of p-values (large effect)</a:t>
+            </a:r>
+          </a:p>
+        </p:txBody>
+      </p:sp>
+      <p:pic>
+        <p:nvPicPr>
+          <p:cNvPr id="3" name="Picture 1" descr="statistical_inference_files/figure-pptx/unnamed-chunk-14-1.png"/>
+          <p:cNvPicPr>
+            <a:picLocks noGrp="1" noChangeAspect="1"/>
+          </p:cNvPicPr>
+          <p:nvPr/>
+        </p:nvPicPr>
+        <p:blipFill>
+          <a:blip r:embed="rId2"/>
+          <a:stretch>
+            <a:fillRect/>
+          </a:stretch>
+        </p:blipFill>
+        <p:spPr bwMode="auto">
+          <a:xfrm>
+            <a:off x="3276600" y="1600200"/>
+            <a:ext cx="5651500" cy="4521200"/>
+          </a:xfrm>
+          <a:prstGeom prst="rect">
+            <a:avLst/>
+          </a:prstGeom>
+          <a:noFill/>
+          <a:ln w="9525">
+            <a:noFill/>
+            <a:headEnd/>
+            <a:tailEnd/>
+          </a:ln>
+        </p:spPr>
+      </p:pic>
+    </p:spTree>
+  </p:cSld>
+  <p:clrMapOvr>
+    <a:masterClrMapping/>
+  </p:clrMapOvr>
+</p:sld>
+</file>
+
+<file path=ppt/slides/slide25.xml><?xml version="1.0" encoding="utf-8"?>
+<p:sld xmlns:a="http://schemas.openxmlformats.org/drawingml/2006/main" xmlns:r="http://schemas.openxmlformats.org/officeDocument/2006/relationships" xmlns:p="http://schemas.openxmlformats.org/presentationml/2006/main">
+  <p:cSld>
+    <p:spTree>
+      <p:nvGrpSpPr>
+        <p:cNvPr id="1" name=""/>
+        <p:cNvGrpSpPr/>
+        <p:nvPr/>
+      </p:nvGrpSpPr>
+      <p:grpSpPr>
+        <a:xfrm>
+          <a:off x="0" y="0"/>
+          <a:ext cx="0" cy="0"/>
+          <a:chOff x="0" y="0"/>
+          <a:chExt cx="0" cy="0"/>
+        </a:xfrm>
+      </p:grpSpPr>
+      <p:sp>
+        <p:nvSpPr>
+          <p:cNvPr id="2" name="Title 1"/>
+          <p:cNvSpPr>
+            <a:spLocks noGrp="1"/>
+          </p:cNvSpPr>
+          <p:nvPr>
+            <p:ph type="title"/>
+          </p:nvPr>
+        </p:nvSpPr>
+        <p:spPr/>
+        <p:txBody>
+          <a:bodyPr/>
+          <a:lstStyle/>
+          <a:p>
             <a:r>
               <a:rPr/>
-              <a:t> </a:t>
-            </a:r>
+              <a:t>What have we learned?</a:t>
+            </a:r>
+          </a:p>
+        </p:txBody>
+      </p:sp>
+      <p:sp>
+        <p:nvSpPr>
+          <p:cNvPr id="3" name="Content Placeholder 2"/>
+          <p:cNvSpPr>
+            <a:spLocks noGrp="1"/>
+          </p:cNvSpPr>
+          <p:nvPr>
+            <p:ph idx="1"/>
+          </p:nvPr>
+        </p:nvSpPr>
+        <p:spPr/>
+        <p:txBody>
+          <a:bodyPr/>
+          <a:lstStyle/>
+          <a:p>
+            <a:pPr lvl="1"/>
+            <a14:m xmlns:a14="http://schemas.microsoft.com/office/drawing/2010/main">
+              <m:oMath xmlns:m="http://schemas.openxmlformats.org/officeDocument/2006/math">
+                <m:r>
+                  <a:rPr>
+                    <a:latin typeface="Cambria Math" panose="02040503050406030204" pitchFamily="18" charset="0"/>
+                  </a:rPr>
+                  <m:t>𝛼</m:t>
+                </m:r>
+              </m:oMath>
+            </a14:m>
             <a:r>
               <a:rPr/>
-              <a:t>have</a:t>
-            </a:r>
+              <a:t> (typically </a:t>
+            </a:r>
+            <a14:m xmlns:a14="http://schemas.microsoft.com/office/drawing/2010/main">
+              <m:oMath xmlns:m="http://schemas.openxmlformats.org/officeDocument/2006/math">
+                <m:r>
+                  <a:rPr>
+                    <a:latin typeface="Cambria Math" panose="02040503050406030204" pitchFamily="18" charset="0"/>
+                  </a:rPr>
+                  <m:t>𝛼</m:t>
+                </m:r>
+                <m:r>
+                  <a:rPr>
+                    <a:latin typeface="Cambria Math" panose="02040503050406030204" pitchFamily="18" charset="0"/>
+                  </a:rPr>
+                  <m:t>=.05</m:t>
+                </m:r>
+              </m:oMath>
+            </a14:m>
             <a:r>
               <a:rPr/>
-              <a:t> </a:t>
-            </a:r>
+              <a:t>) is the proportion of times we’re prepared to reject the null when it is true, the so-called Type 1 error rate</a:t>
+            </a:r>
+          </a:p>
+          <a:p>
+            <a:pPr lvl="1"/>
             <a:r>
               <a:rPr/>
-              <a:t>we</a:t>
-            </a:r>
+              <a:t>if there is no difference between groups p-values are uniformly distributed over many experiments (p = .001 is no more unusual than p = .321)</a:t>
+            </a:r>
+          </a:p>
+          <a:p>
+            <a:pPr lvl="1"/>
             <a:r>
               <a:rPr/>
-              <a:t> </a:t>
-            </a:r>
+              <a:t>if there is a difference between groups, p-values will not be uniformly distributed over many experiments (this is why p-values are useful under the “frequentist” assumptions)</a:t>
+            </a:r>
+          </a:p>
+        </p:txBody>
+      </p:sp>
+    </p:spTree>
+  </p:cSld>
+  <p:clrMapOvr>
+    <a:masterClrMapping/>
+  </p:clrMapOvr>
+</p:sld>
+</file>
+
+<file path=ppt/slides/slide26.xml><?xml version="1.0" encoding="utf-8"?>
+<p:sld xmlns:a="http://schemas.openxmlformats.org/drawingml/2006/main" xmlns:r="http://schemas.openxmlformats.org/officeDocument/2006/relationships" xmlns:p="http://schemas.openxmlformats.org/presentationml/2006/main">
+  <p:cSld>
+    <p:spTree>
+      <p:nvGrpSpPr>
+        <p:cNvPr id="1" name=""/>
+        <p:cNvGrpSpPr/>
+        <p:nvPr/>
+      </p:nvGrpSpPr>
+      <p:grpSpPr>
+        <a:xfrm>
+          <a:off x="0" y="0"/>
+          <a:ext cx="0" cy="0"/>
+          <a:chOff x="0" y="0"/>
+          <a:chExt cx="0" cy="0"/>
+        </a:xfrm>
+      </p:grpSpPr>
+      <p:sp>
+        <p:nvSpPr>
+          <p:cNvPr id="2" name="Title 1"/>
+          <p:cNvSpPr>
+            <a:spLocks noGrp="1"/>
+          </p:cNvSpPr>
+          <p:nvPr>
+            <p:ph type="title"/>
+          </p:nvPr>
+        </p:nvSpPr>
+        <p:spPr/>
+        <p:txBody>
+          <a:bodyPr/>
+          <a:lstStyle/>
+          <a:p>
             <a:r>
               <a:rPr/>
-              <a:t>learned?</a:t>
+              <a:t>What have we learned?</a:t>
             </a:r>
           </a:p>
         </p:txBody>
@@ -5931,14 +5983,19 @@
             </p:nvSpPr>
             <p:spPr/>
             <p:txBody>
-              <a:bodyPr/>
+              <a:bodyPr>
+                <a:normAutofit lnSpcReduction="10000"/>
+              </a:bodyPr>
               <a:lstStyle/>
               <a:p>
                 <a:pPr lvl="1"/>
                 <a14:m>
                   <m:oMath xmlns:m="http://schemas.openxmlformats.org/officeDocument/2006/math">
                     <m:r>
-                      <m:t>α</m:t>
+                      <a:rPr>
+                        <a:latin typeface="Cambria Math" panose="02040503050406030204" pitchFamily="18" charset="0"/>
+                      </a:rPr>
+                      <m:t>𝛼</m:t>
                     </m:r>
                   </m:oMath>
                 </a14:m>
@@ -5949,13 +6006,16 @@
                 <a14:m>
                   <m:oMath xmlns:m="http://schemas.openxmlformats.org/officeDocument/2006/math">
                     <m:r>
-                      <m:t>α</m:t>
+                      <a:rPr>
+                        <a:latin typeface="Cambria Math" panose="02040503050406030204" pitchFamily="18" charset="0"/>
+                      </a:rPr>
+                      <m:t>𝛼</m:t>
                     </m:r>
                     <m:r>
-                      <m:t>=</m:t>
-                    </m:r>
-                    <m:r>
-                      <m:t>.05</m:t>
+                      <a:rPr>
+                        <a:latin typeface="Cambria Math" panose="02040503050406030204" pitchFamily="18" charset="0"/>
+                      </a:rPr>
+                      <m:t>=.05</m:t>
                     </m:r>
                   </m:oMath>
                 </a14:m>
@@ -5988,569 +6048,45 @@
             </p:txBody>
           </p:sp>
         </mc:Choice>
-      </mc:AlternateContent>
-    </p:spTree>
-  </p:cSld>
-</p:sld>
-</file>
-
-<file path=ppt/slides/slide24.xml><?xml version="1.0" encoding="utf-8"?>
-<p:sld xmlns:a="http://schemas.openxmlformats.org/drawingml/2006/main" xmlns:r="http://schemas.openxmlformats.org/officeDocument/2006/relationships" xmlns:p="http://schemas.openxmlformats.org/presentationml/2006/main">
-  <p:cSld>
-    <p:spTree>
-      <p:nvGrpSpPr>
-        <p:cNvPr id="1" name=""/>
-        <p:cNvGrpSpPr/>
-        <p:nvPr/>
-      </p:nvGrpSpPr>
-      <p:grpSpPr>
-        <a:xfrm>
-          <a:off x="0" y="0"/>
-          <a:ext cx="0" cy="0"/>
-          <a:chOff x="0" y="0"/>
-          <a:chExt cx="0" cy="0"/>
-        </a:xfrm>
-      </p:grpSpPr>
-      <p:sp>
-        <p:nvSpPr>
-          <p:cNvPr id="2" name="Title 1"/>
-          <p:cNvSpPr>
-            <a:spLocks noGrp="1"/>
-          </p:cNvSpPr>
-          <p:nvPr>
-            <p:ph type="title"/>
-          </p:nvPr>
-        </p:nvSpPr>
-        <p:spPr/>
-        <p:txBody>
-          <a:bodyPr/>
-          <a:lstStyle/>
-          <a:p>
-            <a:pPr lvl="0" marL="0" indent="0">
-              <a:buNone/>
-            </a:pPr>
-            <a:r>
-              <a:rPr/>
-              <a:t>What</a:t>
-            </a:r>
-            <a:r>
-              <a:rPr/>
-              <a:t> </a:t>
-            </a:r>
-            <a:r>
-              <a:rPr/>
-              <a:t>have</a:t>
-            </a:r>
-            <a:r>
-              <a:rPr/>
-              <a:t> </a:t>
-            </a:r>
-            <a:r>
-              <a:rPr/>
-              <a:t>we</a:t>
-            </a:r>
-            <a:r>
-              <a:rPr/>
-              <a:t> </a:t>
-            </a:r>
-            <a:r>
-              <a:rPr/>
-              <a:t>learned?</a:t>
-            </a:r>
-          </a:p>
-        </p:txBody>
-      </p:sp>
-      <mc:AlternateContent xmlns:mc="http://schemas.openxmlformats.org/markup-compatibility/2006">
-        <mc:Choice xmlns:a14="http://schemas.microsoft.com/office/drawing/2010/main" Requires="a14">
+        <mc:Fallback>
           <p:sp>
             <p:nvSpPr>
               <p:cNvPr id="3" name="Content Placeholder 2"/>
               <p:cNvSpPr>
-                <a:spLocks noGrp="1"/>
+                <a:spLocks noGrp="1" noRot="1" noChangeAspect="1" noMove="1" noResize="1" noEditPoints="1" noAdjustHandles="1" noChangeArrowheads="1" noChangeShapeType="1" noTextEdit="1"/>
               </p:cNvSpPr>
               <p:nvPr>
                 <p:ph idx="1"/>
               </p:nvPr>
             </p:nvSpPr>
-            <p:spPr/>
+            <p:spPr>
+              <a:blipFill rotWithShape="0">
+                <a:blip r:embed="rId2"/>
+                <a:stretch>
+                  <a:fillRect t="-2291" r="-1500"/>
+                </a:stretch>
+              </a:blipFill>
+            </p:spPr>
             <p:txBody>
               <a:bodyPr/>
               <a:lstStyle/>
               <a:p>
-                <a:pPr lvl="1"/>
                 <a:r>
-                  <a:rPr/>
-                  <a:t>the p-value can’t tell us if there is no effect (it can tell us if the </a:t>
-                </a:r>
-                <a:r>
-                  <a:rPr b="1"/>
-                  <a:t>data</a:t>
-                </a:r>
-                <a:r>
-                  <a:rPr/>
-                  <a:t> would not be surprising under the null)</a:t>
-                </a:r>
-              </a:p>
-              <a:p>
-                <a:pPr lvl="1"/>
-                <a14:m>
-                  <m:oMath xmlns:m="http://schemas.openxmlformats.org/officeDocument/2006/math">
-                    <m:r>
-                      <m:t>p</m:t>
-                    </m:r>
-                    <m:r>
-                      <m:t>(</m:t>
-                    </m:r>
-                    <m:r>
-                      <m:t>y</m:t>
-                    </m:r>
-                    <m:r>
-                      <m:t>|</m:t>
-                    </m:r>
-                    <m:sSub>
-                      <m:e>
-                        <m:r>
-                          <m:t>H</m:t>
-                        </m:r>
-                      </m:e>
-                      <m:sub>
-                        <m:r>
-                          <m:t>0</m:t>
-                        </m:r>
-                      </m:sub>
-                    </m:sSub>
-                    <m:r>
-                      <m:t>)</m:t>
-                    </m:r>
-                    <m:r>
-                      <m:t>≠</m:t>
-                    </m:r>
-                    <m:r>
-                      <m:t>p</m:t>
-                    </m:r>
-                    <m:r>
-                      <m:t>(</m:t>
-                    </m:r>
-                    <m:sSub>
-                      <m:e>
-                        <m:r>
-                          <m:t>H</m:t>
-                        </m:r>
-                      </m:e>
-                      <m:sub>
-                        <m:r>
-                          <m:t>0</m:t>
-                        </m:r>
-                      </m:sub>
-                    </m:sSub>
-                    <m:r>
-                      <m:t>|</m:t>
-                    </m:r>
-                    <m:r>
-                      <m:t>y</m:t>
-                    </m:r>
-                    <m:r>
-                      <m:t>)</m:t>
-                    </m:r>
-                  </m:oMath>
-                </a14:m>
-                <a:r>
-                  <a:rPr/>
-                  <a:t> “fallacy of the transposed conditional”</a:t>
+                  <a:rPr lang="en-AU">
+                    <a:noFill/>
+                  </a:rPr>
+                  <a:t> </a:t>
                 </a:r>
               </a:p>
             </p:txBody>
           </p:sp>
-        </mc:Choice>
+        </mc:Fallback>
       </mc:AlternateContent>
     </p:spTree>
   </p:cSld>
-</p:sld>
-</file>
-
-<file path=ppt/slides/slide25.xml><?xml version="1.0" encoding="utf-8"?>
-<p:sld xmlns:a="http://schemas.openxmlformats.org/drawingml/2006/main" xmlns:r="http://schemas.openxmlformats.org/officeDocument/2006/relationships" xmlns:p="http://schemas.openxmlformats.org/presentationml/2006/main">
-  <p:cSld>
-    <p:spTree>
-      <p:nvGrpSpPr>
-        <p:cNvPr id="1" name=""/>
-        <p:cNvGrpSpPr/>
-        <p:nvPr/>
-      </p:nvGrpSpPr>
-      <p:grpSpPr>
-        <a:xfrm>
-          <a:off x="0" y="0"/>
-          <a:ext cx="0" cy="0"/>
-          <a:chOff x="0" y="0"/>
-          <a:chExt cx="0" cy="0"/>
-        </a:xfrm>
-      </p:grpSpPr>
-      <p:sp>
-        <p:nvSpPr>
-          <p:cNvPr id="2" name="Title 1"/>
-          <p:cNvSpPr>
-            <a:spLocks noGrp="1"/>
-          </p:cNvSpPr>
-          <p:nvPr>
-            <p:ph type="title"/>
-          </p:nvPr>
-        </p:nvSpPr>
-        <p:spPr/>
-        <p:txBody>
-          <a:bodyPr/>
-          <a:lstStyle/>
-          <a:p>
-            <a:pPr lvl="0" marL="0" indent="0">
-              <a:buNone/>
-            </a:pPr>
-            <a:r>
-              <a:rPr/>
-              <a:t>What</a:t>
-            </a:r>
-            <a:r>
-              <a:rPr/>
-              <a:t> </a:t>
-            </a:r>
-            <a:r>
-              <a:rPr/>
-              <a:t>have</a:t>
-            </a:r>
-            <a:r>
-              <a:rPr/>
-              <a:t> </a:t>
-            </a:r>
-            <a:r>
-              <a:rPr/>
-              <a:t>we</a:t>
-            </a:r>
-            <a:r>
-              <a:rPr/>
-              <a:t> </a:t>
-            </a:r>
-            <a:r>
-              <a:rPr/>
-              <a:t>learned?</a:t>
-            </a:r>
-          </a:p>
-        </p:txBody>
-      </p:sp>
-      <mc:AlternateContent xmlns:mc="http://schemas.openxmlformats.org/markup-compatibility/2006">
-        <mc:Choice xmlns:a14="http://schemas.microsoft.com/office/drawing/2010/main" Requires="a14">
-          <p:sp>
-            <p:nvSpPr>
-              <p:cNvPr id="3" name="Content Placeholder 2"/>
-              <p:cNvSpPr>
-                <a:spLocks noGrp="1"/>
-              </p:cNvSpPr>
-              <p:nvPr>
-                <p:ph idx="1"/>
-              </p:nvPr>
-            </p:nvSpPr>
-            <p:spPr/>
-            <p:txBody>
-              <a:bodyPr/>
-              <a:lstStyle/>
-              <a:p>
-                <a:pPr lvl="1"/>
-                <a:r>
-                  <a:rPr/>
-                  <a:t>the p-value can’t tell us if there is no effect (it can tell us if the </a:t>
-                </a:r>
-                <a:r>
-                  <a:rPr b="1"/>
-                  <a:t>data</a:t>
-                </a:r>
-                <a:r>
-                  <a:rPr/>
-                  <a:t> would not be surprising under the null)</a:t>
-                </a:r>
-              </a:p>
-              <a:p>
-                <a:pPr lvl="1"/>
-                <a14:m>
-                  <m:oMath xmlns:m="http://schemas.openxmlformats.org/officeDocument/2006/math">
-                    <m:r>
-                      <m:t>p</m:t>
-                    </m:r>
-                    <m:r>
-                      <m:t>(</m:t>
-                    </m:r>
-                    <m:r>
-                      <m:t>y</m:t>
-                    </m:r>
-                    <m:r>
-                      <m:t>|</m:t>
-                    </m:r>
-                    <m:sSub>
-                      <m:e>
-                        <m:r>
-                          <m:t>H</m:t>
-                        </m:r>
-                      </m:e>
-                      <m:sub>
-                        <m:r>
-                          <m:t>0</m:t>
-                        </m:r>
-                      </m:sub>
-                    </m:sSub>
-                    <m:r>
-                      <m:t>)</m:t>
-                    </m:r>
-                    <m:r>
-                      <m:t>≠</m:t>
-                    </m:r>
-                    <m:r>
-                      <m:t>p</m:t>
-                    </m:r>
-                    <m:r>
-                      <m:t>(</m:t>
-                    </m:r>
-                    <m:sSub>
-                      <m:e>
-                        <m:r>
-                          <m:t>H</m:t>
-                        </m:r>
-                      </m:e>
-                      <m:sub>
-                        <m:r>
-                          <m:t>0</m:t>
-                        </m:r>
-                      </m:sub>
-                    </m:sSub>
-                    <m:r>
-                      <m:t>|</m:t>
-                    </m:r>
-                    <m:r>
-                      <m:t>y</m:t>
-                    </m:r>
-                    <m:r>
-                      <m:t>)</m:t>
-                    </m:r>
-                  </m:oMath>
-                </a14:m>
-                <a:r>
-                  <a:rPr/>
-                  <a:t> “fallacy of the transposed conditional”</a:t>
-                </a:r>
-                <a:br/>
-              </a:p>
-              <a:p>
-                <a:pPr lvl="1"/>
-                <a:r>
-                  <a:rPr/>
-                  <a:t>the p-value is heavily dependent on test assumptions - </a:t>
-                </a:r>
-                <a:r>
-                  <a:rPr b="1"/>
-                  <a:t>you must check that these assumptions are satisfied</a:t>
-                </a:r>
-              </a:p>
-            </p:txBody>
-          </p:sp>
-        </mc:Choice>
-      </mc:AlternateContent>
-    </p:spTree>
-  </p:cSld>
-</p:sld>
-</file>
-
-<file path=ppt/slides/slide26.xml><?xml version="1.0" encoding="utf-8"?>
-<p:sld xmlns:a="http://schemas.openxmlformats.org/drawingml/2006/main" xmlns:r="http://schemas.openxmlformats.org/officeDocument/2006/relationships" xmlns:p="http://schemas.openxmlformats.org/presentationml/2006/main">
-  <p:cSld>
-    <p:spTree>
-      <p:nvGrpSpPr>
-        <p:cNvPr id="1" name=""/>
-        <p:cNvGrpSpPr/>
-        <p:nvPr/>
-      </p:nvGrpSpPr>
-      <p:grpSpPr>
-        <a:xfrm>
-          <a:off x="0" y="0"/>
-          <a:ext cx="0" cy="0"/>
-          <a:chOff x="0" y="0"/>
-          <a:chExt cx="0" cy="0"/>
-        </a:xfrm>
-      </p:grpSpPr>
-      <p:sp>
-        <p:nvSpPr>
-          <p:cNvPr id="2" name="Title 1"/>
-          <p:cNvSpPr>
-            <a:spLocks noGrp="1"/>
-          </p:cNvSpPr>
-          <p:nvPr>
-            <p:ph type="title"/>
-          </p:nvPr>
-        </p:nvSpPr>
-        <p:spPr/>
-        <p:txBody>
-          <a:bodyPr/>
-          <a:lstStyle/>
-          <a:p>
-            <a:pPr lvl="0" marL="0" indent="0">
-              <a:buNone/>
-            </a:pPr>
-            <a:r>
-              <a:rPr/>
-              <a:t>What</a:t>
-            </a:r>
-            <a:r>
-              <a:rPr/>
-              <a:t> </a:t>
-            </a:r>
-            <a:r>
-              <a:rPr/>
-              <a:t>have</a:t>
-            </a:r>
-            <a:r>
-              <a:rPr/>
-              <a:t> </a:t>
-            </a:r>
-            <a:r>
-              <a:rPr/>
-              <a:t>we</a:t>
-            </a:r>
-            <a:r>
-              <a:rPr/>
-              <a:t> </a:t>
-            </a:r>
-            <a:r>
-              <a:rPr/>
-              <a:t>learned?</a:t>
-            </a:r>
-          </a:p>
-        </p:txBody>
-      </p:sp>
-      <mc:AlternateContent xmlns:mc="http://schemas.openxmlformats.org/markup-compatibility/2006">
-        <mc:Choice xmlns:a14="http://schemas.microsoft.com/office/drawing/2010/main" Requires="a14">
-          <p:sp>
-            <p:nvSpPr>
-              <p:cNvPr id="3" name="Content Placeholder 2"/>
-              <p:cNvSpPr>
-                <a:spLocks noGrp="1"/>
-              </p:cNvSpPr>
-              <p:nvPr>
-                <p:ph idx="1"/>
-              </p:nvPr>
-            </p:nvSpPr>
-            <p:spPr/>
-            <p:txBody>
-              <a:bodyPr/>
-              <a:lstStyle/>
-              <a:p>
-                <a:pPr lvl="1"/>
-                <a:r>
-                  <a:rPr/>
-                  <a:t>the p-value can’t tell us if there is no effect (it can tell us if the </a:t>
-                </a:r>
-                <a:r>
-                  <a:rPr b="1"/>
-                  <a:t>data</a:t>
-                </a:r>
-                <a:r>
-                  <a:rPr/>
-                  <a:t> would not be surprising under the null)</a:t>
-                </a:r>
-              </a:p>
-              <a:p>
-                <a:pPr lvl="1"/>
-                <a14:m>
-                  <m:oMath xmlns:m="http://schemas.openxmlformats.org/officeDocument/2006/math">
-                    <m:r>
-                      <m:t>p</m:t>
-                    </m:r>
-                    <m:r>
-                      <m:t>(</m:t>
-                    </m:r>
-                    <m:r>
-                      <m:t>y</m:t>
-                    </m:r>
-                    <m:r>
-                      <m:t>|</m:t>
-                    </m:r>
-                    <m:sSub>
-                      <m:e>
-                        <m:r>
-                          <m:t>H</m:t>
-                        </m:r>
-                      </m:e>
-                      <m:sub>
-                        <m:r>
-                          <m:t>0</m:t>
-                        </m:r>
-                      </m:sub>
-                    </m:sSub>
-                    <m:r>
-                      <m:t>)</m:t>
-                    </m:r>
-                    <m:r>
-                      <m:t>≠</m:t>
-                    </m:r>
-                    <m:r>
-                      <m:t>p</m:t>
-                    </m:r>
-                    <m:r>
-                      <m:t>(</m:t>
-                    </m:r>
-                    <m:sSub>
-                      <m:e>
-                        <m:r>
-                          <m:t>H</m:t>
-                        </m:r>
-                      </m:e>
-                      <m:sub>
-                        <m:r>
-                          <m:t>0</m:t>
-                        </m:r>
-                      </m:sub>
-                    </m:sSub>
-                    <m:r>
-                      <m:t>|</m:t>
-                    </m:r>
-                    <m:r>
-                      <m:t>y</m:t>
-                    </m:r>
-                    <m:r>
-                      <m:t>)</m:t>
-                    </m:r>
-                  </m:oMath>
-                </a14:m>
-                <a:r>
-                  <a:rPr/>
-                  <a:t> “fallacy of the transposed conditional”</a:t>
-                </a:r>
-                <a:br/>
-              </a:p>
-              <a:p>
-                <a:pPr lvl="1"/>
-                <a:r>
-                  <a:rPr/>
-                  <a:t>the p-value is heavily dependent on test assumptions - </a:t>
-                </a:r>
-                <a:r>
-                  <a:rPr b="1"/>
-                  <a:t>you must check that these assumptions are satisfied</a:t>
-                </a:r>
-              </a:p>
-              <a:p>
-                <a:pPr lvl="2"/>
-                <a:r>
-                  <a:rPr/>
-                  <a:t>Google</a:t>
-                </a:r>
-              </a:p>
-              <a:p>
-                <a:pPr lvl="2"/>
-                <a:r>
-                  <a:rPr/>
-                  <a:t>consult a friendly statistician</a:t>
-                </a:r>
-              </a:p>
-            </p:txBody>
-          </p:sp>
-        </mc:Choice>
-      </mc:AlternateContent>
-    </p:spTree>
-  </p:cSld>
+  <p:clrMapOvr>
+    <a:masterClrMapping/>
+  </p:clrMapOvr>
 </p:sld>
 </file>
 
@@ -6586,72 +6122,170 @@
           <a:bodyPr/>
           <a:lstStyle/>
           <a:p>
-            <a:pPr lvl="0" marL="0" indent="0">
-              <a:buNone/>
-            </a:pPr>
             <a:r>
               <a:rPr/>
-              <a:t>What</a:t>
-            </a:r>
+              <a:t>What have we learned?</a:t>
+            </a:r>
+          </a:p>
+        </p:txBody>
+      </p:sp>
+      <p:sp>
+        <p:nvSpPr>
+          <p:cNvPr id="3" name="Content Placeholder 2"/>
+          <p:cNvSpPr>
+            <a:spLocks noGrp="1"/>
+          </p:cNvSpPr>
+          <p:nvPr>
+            <p:ph idx="1"/>
+          </p:nvPr>
+        </p:nvSpPr>
+        <p:spPr/>
+        <p:txBody>
+          <a:bodyPr/>
+          <a:lstStyle/>
+          <a:p>
+            <a:pPr lvl="1"/>
             <a:r>
               <a:rPr/>
-              <a:t> </a:t>
+              <a:t>the p-value can’t tell us if there is no effect (it can tell us if the </a:t>
+            </a:r>
+            <a:r>
+              <a:rPr b="1"/>
+              <a:t>data</a:t>
             </a:r>
             <a:r>
               <a:rPr/>
-              <a:t>have</a:t>
-            </a:r>
+              <a:t> would not be surprising under the null)</a:t>
+            </a:r>
+          </a:p>
+          <a:p>
+            <a:pPr lvl="1"/>
+            <a14:m xmlns:a14="http://schemas.microsoft.com/office/drawing/2010/main">
+              <m:oMath xmlns:m="http://schemas.openxmlformats.org/officeDocument/2006/math">
+                <m:r>
+                  <a:rPr>
+                    <a:latin typeface="Cambria Math" panose="02040503050406030204" pitchFamily="18" charset="0"/>
+                  </a:rPr>
+                  <m:t>𝑝</m:t>
+                </m:r>
+                <m:r>
+                  <a:rPr>
+                    <a:latin typeface="Cambria Math" panose="02040503050406030204" pitchFamily="18" charset="0"/>
+                  </a:rPr>
+                  <m:t>(</m:t>
+                </m:r>
+                <m:r>
+                  <a:rPr>
+                    <a:latin typeface="Cambria Math" panose="02040503050406030204" pitchFamily="18" charset="0"/>
+                  </a:rPr>
+                  <m:t>𝑦</m:t>
+                </m:r>
+                <m:r>
+                  <a:rPr>
+                    <a:latin typeface="Cambria Math" panose="02040503050406030204" pitchFamily="18" charset="0"/>
+                  </a:rPr>
+                  <m:t>|</m:t>
+                </m:r>
+                <m:sSub>
+                  <m:sSubPr>
+                    <m:ctrlPr>
+                      <a:rPr i="1">
+                        <a:latin typeface="Cambria Math" panose="02040503050406030204" pitchFamily="18" charset="0"/>
+                      </a:rPr>
+                    </m:ctrlPr>
+                  </m:sSubPr>
+                  <m:e>
+                    <m:r>
+                      <a:rPr>
+                        <a:latin typeface="Cambria Math" panose="02040503050406030204" pitchFamily="18" charset="0"/>
+                      </a:rPr>
+                      <m:t>𝐻</m:t>
+                    </m:r>
+                  </m:e>
+                  <m:sub>
+                    <m:r>
+                      <a:rPr>
+                        <a:latin typeface="Cambria Math" panose="02040503050406030204" pitchFamily="18" charset="0"/>
+                      </a:rPr>
+                      <m:t>0</m:t>
+                    </m:r>
+                  </m:sub>
+                </m:sSub>
+                <m:r>
+                  <a:rPr>
+                    <a:latin typeface="Cambria Math" panose="02040503050406030204" pitchFamily="18" charset="0"/>
+                  </a:rPr>
+                  <m:t>)≠</m:t>
+                </m:r>
+                <m:r>
+                  <a:rPr>
+                    <a:latin typeface="Cambria Math" panose="02040503050406030204" pitchFamily="18" charset="0"/>
+                  </a:rPr>
+                  <m:t>𝑝</m:t>
+                </m:r>
+                <m:r>
+                  <a:rPr>
+                    <a:latin typeface="Cambria Math" panose="02040503050406030204" pitchFamily="18" charset="0"/>
+                  </a:rPr>
+                  <m:t>(</m:t>
+                </m:r>
+                <m:sSub>
+                  <m:sSubPr>
+                    <m:ctrlPr>
+                      <a:rPr i="1">
+                        <a:latin typeface="Cambria Math" panose="02040503050406030204" pitchFamily="18" charset="0"/>
+                      </a:rPr>
+                    </m:ctrlPr>
+                  </m:sSubPr>
+                  <m:e>
+                    <m:r>
+                      <a:rPr>
+                        <a:latin typeface="Cambria Math" panose="02040503050406030204" pitchFamily="18" charset="0"/>
+                      </a:rPr>
+                      <m:t>𝐻</m:t>
+                    </m:r>
+                  </m:e>
+                  <m:sub>
+                    <m:r>
+                      <a:rPr>
+                        <a:latin typeface="Cambria Math" panose="02040503050406030204" pitchFamily="18" charset="0"/>
+                      </a:rPr>
+                      <m:t>0</m:t>
+                    </m:r>
+                  </m:sub>
+                </m:sSub>
+                <m:r>
+                  <a:rPr>
+                    <a:latin typeface="Cambria Math" panose="02040503050406030204" pitchFamily="18" charset="0"/>
+                  </a:rPr>
+                  <m:t>|</m:t>
+                </m:r>
+                <m:r>
+                  <a:rPr>
+                    <a:latin typeface="Cambria Math" panose="02040503050406030204" pitchFamily="18" charset="0"/>
+                  </a:rPr>
+                  <m:t>𝑦</m:t>
+                </m:r>
+                <m:r>
+                  <a:rPr>
+                    <a:latin typeface="Cambria Math" panose="02040503050406030204" pitchFamily="18" charset="0"/>
+                  </a:rPr>
+                  <m:t>)</m:t>
+                </m:r>
+              </m:oMath>
+            </a14:m>
             <a:r>
               <a:rPr/>
-              <a:t> </a:t>
-            </a:r>
-            <a:r>
-              <a:rPr/>
-              <a:t>we</a:t>
-            </a:r>
-            <a:r>
-              <a:rPr/>
-              <a:t> </a:t>
-            </a:r>
-            <a:r>
-              <a:rPr/>
-              <a:t>learned?</a:t>
-            </a:r>
-          </a:p>
-        </p:txBody>
-      </p:sp>
-      <p:pic>
-        <p:nvPicPr>
-          <p:cNvPr descr="figure2.jpg" id="0" name="Picture 1"/>
-          <p:cNvPicPr>
-            <a:picLocks noGrp="1" noChangeAspect="1"/>
-          </p:cNvPicPr>
-          <p:nvPr/>
-        </p:nvPicPr>
-        <p:blipFill>
-          <a:blip r:embed="rId2"/>
-          <a:stretch>
-            <a:fillRect/>
-          </a:stretch>
-        </p:blipFill>
-        <p:spPr bwMode="auto">
-          <a:xfrm>
-            <a:off x="762000" y="1600200"/>
-            <a:ext cx="7632700" cy="4521200"/>
-          </a:xfrm>
-          <a:prstGeom prst="rect">
-            <a:avLst/>
-          </a:prstGeom>
-          <a:noFill/>
-          <a:ln w="9525">
-            <a:noFill/>
-            <a:headEnd/>
-            <a:tailEnd/>
-          </a:ln>
-        </p:spPr>
-      </p:pic>
+              <a:t> “fallacy of the transposed conditional”</a:t>
+            </a:r>
+          </a:p>
+        </p:txBody>
+      </p:sp>
     </p:spTree>
   </p:cSld>
+  <p:clrMapOvr>
+    <a:masterClrMapping/>
+  </p:clrMapOvr>
 </p:sld>
 </file>
 
@@ -6674,6 +6308,28 @@
       </p:grpSpPr>
       <p:sp>
         <p:nvSpPr>
+          <p:cNvPr id="2" name="Title 1"/>
+          <p:cNvSpPr>
+            <a:spLocks noGrp="1"/>
+          </p:cNvSpPr>
+          <p:nvPr>
+            <p:ph type="title"/>
+          </p:nvPr>
+        </p:nvSpPr>
+        <p:spPr/>
+        <p:txBody>
+          <a:bodyPr/>
+          <a:lstStyle/>
+          <a:p>
+            <a:r>
+              <a:rPr/>
+              <a:t>What have we learned?</a:t>
+            </a:r>
+          </a:p>
+        </p:txBody>
+      </p:sp>
+      <p:sp>
+        <p:nvSpPr>
           <p:cNvPr id="3" name="Content Placeholder 2"/>
           <p:cNvSpPr>
             <a:spLocks noGrp="1"/>
@@ -6687,18 +6343,164 @@
           <a:bodyPr/>
           <a:lstStyle/>
           <a:p>
-            <a:pPr lvl="0" marL="0" indent="0">
-              <a:buNone/>
-            </a:pPr>
+            <a:pPr lvl="1"/>
             <a:r>
               <a:rPr/>
-              <a:t>Fig courtesy of Rousselet, G. A., Pernet, C. R., Wilcox, R. R. (2017) “Beyond differences in means: robust graphical methods to compare two groups in neuroscience”</a:t>
+              <a:t>the p-value can’t tell us if there is no effect (it can tell us if the </a:t>
+            </a:r>
+            <a:r>
+              <a:rPr b="1"/>
+              <a:t>data</a:t>
+            </a:r>
+            <a:r>
+              <a:rPr/>
+              <a:t> would not be surprising under the null)</a:t>
+            </a:r>
+          </a:p>
+          <a:p>
+            <a:pPr lvl="1"/>
+            <a14:m xmlns:a14="http://schemas.microsoft.com/office/drawing/2010/main">
+              <m:oMath xmlns:m="http://schemas.openxmlformats.org/officeDocument/2006/math">
+                <m:r>
+                  <a:rPr>
+                    <a:latin typeface="Cambria Math" panose="02040503050406030204" pitchFamily="18" charset="0"/>
+                  </a:rPr>
+                  <m:t>𝑝</m:t>
+                </m:r>
+                <m:r>
+                  <a:rPr>
+                    <a:latin typeface="Cambria Math" panose="02040503050406030204" pitchFamily="18" charset="0"/>
+                  </a:rPr>
+                  <m:t>(</m:t>
+                </m:r>
+                <m:r>
+                  <a:rPr>
+                    <a:latin typeface="Cambria Math" panose="02040503050406030204" pitchFamily="18" charset="0"/>
+                  </a:rPr>
+                  <m:t>𝑦</m:t>
+                </m:r>
+                <m:r>
+                  <a:rPr>
+                    <a:latin typeface="Cambria Math" panose="02040503050406030204" pitchFamily="18" charset="0"/>
+                  </a:rPr>
+                  <m:t>|</m:t>
+                </m:r>
+                <m:sSub>
+                  <m:sSubPr>
+                    <m:ctrlPr>
+                      <a:rPr i="1">
+                        <a:latin typeface="Cambria Math" panose="02040503050406030204" pitchFamily="18" charset="0"/>
+                      </a:rPr>
+                    </m:ctrlPr>
+                  </m:sSubPr>
+                  <m:e>
+                    <m:r>
+                      <a:rPr>
+                        <a:latin typeface="Cambria Math" panose="02040503050406030204" pitchFamily="18" charset="0"/>
+                      </a:rPr>
+                      <m:t>𝐻</m:t>
+                    </m:r>
+                  </m:e>
+                  <m:sub>
+                    <m:r>
+                      <a:rPr>
+                        <a:latin typeface="Cambria Math" panose="02040503050406030204" pitchFamily="18" charset="0"/>
+                      </a:rPr>
+                      <m:t>0</m:t>
+                    </m:r>
+                  </m:sub>
+                </m:sSub>
+                <m:r>
+                  <a:rPr>
+                    <a:latin typeface="Cambria Math" panose="02040503050406030204" pitchFamily="18" charset="0"/>
+                  </a:rPr>
+                  <m:t>)≠</m:t>
+                </m:r>
+                <m:r>
+                  <a:rPr>
+                    <a:latin typeface="Cambria Math" panose="02040503050406030204" pitchFamily="18" charset="0"/>
+                  </a:rPr>
+                  <m:t>𝑝</m:t>
+                </m:r>
+                <m:r>
+                  <a:rPr>
+                    <a:latin typeface="Cambria Math" panose="02040503050406030204" pitchFamily="18" charset="0"/>
+                  </a:rPr>
+                  <m:t>(</m:t>
+                </m:r>
+                <m:sSub>
+                  <m:sSubPr>
+                    <m:ctrlPr>
+                      <a:rPr i="1">
+                        <a:latin typeface="Cambria Math" panose="02040503050406030204" pitchFamily="18" charset="0"/>
+                      </a:rPr>
+                    </m:ctrlPr>
+                  </m:sSubPr>
+                  <m:e>
+                    <m:r>
+                      <a:rPr>
+                        <a:latin typeface="Cambria Math" panose="02040503050406030204" pitchFamily="18" charset="0"/>
+                      </a:rPr>
+                      <m:t>𝐻</m:t>
+                    </m:r>
+                  </m:e>
+                  <m:sub>
+                    <m:r>
+                      <a:rPr>
+                        <a:latin typeface="Cambria Math" panose="02040503050406030204" pitchFamily="18" charset="0"/>
+                      </a:rPr>
+                      <m:t>0</m:t>
+                    </m:r>
+                  </m:sub>
+                </m:sSub>
+                <m:r>
+                  <a:rPr>
+                    <a:latin typeface="Cambria Math" panose="02040503050406030204" pitchFamily="18" charset="0"/>
+                  </a:rPr>
+                  <m:t>|</m:t>
+                </m:r>
+                <m:r>
+                  <a:rPr>
+                    <a:latin typeface="Cambria Math" panose="02040503050406030204" pitchFamily="18" charset="0"/>
+                  </a:rPr>
+                  <m:t>𝑦</m:t>
+                </m:r>
+                <m:r>
+                  <a:rPr>
+                    <a:latin typeface="Cambria Math" panose="02040503050406030204" pitchFamily="18" charset="0"/>
+                  </a:rPr>
+                  <m:t>)</m:t>
+                </m:r>
+              </m:oMath>
+            </a14:m>
+            <a:r>
+              <a:rPr/>
+              <a:t> “fallacy of the transposed conditional”</a:t>
+            </a:r>
+            <a:r>
+              <a:t/>
+            </a:r>
+            <a:br/>
+            <a:endParaRPr/>
+          </a:p>
+          <a:p>
+            <a:pPr lvl="1"/>
+            <a:r>
+              <a:rPr/>
+              <a:t>the p-value is heavily dependent on test assumptions - </a:t>
+            </a:r>
+            <a:r>
+              <a:rPr b="1"/>
+              <a:t>you must check that these assumptions are satisfied</a:t>
             </a:r>
           </a:p>
         </p:txBody>
       </p:sp>
     </p:spTree>
   </p:cSld>
+  <p:clrMapOvr>
+    <a:masterClrMapping/>
+  </p:clrMapOvr>
 </p:sld>
 </file>
 
@@ -6734,12 +6536,9 @@
           <a:bodyPr/>
           <a:lstStyle/>
           <a:p>
-            <a:pPr lvl="0" marL="0" indent="0">
-              <a:buNone/>
-            </a:pPr>
             <a:r>
               <a:rPr/>
-              <a:t>References</a:t>
+              <a:t>What have we learned?</a:t>
             </a:r>
           </a:p>
         </p:txBody>
@@ -6759,53 +6558,178 @@
           <a:bodyPr/>
           <a:lstStyle/>
           <a:p>
-            <a:pPr lvl="0" marL="0" indent="0">
-              <a:buNone/>
-            </a:pPr>
+            <a:pPr lvl="1"/>
             <a:r>
               <a:rPr/>
-              <a:t>Bem, D. J. (2011). Feeling the future: experimental evidence for anomalous retroactive influences on cognition and affect. Journal of personality and social psychology, 100(3), 407.</a:t>
-            </a:r>
-          </a:p>
-          <a:p>
-            <a:pPr lvl="0" marL="0" indent="0">
-              <a:buNone/>
-            </a:pPr>
-            <a:r>
-              <a:rPr>
-                <a:hlinkClick r:id="rId2"/>
-              </a:rPr>
-              <a:t>https://slate.com/health-and-science/2017/06/daryl-bem-proved-esp-is-real-showed-science-is-broken.html</a:t>
-            </a:r>
-          </a:p>
-          <a:p>
-            <a:pPr lvl="0" marL="0" indent="0">
-              <a:buNone/>
-            </a:pPr>
-            <a:r>
-              <a:rPr>
-                <a:hlinkClick r:id="rId3"/>
-              </a:rPr>
-              <a:t>https://rationalwiki.org/wiki/Confusion_of_the_inverse</a:t>
+              <a:t>the p-value can’t tell us if there is no effect (it can tell us if the </a:t>
+            </a:r>
+            <a:r>
+              <a:rPr b="1"/>
+              <a:t>data</a:t>
             </a:r>
             <a:r>
               <a:rPr/>
-              <a:t> (“fallacy of the transposed conditional”)</a:t>
-            </a:r>
-          </a:p>
-          <a:p>
-            <a:pPr lvl="0" marL="0" indent="0">
-              <a:buNone/>
-            </a:pPr>
+              <a:t> would not be surprising under the null)</a:t>
+            </a:r>
+          </a:p>
+          <a:p>
+            <a:pPr lvl="1"/>
+            <a14:m xmlns:a14="http://schemas.microsoft.com/office/drawing/2010/main">
+              <m:oMath xmlns:m="http://schemas.openxmlformats.org/officeDocument/2006/math">
+                <m:r>
+                  <a:rPr>
+                    <a:latin typeface="Cambria Math" panose="02040503050406030204" pitchFamily="18" charset="0"/>
+                  </a:rPr>
+                  <m:t>𝑝</m:t>
+                </m:r>
+                <m:r>
+                  <a:rPr>
+                    <a:latin typeface="Cambria Math" panose="02040503050406030204" pitchFamily="18" charset="0"/>
+                  </a:rPr>
+                  <m:t>(</m:t>
+                </m:r>
+                <m:r>
+                  <a:rPr>
+                    <a:latin typeface="Cambria Math" panose="02040503050406030204" pitchFamily="18" charset="0"/>
+                  </a:rPr>
+                  <m:t>𝑦</m:t>
+                </m:r>
+                <m:r>
+                  <a:rPr>
+                    <a:latin typeface="Cambria Math" panose="02040503050406030204" pitchFamily="18" charset="0"/>
+                  </a:rPr>
+                  <m:t>|</m:t>
+                </m:r>
+                <m:sSub>
+                  <m:sSubPr>
+                    <m:ctrlPr>
+                      <a:rPr i="1">
+                        <a:latin typeface="Cambria Math" panose="02040503050406030204" pitchFamily="18" charset="0"/>
+                      </a:rPr>
+                    </m:ctrlPr>
+                  </m:sSubPr>
+                  <m:e>
+                    <m:r>
+                      <a:rPr>
+                        <a:latin typeface="Cambria Math" panose="02040503050406030204" pitchFamily="18" charset="0"/>
+                      </a:rPr>
+                      <m:t>𝐻</m:t>
+                    </m:r>
+                  </m:e>
+                  <m:sub>
+                    <m:r>
+                      <a:rPr>
+                        <a:latin typeface="Cambria Math" panose="02040503050406030204" pitchFamily="18" charset="0"/>
+                      </a:rPr>
+                      <m:t>0</m:t>
+                    </m:r>
+                  </m:sub>
+                </m:sSub>
+                <m:r>
+                  <a:rPr>
+                    <a:latin typeface="Cambria Math" panose="02040503050406030204" pitchFamily="18" charset="0"/>
+                  </a:rPr>
+                  <m:t>)≠</m:t>
+                </m:r>
+                <m:r>
+                  <a:rPr>
+                    <a:latin typeface="Cambria Math" panose="02040503050406030204" pitchFamily="18" charset="0"/>
+                  </a:rPr>
+                  <m:t>𝑝</m:t>
+                </m:r>
+                <m:r>
+                  <a:rPr>
+                    <a:latin typeface="Cambria Math" panose="02040503050406030204" pitchFamily="18" charset="0"/>
+                  </a:rPr>
+                  <m:t>(</m:t>
+                </m:r>
+                <m:sSub>
+                  <m:sSubPr>
+                    <m:ctrlPr>
+                      <a:rPr i="1">
+                        <a:latin typeface="Cambria Math" panose="02040503050406030204" pitchFamily="18" charset="0"/>
+                      </a:rPr>
+                    </m:ctrlPr>
+                  </m:sSubPr>
+                  <m:e>
+                    <m:r>
+                      <a:rPr>
+                        <a:latin typeface="Cambria Math" panose="02040503050406030204" pitchFamily="18" charset="0"/>
+                      </a:rPr>
+                      <m:t>𝐻</m:t>
+                    </m:r>
+                  </m:e>
+                  <m:sub>
+                    <m:r>
+                      <a:rPr>
+                        <a:latin typeface="Cambria Math" panose="02040503050406030204" pitchFamily="18" charset="0"/>
+                      </a:rPr>
+                      <m:t>0</m:t>
+                    </m:r>
+                  </m:sub>
+                </m:sSub>
+                <m:r>
+                  <a:rPr>
+                    <a:latin typeface="Cambria Math" panose="02040503050406030204" pitchFamily="18" charset="0"/>
+                  </a:rPr>
+                  <m:t>|</m:t>
+                </m:r>
+                <m:r>
+                  <a:rPr>
+                    <a:latin typeface="Cambria Math" panose="02040503050406030204" pitchFamily="18" charset="0"/>
+                  </a:rPr>
+                  <m:t>𝑦</m:t>
+                </m:r>
+                <m:r>
+                  <a:rPr>
+                    <a:latin typeface="Cambria Math" panose="02040503050406030204" pitchFamily="18" charset="0"/>
+                  </a:rPr>
+                  <m:t>)</m:t>
+                </m:r>
+              </m:oMath>
+            </a14:m>
             <a:r>
               <a:rPr/>
-              <a:t>Rousselet, G. A., Pernet, C. R., &amp; Wilcox, R. R. (2017). Beyond differences in means: robust graphical methods to compare two groups in neuroscience. European Journal of Neuroscience, 46(2), 1738-1748.</a:t>
+              <a:t> “fallacy of the transposed conditional”</a:t>
+            </a:r>
+            <a:r>
+              <a:t/>
+            </a:r>
+            <a:br/>
+            <a:endParaRPr/>
+          </a:p>
+          <a:p>
+            <a:pPr lvl="1"/>
+            <a:r>
+              <a:rPr/>
+              <a:t>the p-value is heavily dependent on test assumptions - </a:t>
+            </a:r>
+            <a:r>
+              <a:rPr b="1"/>
+              <a:t>you must check that these assumptions are satisfied</a:t>
+            </a:r>
+          </a:p>
+          <a:p>
+            <a:pPr lvl="2"/>
+            <a:r>
+              <a:rPr/>
+              <a:t>Google</a:t>
+            </a:r>
+          </a:p>
+          <a:p>
+            <a:pPr lvl="2"/>
+            <a:r>
+              <a:rPr/>
+              <a:t>consult a friendly statistician</a:t>
             </a:r>
           </a:p>
         </p:txBody>
       </p:sp>
     </p:spTree>
   </p:cSld>
+  <p:clrMapOvr>
+    <a:masterClrMapping/>
+  </p:clrMapOvr>
 </p:sld>
 </file>
 
@@ -6841,93 +6765,299 @@
           <a:bodyPr/>
           <a:lstStyle/>
           <a:p>
-            <a:pPr lvl="0" marL="0" indent="0">
+            <a:r>
+              <a:rPr/>
+              <a:t>Why do we need p-values?</a:t>
+            </a:r>
+          </a:p>
+        </p:txBody>
+      </p:sp>
+      <p:sp>
+        <p:nvSpPr>
+          <p:cNvPr id="3" name="Content Placeholder 2"/>
+          <p:cNvSpPr>
+            <a:spLocks noGrp="1"/>
+          </p:cNvSpPr>
+          <p:nvPr>
+            <p:ph idx="1"/>
+          </p:nvPr>
+        </p:nvSpPr>
+        <p:spPr/>
+        <p:txBody>
+          <a:bodyPr>
+            <a:normAutofit fontScale="92500" lnSpcReduction="10000"/>
+          </a:bodyPr>
+          <a:lstStyle/>
+          <a:p>
+            <a:pPr marL="0" indent="0">
               <a:buNone/>
             </a:pPr>
             <a:r>
               <a:rPr/>
-              <a:t>Why</a:t>
-            </a:r>
+              <a:t>Consider the data from a single experiment on extra-sensory perception (Bem, 2011). Participants are shown a pair of curtains on a monitor and asked to guess which curtain the image is hidden behind. After the participant has made their selection, the computer decides at random whether there was an image behind the chosen curtain. Erotic images or non-erotic images were displayed.</a:t>
+            </a:r>
+          </a:p>
+          <a:p>
+            <a:pPr marL="0" indent="0">
+              <a:buNone/>
+            </a:pPr>
             <a:r>
               <a:rPr/>
-              <a:t> </a:t>
-            </a:r>
-            <a:r>
-              <a:rPr/>
-              <a:t>do</a:t>
-            </a:r>
-            <a:r>
-              <a:rPr/>
-              <a:t> </a:t>
-            </a:r>
-            <a:r>
-              <a:rPr/>
-              <a:t>we</a:t>
-            </a:r>
-            <a:r>
-              <a:rPr/>
-              <a:t> </a:t>
-            </a:r>
-            <a:r>
-              <a:rPr/>
-              <a:t>need</a:t>
-            </a:r>
-            <a:r>
-              <a:rPr/>
-              <a:t> </a:t>
-            </a:r>
-            <a:r>
-              <a:rPr/>
-              <a:t>p-values?</a:t>
-            </a:r>
-          </a:p>
-        </p:txBody>
-      </p:sp>
-      <p:sp>
-        <p:nvSpPr>
-          <p:cNvPr id="3" name="Content Placeholder 2"/>
-          <p:cNvSpPr>
-            <a:spLocks noGrp="1"/>
-          </p:cNvSpPr>
-          <p:nvPr>
-            <p:ph idx="1"/>
-          </p:nvPr>
-        </p:nvSpPr>
-        <p:spPr/>
-        <p:txBody>
-          <a:bodyPr/>
-          <a:lstStyle/>
-          <a:p>
-            <a:pPr lvl="0" marL="0" indent="0">
+              <a:t>Participants were able to guess which curtain would conceal an erotic image 53.1% of the time.</a:t>
+            </a:r>
+          </a:p>
+          <a:p>
+            <a:pPr marL="0" indent="0">
               <a:buNone/>
             </a:pPr>
             <a:r>
-              <a:rPr/>
-              <a:t>Consider the data from a single experiment on extra-sensory perception (Bem, 2011). Participants are shown a pair of curtains on a monitor and asked to guess which curtain the image is hidden behind. After the participant has made their selection, the computer decides at random whether there was an image behind the chosen curtain.</a:t>
-            </a:r>
-          </a:p>
-          <a:p>
-            <a:pPr lvl="0" marL="0" indent="0">
-              <a:buNone/>
-            </a:pPr>
-            <a:r>
-              <a:rPr/>
-              <a:t>Participants were able to guess which curtain would conceal the image 53.1% of the time.</a:t>
-            </a:r>
-          </a:p>
-          <a:p>
-            <a:pPr lvl="0" marL="0" indent="0">
-              <a:buNone/>
-            </a:pPr>
-            <a:r>
               <a:rPr b="1"/>
-              <a:t>What proportion of times would we expect participants to correctly guess which curtain concealed the image?</a:t>
+              <a:t>What proportion of times would we expect participants to correctly guess which curtain concealed the erotic image?</a:t>
             </a:r>
           </a:p>
         </p:txBody>
       </p:sp>
     </p:spTree>
   </p:cSld>
+  <p:clrMapOvr>
+    <a:masterClrMapping/>
+  </p:clrMapOvr>
+</p:sld>
+</file>
+
+<file path=ppt/slides/slide30.xml><?xml version="1.0" encoding="utf-8"?>
+<p:sld xmlns:a="http://schemas.openxmlformats.org/drawingml/2006/main" xmlns:r="http://schemas.openxmlformats.org/officeDocument/2006/relationships" xmlns:p="http://schemas.openxmlformats.org/presentationml/2006/main">
+  <p:cSld>
+    <p:spTree>
+      <p:nvGrpSpPr>
+        <p:cNvPr id="1" name=""/>
+        <p:cNvGrpSpPr/>
+        <p:nvPr/>
+      </p:nvGrpSpPr>
+      <p:grpSpPr>
+        <a:xfrm>
+          <a:off x="0" y="0"/>
+          <a:ext cx="0" cy="0"/>
+          <a:chOff x="0" y="0"/>
+          <a:chExt cx="0" cy="0"/>
+        </a:xfrm>
+      </p:grpSpPr>
+      <p:sp>
+        <p:nvSpPr>
+          <p:cNvPr id="2" name="Title 1"/>
+          <p:cNvSpPr>
+            <a:spLocks noGrp="1"/>
+          </p:cNvSpPr>
+          <p:nvPr>
+            <p:ph type="title"/>
+          </p:nvPr>
+        </p:nvSpPr>
+        <p:spPr/>
+        <p:txBody>
+          <a:bodyPr/>
+          <a:lstStyle/>
+          <a:p>
+            <a:r>
+              <a:rPr/>
+              <a:t>What have we learned?</a:t>
+            </a:r>
+          </a:p>
+        </p:txBody>
+      </p:sp>
+      <p:pic>
+        <p:nvPicPr>
+          <p:cNvPr id="3" name="Picture 1" descr="figure2.jpg"/>
+          <p:cNvPicPr>
+            <a:picLocks noGrp="1" noChangeAspect="1"/>
+          </p:cNvPicPr>
+          <p:nvPr/>
+        </p:nvPicPr>
+        <p:blipFill>
+          <a:blip r:embed="rId2"/>
+          <a:stretch>
+            <a:fillRect/>
+          </a:stretch>
+        </p:blipFill>
+        <p:spPr bwMode="auto">
+          <a:xfrm>
+            <a:off x="2286000" y="1600200"/>
+            <a:ext cx="7632700" cy="4521200"/>
+          </a:xfrm>
+          <a:prstGeom prst="rect">
+            <a:avLst/>
+          </a:prstGeom>
+          <a:noFill/>
+          <a:ln w="9525">
+            <a:noFill/>
+            <a:headEnd/>
+            <a:tailEnd/>
+          </a:ln>
+        </p:spPr>
+      </p:pic>
+    </p:spTree>
+  </p:cSld>
+  <p:clrMapOvr>
+    <a:masterClrMapping/>
+  </p:clrMapOvr>
+</p:sld>
+</file>
+
+<file path=ppt/slides/slide31.xml><?xml version="1.0" encoding="utf-8"?>
+<p:sld xmlns:a="http://schemas.openxmlformats.org/drawingml/2006/main" xmlns:r="http://schemas.openxmlformats.org/officeDocument/2006/relationships" xmlns:p="http://schemas.openxmlformats.org/presentationml/2006/main">
+  <p:cSld>
+    <p:spTree>
+      <p:nvGrpSpPr>
+        <p:cNvPr id="1" name=""/>
+        <p:cNvGrpSpPr/>
+        <p:nvPr/>
+      </p:nvGrpSpPr>
+      <p:grpSpPr>
+        <a:xfrm>
+          <a:off x="0" y="0"/>
+          <a:ext cx="0" cy="0"/>
+          <a:chOff x="0" y="0"/>
+          <a:chExt cx="0" cy="0"/>
+        </a:xfrm>
+      </p:grpSpPr>
+      <p:sp>
+        <p:nvSpPr>
+          <p:cNvPr id="3" name="Content Placeholder 2"/>
+          <p:cNvSpPr>
+            <a:spLocks noGrp="1"/>
+          </p:cNvSpPr>
+          <p:nvPr>
+            <p:ph idx="1"/>
+          </p:nvPr>
+        </p:nvSpPr>
+        <p:spPr/>
+        <p:txBody>
+          <a:bodyPr/>
+          <a:lstStyle/>
+          <a:p>
+            <a:pPr marL="0" indent="0">
+              <a:buNone/>
+            </a:pPr>
+            <a:r>
+              <a:rPr/>
+              <a:t>Fig courtesy of Rousselet, G. A., Pernet, C. R., Wilcox, R. R. (2017) “Beyond differences in means: robust graphical methods to compare two groups in neuroscience”</a:t>
+            </a:r>
+          </a:p>
+        </p:txBody>
+      </p:sp>
+    </p:spTree>
+  </p:cSld>
+  <p:clrMapOvr>
+    <a:masterClrMapping/>
+  </p:clrMapOvr>
+</p:sld>
+</file>
+
+<file path=ppt/slides/slide32.xml><?xml version="1.0" encoding="utf-8"?>
+<p:sld xmlns:a="http://schemas.openxmlformats.org/drawingml/2006/main" xmlns:r="http://schemas.openxmlformats.org/officeDocument/2006/relationships" xmlns:p="http://schemas.openxmlformats.org/presentationml/2006/main">
+  <p:cSld>
+    <p:spTree>
+      <p:nvGrpSpPr>
+        <p:cNvPr id="1" name=""/>
+        <p:cNvGrpSpPr/>
+        <p:nvPr/>
+      </p:nvGrpSpPr>
+      <p:grpSpPr>
+        <a:xfrm>
+          <a:off x="0" y="0"/>
+          <a:ext cx="0" cy="0"/>
+          <a:chOff x="0" y="0"/>
+          <a:chExt cx="0" cy="0"/>
+        </a:xfrm>
+      </p:grpSpPr>
+      <p:sp>
+        <p:nvSpPr>
+          <p:cNvPr id="2" name="Title 1"/>
+          <p:cNvSpPr>
+            <a:spLocks noGrp="1"/>
+          </p:cNvSpPr>
+          <p:nvPr>
+            <p:ph type="title"/>
+          </p:nvPr>
+        </p:nvSpPr>
+        <p:spPr/>
+        <p:txBody>
+          <a:bodyPr/>
+          <a:lstStyle/>
+          <a:p>
+            <a:r>
+              <a:rPr/>
+              <a:t>References</a:t>
+            </a:r>
+          </a:p>
+        </p:txBody>
+      </p:sp>
+      <p:sp>
+        <p:nvSpPr>
+          <p:cNvPr id="3" name="Content Placeholder 2"/>
+          <p:cNvSpPr>
+            <a:spLocks noGrp="1"/>
+          </p:cNvSpPr>
+          <p:nvPr>
+            <p:ph idx="1"/>
+          </p:nvPr>
+        </p:nvSpPr>
+        <p:spPr/>
+        <p:txBody>
+          <a:bodyPr>
+            <a:normAutofit fontScale="92500" lnSpcReduction="20000"/>
+          </a:bodyPr>
+          <a:lstStyle/>
+          <a:p>
+            <a:pPr marL="0" indent="0">
+              <a:buNone/>
+            </a:pPr>
+            <a:r>
+              <a:rPr/>
+              <a:t>Bem, D. J. (2011). Feeling the future: experimental evidence for anomalous retroactive influences on cognition and affect. Journal of personality and social psychology, 100(3), 407.</a:t>
+            </a:r>
+          </a:p>
+          <a:p>
+            <a:pPr marL="0" indent="0">
+              <a:buNone/>
+            </a:pPr>
+            <a:r>
+              <a:rPr>
+                <a:hlinkClick r:id="rId2"/>
+              </a:rPr>
+              <a:t>https://slate.com/health-and-science/2017/06/daryl-bem-proved-esp-is-real-showed-science-is-broken.html</a:t>
+            </a:r>
+          </a:p>
+          <a:p>
+            <a:pPr marL="0" indent="0">
+              <a:buNone/>
+            </a:pPr>
+            <a:r>
+              <a:rPr>
+                <a:hlinkClick r:id="rId3"/>
+              </a:rPr>
+              <a:t>https://rationalwiki.org/wiki/Confusion_of_the_inverse</a:t>
+            </a:r>
+            <a:r>
+              <a:rPr/>
+              <a:t> (“fallacy of the transposed conditional”)</a:t>
+            </a:r>
+          </a:p>
+          <a:p>
+            <a:pPr marL="0" indent="0">
+              <a:buNone/>
+            </a:pPr>
+            <a:r>
+              <a:rPr/>
+              <a:t>Rousselet, G. A., Pernet, C. R., &amp; Wilcox, R. R. (2017). Beyond differences in means: robust graphical methods to compare two groups in neuroscience. European Journal of Neuroscience, 46(2), 1738-1748.</a:t>
+            </a:r>
+          </a:p>
+        </p:txBody>
+      </p:sp>
+    </p:spTree>
+  </p:cSld>
+  <p:clrMapOvr>
+    <a:masterClrMapping/>
+  </p:clrMapOvr>
 </p:sld>
 </file>
 
@@ -6963,143 +7093,107 @@
           <a:bodyPr/>
           <a:lstStyle/>
           <a:p>
-            <a:pPr lvl="0" marL="0" indent="0">
+            <a:r>
+              <a:rPr/>
+              <a:t>Why do we need p-values?</a:t>
+            </a:r>
+          </a:p>
+        </p:txBody>
+      </p:sp>
+      <p:sp>
+        <p:nvSpPr>
+          <p:cNvPr id="3" name="Content Placeholder 2"/>
+          <p:cNvSpPr>
+            <a:spLocks noGrp="1"/>
+          </p:cNvSpPr>
+          <p:nvPr>
+            <p:ph idx="1"/>
+          </p:nvPr>
+        </p:nvSpPr>
+        <p:spPr/>
+        <p:txBody>
+          <a:bodyPr/>
+          <a:lstStyle/>
+          <a:p>
+            <a:pPr lvl="1"/>
+            <a:r>
+              <a:rPr/>
+              <a:t>p-values tell us how </a:t>
+            </a:r>
+            <a:r>
+              <a:rPr i="1"/>
+              <a:t>surprising</a:t>
+            </a:r>
+            <a:r>
+              <a:rPr/>
+              <a:t> the data would be if there was no underlying effect</a:t>
+            </a:r>
+          </a:p>
+          <a:p>
+            <a:pPr lvl="1"/>
+            <a:r>
+              <a:rPr/>
+              <a:t>e.g imagine experiment where both groups receive the same placebo</a:t>
+            </a:r>
+          </a:p>
+          <a:p>
+            <a:pPr marL="0" indent="0">
               <a:buNone/>
             </a:pPr>
-            <a:r>
-              <a:rPr/>
-              <a:t>Why</a:t>
-            </a:r>
-            <a:r>
-              <a:rPr/>
-              <a:t> </a:t>
-            </a:r>
-            <a:r>
-              <a:rPr/>
-              <a:t>do</a:t>
-            </a:r>
-            <a:r>
-              <a:rPr/>
-              <a:t> </a:t>
-            </a:r>
-            <a:r>
-              <a:rPr/>
-              <a:t>we</a:t>
-            </a:r>
-            <a:r>
-              <a:rPr/>
-              <a:t> </a:t>
-            </a:r>
-            <a:r>
-              <a:rPr/>
-              <a:t>need</a:t>
-            </a:r>
-            <a:r>
-              <a:rPr/>
-              <a:t> </a:t>
-            </a:r>
-            <a:r>
-              <a:rPr/>
-              <a:t>p-values?</a:t>
-            </a:r>
-          </a:p>
-        </p:txBody>
-      </p:sp>
-      <mc:AlternateContent xmlns:mc="http://schemas.openxmlformats.org/markup-compatibility/2006">
-        <mc:Choice xmlns:a14="http://schemas.microsoft.com/office/drawing/2010/main" Requires="a14">
-          <p:sp>
-            <p:nvSpPr>
-              <p:cNvPr id="3" name="Content Placeholder 2"/>
-              <p:cNvSpPr>
-                <a:spLocks noGrp="1"/>
-              </p:cNvSpPr>
-              <p:nvPr>
-                <p:ph idx="1"/>
-              </p:nvPr>
-            </p:nvSpPr>
-            <p:spPr/>
-            <p:txBody>
-              <a:bodyPr/>
-              <a:lstStyle/>
-              <a:p>
-                <a:pPr lvl="1"/>
-                <a:r>
-                  <a:rPr/>
-                  <a:t>p-values tell us how </a:t>
-                </a:r>
-                <a:r>
-                  <a:rPr i="1"/>
-                  <a:t>surprising</a:t>
-                </a:r>
-                <a:r>
-                  <a:rPr/>
-                  <a:t> the data would be if there was no underlying effect</a:t>
-                </a:r>
-              </a:p>
-              <a:p>
-                <a:pPr lvl="1"/>
-                <a:r>
-                  <a:rPr/>
-                  <a:t>e.g imagine experiment where both groups receive the same placebo</a:t>
-                </a:r>
-              </a:p>
-              <a:p>
-                <a:pPr lvl="0" marL="0" indent="0">
-                  <a:buNone/>
-                </a:pPr>
-                <a14:m>
-                  <m:oMath xmlns:m="http://schemas.openxmlformats.org/officeDocument/2006/math">
-                    <m:r>
-                      <m:t>t</m:t>
-                    </m:r>
-                    <m:r>
-                      <m:t>(</m:t>
-                    </m:r>
-                    <m:r>
-                      <m:t>99</m:t>
-                    </m:r>
-                    <m:r>
-                      <m:t>)</m:t>
-                    </m:r>
-                    <m:r>
-                      <m:t>=</m:t>
-                    </m:r>
-                    <m:r>
-                      <m:t>2.51</m:t>
-                    </m:r>
-                    <m:r>
-                      <m:t>,</m:t>
-                    </m:r>
-                    <m:r>
-                      <m:t>p</m:t>
-                    </m:r>
-                    <m:r>
-                      <m:t>=</m:t>
-                    </m:r>
-                    <m:r>
-                      <m:t>.01</m:t>
-                    </m:r>
-                    <m:r>
-                      <m:t>,</m:t>
-                    </m:r>
-                    <m:r>
-                      <m:t>d</m:t>
-                    </m:r>
-                    <m:r>
-                      <m:t>=</m:t>
-                    </m:r>
-                    <m:r>
-                      <m:t>0.25</m:t>
-                    </m:r>
-                  </m:oMath>
-                </a14:m>
-              </a:p>
-            </p:txBody>
-          </p:sp>
-        </mc:Choice>
-      </mc:AlternateContent>
+            <a14:m xmlns:a14="http://schemas.microsoft.com/office/drawing/2010/main">
+              <m:oMathPara xmlns:m="http://schemas.openxmlformats.org/officeDocument/2006/math">
+                <m:oMathParaPr>
+                  <m:jc m:val="centerGroup"/>
+                </m:oMathParaPr>
+                <m:oMath xmlns:m="http://schemas.openxmlformats.org/officeDocument/2006/math">
+                  <m:r>
+                    <a:rPr>
+                      <a:latin typeface="Cambria Math" panose="02040503050406030204" pitchFamily="18" charset="0"/>
+                    </a:rPr>
+                    <m:t>𝑡</m:t>
+                  </m:r>
+                  <m:r>
+                    <a:rPr>
+                      <a:latin typeface="Cambria Math" panose="02040503050406030204" pitchFamily="18" charset="0"/>
+                    </a:rPr>
+                    <m:t>(99)=2.51,</m:t>
+                  </m:r>
+                  <m:r>
+                    <a:rPr>
+                      <a:latin typeface="Cambria Math" panose="02040503050406030204" pitchFamily="18" charset="0"/>
+                    </a:rPr>
+                    <m:t>𝑝</m:t>
+                  </m:r>
+                  <m:r>
+                    <a:rPr>
+                      <a:latin typeface="Cambria Math" panose="02040503050406030204" pitchFamily="18" charset="0"/>
+                    </a:rPr>
+                    <m:t>=.01,</m:t>
+                  </m:r>
+                  <m:r>
+                    <a:rPr>
+                      <a:latin typeface="Cambria Math" panose="02040503050406030204" pitchFamily="18" charset="0"/>
+                    </a:rPr>
+                    <m:t>𝑑</m:t>
+                  </m:r>
+                  <m:r>
+                    <a:rPr>
+                      <a:latin typeface="Cambria Math" panose="02040503050406030204" pitchFamily="18" charset="0"/>
+                    </a:rPr>
+                    <m:t>=0.25</m:t>
+                  </m:r>
+                </m:oMath>
+              </m:oMathPara>
+            </a14:m>
+            <a:endParaRPr/>
+          </a:p>
+        </p:txBody>
+      </p:sp>
     </p:spTree>
   </p:cSld>
+  <p:clrMapOvr>
+    <a:masterClrMapping/>
+  </p:clrMapOvr>
 </p:sld>
 </file>
 
@@ -7135,44 +7229,9 @@
           <a:bodyPr/>
           <a:lstStyle/>
           <a:p>
-            <a:pPr lvl="0" marL="0" indent="0">
-              <a:buNone/>
-            </a:pPr>
             <a:r>
               <a:rPr/>
-              <a:t>Why</a:t>
-            </a:r>
-            <a:r>
-              <a:rPr/>
-              <a:t> </a:t>
-            </a:r>
-            <a:r>
-              <a:rPr/>
-              <a:t>do</a:t>
-            </a:r>
-            <a:r>
-              <a:rPr/>
-              <a:t> </a:t>
-            </a:r>
-            <a:r>
-              <a:rPr/>
-              <a:t>we</a:t>
-            </a:r>
-            <a:r>
-              <a:rPr/>
-              <a:t> </a:t>
-            </a:r>
-            <a:r>
-              <a:rPr/>
-              <a:t>need</a:t>
-            </a:r>
-            <a:r>
-              <a:rPr/>
-              <a:t> </a:t>
-            </a:r>
-            <a:r>
-              <a:rPr/>
-              <a:t>p-values?</a:t>
+              <a:t>Why do we need p-values?</a:t>
             </a:r>
           </a:p>
         </p:txBody>
@@ -7189,10 +7248,12 @@
         </p:nvSpPr>
         <p:spPr/>
         <p:txBody>
-          <a:bodyPr/>
-          <a:lstStyle/>
-          <a:p>
-            <a:pPr lvl="0" marL="0" indent="0">
+          <a:bodyPr>
+            <a:normAutofit lnSpcReduction="10000"/>
+          </a:bodyPr>
+          <a:lstStyle/>
+          <a:p>
+            <a:pPr marL="0" indent="0">
               <a:buNone/>
             </a:pPr>
             <a:r>
@@ -7201,7 +7262,7 @@
             </a:r>
           </a:p>
           <a:p>
-            <a:pPr lvl="0" marL="0" indent="0">
+            <a:pPr marL="0" indent="0">
               <a:buNone/>
             </a:pPr>
             <a:r>
@@ -7214,11 +7275,11 @@
             </a:r>
             <a:r>
               <a:rPr/>
-              <a:t> have ESP. There were 36 trials per participant in the Bem experiment.</a:t>
-            </a:r>
-          </a:p>
-          <a:p>
-            <a:pPr lvl="0" marL="1270000" indent="0">
+              <a:t> have ESP. There were 36 trials per participant in the Bem experiment. We’ll ignore whether images were erotic or not (for now).</a:t>
+            </a:r>
+          </a:p>
+          <a:p>
+            <a:pPr marL="1270000" indent="0">
               <a:buNone/>
             </a:pPr>
             <a:r>
@@ -7230,6 +7291,9 @@
               </a:rPr>
               <a:t># 36 trials with p = 0.5 chance of guessing correctly, n= 100 participants</a:t>
             </a:r>
+            <a:r>
+              <a:t/>
+            </a:r>
             <a:br/>
             <a:r>
               <a:rPr sz="1800">
@@ -7289,8 +7353,41 @@
               <a:rPr sz="1800">
                 <a:latin typeface="Courier"/>
               </a:rPr>
+              <a:t>, </a:t>
+            </a:r>
+            <a:r>
+              <a:rPr sz="1800">
+                <a:solidFill>
+                  <a:srgbClr val="902000"/>
+                </a:solidFill>
+                <a:latin typeface="Courier"/>
+              </a:rPr>
+              <a:t>trials =</a:t>
+            </a:r>
+            <a:r>
+              <a:rPr sz="1800">
+                <a:latin typeface="Courier"/>
+              </a:rPr>
+              <a:t> </a:t>
+            </a:r>
+            <a:r>
+              <a:rPr sz="1800">
+                <a:solidFill>
+                  <a:srgbClr val="40A070"/>
+                </a:solidFill>
+                <a:latin typeface="Courier"/>
+              </a:rPr>
+              <a:t>36</a:t>
+            </a:r>
+            <a:r>
+              <a:rPr sz="1800">
+                <a:latin typeface="Courier"/>
+              </a:rPr>
               <a:t>){</a:t>
             </a:r>
+            <a:r>
+              <a:t/>
+            </a:r>
             <a:br/>
             <a:r>
               <a:rPr sz="1800">
@@ -7335,7 +7432,7 @@
               <a:rPr sz="1800">
                 <a:latin typeface="Courier"/>
               </a:rPr>
-              <a:t>(</a:t>
+              <a:t>(trials, </a:t>
             </a:r>
             <a:r>
               <a:rPr sz="1800">
@@ -7344,7 +7441,7 @@
                 </a:solidFill>
                 <a:latin typeface="Courier"/>
               </a:rPr>
-              <a:t>36</a:t>
+              <a:t>1</a:t>
             </a:r>
             <a:r>
               <a:rPr sz="1800">
@@ -7355,40 +7452,25 @@
             <a:r>
               <a:rPr sz="1800">
                 <a:solidFill>
+                  <a:srgbClr val="902000"/>
+                </a:solidFill>
+                <a:latin typeface="Courier"/>
+              </a:rPr>
+              <a:t>prob =</a:t>
+            </a:r>
+            <a:r>
+              <a:rPr sz="1800">
+                <a:latin typeface="Courier"/>
+              </a:rPr>
+              <a:t> </a:t>
+            </a:r>
+            <a:r>
+              <a:rPr sz="1800">
+                <a:solidFill>
                   <a:srgbClr val="40A070"/>
                 </a:solidFill>
                 <a:latin typeface="Courier"/>
               </a:rPr>
-              <a:t>1</a:t>
-            </a:r>
-            <a:r>
-              <a:rPr sz="1800">
-                <a:latin typeface="Courier"/>
-              </a:rPr>
-              <a:t>, </a:t>
-            </a:r>
-            <a:r>
-              <a:rPr sz="1800">
-                <a:solidFill>
-                  <a:srgbClr val="902000"/>
-                </a:solidFill>
-                <a:latin typeface="Courier"/>
-              </a:rPr>
-              <a:t>prob =</a:t>
-            </a:r>
-            <a:r>
-              <a:rPr sz="1800">
-                <a:latin typeface="Courier"/>
-              </a:rPr>
-              <a:t> </a:t>
-            </a:r>
-            <a:r>
-              <a:rPr sz="1800">
-                <a:solidFill>
-                  <a:srgbClr val="40A070"/>
-                </a:solidFill>
-                <a:latin typeface="Courier"/>
-              </a:rPr>
               <a:t>0.5</a:t>
             </a:r>
             <a:r>
@@ -7397,6 +7479,9 @@
               </a:rPr>
               <a:t>))</a:t>
             </a:r>
+            <a:r>
+              <a:t/>
+            </a:r>
             <a:br/>
             <a:r>
               <a:rPr sz="1800">
@@ -7419,12 +7504,18 @@
               </a:rPr>
               <a:t>(y)</a:t>
             </a:r>
+            <a:r>
+              <a:t/>
+            </a:r>
             <a:br/>
             <a:r>
               <a:rPr sz="1800">
                 <a:latin typeface="Courier"/>
               </a:rPr>
               <a:t>}</a:t>
+            </a:r>
+            <a:r>
+              <a:t/>
             </a:r>
             <a:br/>
             <a:r>
@@ -7492,6 +7583,9 @@
       </p:sp>
     </p:spTree>
   </p:cSld>
+  <p:clrMapOvr>
+    <a:masterClrMapping/>
+  </p:clrMapOvr>
 </p:sld>
 </file>
 
@@ -7527,59 +7621,16 @@
           <a:bodyPr/>
           <a:lstStyle/>
           <a:p>
-            <a:pPr lvl="0" marL="0" indent="0">
-              <a:buNone/>
-            </a:pPr>
             <a:r>
               <a:rPr/>
-              <a:t>Proportion</a:t>
-            </a:r>
-            <a:r>
-              <a:rPr/>
-              <a:t> </a:t>
-            </a:r>
-            <a:r>
-              <a:rPr/>
-              <a:t>of</a:t>
-            </a:r>
-            <a:r>
-              <a:rPr/>
-              <a:t> </a:t>
-            </a:r>
-            <a:r>
-              <a:rPr/>
-              <a:t>correct</a:t>
-            </a:r>
-            <a:r>
-              <a:rPr/>
-              <a:t> </a:t>
-            </a:r>
-            <a:r>
-              <a:rPr/>
-              <a:t>responses</a:t>
-            </a:r>
-            <a:r>
-              <a:rPr/>
-              <a:t> </a:t>
-            </a:r>
-            <a:r>
-              <a:rPr/>
-              <a:t>per</a:t>
-            </a:r>
-            <a:r>
-              <a:rPr/>
-              <a:t> </a:t>
-            </a:r>
-            <a:r>
-              <a:rPr/>
-              <a:t>participant</a:t>
+              <a:t>Proportion of correct responses per participant</a:t>
             </a:r>
           </a:p>
         </p:txBody>
       </p:sp>
       <p:pic>
         <p:nvPicPr>
-          <p:cNvPr descr="statistical_inference_files/figure-pptx/unnamed-chunk-3-1.png" id="0" name="Picture 1"/>
+          <p:cNvPr id="3" name="Picture 1" descr="statistical_inference_files/figure-pptx/unnamed-chunk-3-1.png"/>
           <p:cNvPicPr>
             <a:picLocks noGrp="1" noChangeAspect="1"/>
           </p:cNvPicPr>
@@ -7593,7 +7644,7 @@
         </p:blipFill>
         <p:spPr bwMode="auto">
           <a:xfrm>
-            <a:off x="1752600" y="1600200"/>
+            <a:off x="3276600" y="1600200"/>
             <a:ext cx="5651500" cy="4521200"/>
           </a:xfrm>
           <a:prstGeom prst="rect">
@@ -7609,6 +7660,9 @@
       </p:pic>
     </p:spTree>
   </p:cSld>
+  <p:clrMapOvr>
+    <a:masterClrMapping/>
+  </p:clrMapOvr>
 </p:sld>
 </file>
 
@@ -7644,83 +7698,43 @@
           <a:bodyPr/>
           <a:lstStyle/>
           <a:p>
-            <a:pPr lvl="0" marL="0" indent="0">
+            <a:r>
+              <a:rPr/>
+              <a:t>Mean correct responses per Bem replication</a:t>
+            </a:r>
+          </a:p>
+        </p:txBody>
+      </p:sp>
+      <p:sp>
+        <p:nvSpPr>
+          <p:cNvPr id="3" name="Content Placeholder 2"/>
+          <p:cNvSpPr>
+            <a:spLocks noGrp="1"/>
+          </p:cNvSpPr>
+          <p:nvPr>
+            <p:ph idx="1"/>
+          </p:nvPr>
+        </p:nvSpPr>
+        <p:spPr/>
+        <p:txBody>
+          <a:bodyPr/>
+          <a:lstStyle/>
+          <a:p>
+            <a:pPr marL="0" indent="0">
               <a:buNone/>
             </a:pPr>
             <a:r>
               <a:rPr/>
-              <a:t>Mean</a:t>
-            </a:r>
-            <a:r>
-              <a:rPr/>
-              <a:t> </a:t>
-            </a:r>
-            <a:r>
-              <a:rPr/>
-              <a:t>correct</a:t>
-            </a:r>
-            <a:r>
-              <a:rPr/>
-              <a:t> </a:t>
-            </a:r>
-            <a:r>
-              <a:rPr/>
-              <a:t>responses</a:t>
-            </a:r>
-            <a:r>
-              <a:rPr/>
-              <a:t> </a:t>
-            </a:r>
-            <a:r>
-              <a:rPr/>
-              <a:t>per</a:t>
-            </a:r>
-            <a:r>
-              <a:rPr/>
-              <a:t> </a:t>
-            </a:r>
-            <a:r>
-              <a:rPr/>
-              <a:t>Bem</a:t>
-            </a:r>
-            <a:r>
-              <a:rPr/>
-              <a:t> </a:t>
-            </a:r>
-            <a:r>
-              <a:rPr/>
-              <a:t>replication</a:t>
-            </a:r>
-          </a:p>
-        </p:txBody>
-      </p:sp>
-      <p:sp>
-        <p:nvSpPr>
-          <p:cNvPr id="3" name="Content Placeholder 2"/>
-          <p:cNvSpPr>
-            <a:spLocks noGrp="1"/>
-          </p:cNvSpPr>
-          <p:nvPr>
-            <p:ph idx="1"/>
-          </p:nvPr>
-        </p:nvSpPr>
-        <p:spPr/>
-        <p:txBody>
-          <a:bodyPr/>
-          <a:lstStyle/>
-          <a:p>
-            <a:pPr lvl="0" marL="0" indent="0">
-              <a:buNone/>
-            </a:pPr>
-            <a:r>
-              <a:rPr/>
-              <a:t>Replicate Bem 1000 times, plot distribution of results</a:t>
+              <a:t>Replicate Bem 1000 times (ignoring image attributes), plot distribution of results</a:t>
             </a:r>
           </a:p>
         </p:txBody>
       </p:sp>
     </p:spTree>
   </p:cSld>
+  <p:clrMapOvr>
+    <a:masterClrMapping/>
+  </p:clrMapOvr>
 </p:sld>
 </file>
 
@@ -7743,7 +7757,7 @@
       </p:grpSpPr>
       <p:pic>
         <p:nvPicPr>
-          <p:cNvPr descr="statistical_inference_files/figure-pptx/unnamed-chunk-4-1.png" id="0" name="Picture 1"/>
+          <p:cNvPr id="2" name="Picture 1" descr="statistical_inference_files/figure-pptx/unnamed-chunk-4-1.png"/>
           <p:cNvPicPr>
             <a:picLocks noGrp="1" noChangeAspect="1"/>
           </p:cNvPicPr>
@@ -7757,7 +7771,7 @@
         </p:blipFill>
         <p:spPr bwMode="auto">
           <a:xfrm>
-            <a:off x="1752600" y="1600200"/>
+            <a:off x="3276600" y="1600200"/>
             <a:ext cx="5651500" cy="4521200"/>
           </a:xfrm>
           <a:prstGeom prst="rect">
@@ -7773,6 +7787,9 @@
       </p:pic>
     </p:spTree>
   </p:cSld>
+  <p:clrMapOvr>
+    <a:masterClrMapping/>
+  </p:clrMapOvr>
 </p:sld>
 </file>
 
@@ -7808,83 +7825,62 @@
           <a:bodyPr/>
           <a:lstStyle/>
           <a:p>
-            <a:pPr lvl="0" marL="0" indent="0">
+            <a:r>
+              <a:rPr/>
+              <a:t>Mean correct responses per Bem replication</a:t>
+            </a:r>
+          </a:p>
+        </p:txBody>
+      </p:sp>
+      <p:sp>
+        <p:nvSpPr>
+          <p:cNvPr id="3" name="Content Placeholder 2"/>
+          <p:cNvSpPr>
+            <a:spLocks noGrp="1"/>
+          </p:cNvSpPr>
+          <p:nvPr>
+            <p:ph idx="1"/>
+          </p:nvPr>
+        </p:nvSpPr>
+        <p:spPr/>
+        <p:txBody>
+          <a:bodyPr>
+            <a:normAutofit lnSpcReduction="10000"/>
+          </a:bodyPr>
+          <a:lstStyle/>
+          <a:p>
+            <a:pPr marL="0" indent="0">
               <a:buNone/>
             </a:pPr>
             <a:r>
               <a:rPr/>
-              <a:t>Do</a:t>
+              <a:t>Bem reported results for erotic images and non-erotic images separately, claiming that the signficant result for erotic images and the non-significant result for non-erotic images had been hypothesised </a:t>
+            </a:r>
+            <a:r>
+              <a:rPr i="1"/>
+              <a:t>a-priori</a:t>
             </a:r>
             <a:r>
               <a:rPr/>
-              <a:t> </a:t>
-            </a:r>
+              <a:t>. Bem argued that the results were confirmatory of the hypothesis supporting precognition for erotic images.</a:t>
+            </a:r>
+          </a:p>
+          <a:p>
+            <a:pPr marL="0" indent="0">
+              <a:buNone/>
+            </a:pPr>
             <a:r>
               <a:rPr/>
-              <a:t>p-values</a:t>
-            </a:r>
-            <a:r>
-              <a:rPr/>
-              <a:t> </a:t>
-            </a:r>
-            <a:r>
-              <a:rPr/>
-              <a:t>completely</a:t>
-            </a:r>
-            <a:r>
-              <a:rPr/>
-              <a:t> </a:t>
-            </a:r>
-            <a:r>
-              <a:rPr/>
-              <a:t>solve</a:t>
-            </a:r>
-            <a:r>
-              <a:rPr/>
-              <a:t> </a:t>
-            </a:r>
-            <a:r>
-              <a:rPr/>
-              <a:t>the</a:t>
-            </a:r>
-            <a:r>
-              <a:rPr/>
-              <a:t> </a:t>
-            </a:r>
-            <a:r>
-              <a:rPr/>
-              <a:t>problem?</a:t>
-            </a:r>
-          </a:p>
-        </p:txBody>
-      </p:sp>
-      <p:sp>
-        <p:nvSpPr>
-          <p:cNvPr id="3" name="Content Placeholder 2"/>
-          <p:cNvSpPr>
-            <a:spLocks noGrp="1"/>
-          </p:cNvSpPr>
-          <p:nvPr>
-            <p:ph idx="1"/>
-          </p:nvPr>
-        </p:nvSpPr>
-        <p:spPr/>
-        <p:txBody>
-          <a:bodyPr/>
-          <a:lstStyle/>
-          <a:p>
-            <a:pPr lvl="0" marL="0" indent="0">
-              <a:buNone/>
-            </a:pPr>
-            <a:r>
-              <a:rPr/>
-              <a:t>What is the distribution of p-values from our 1000 Bem replications?</a:t>
+              <a:t>There were 40 trials that included 12 erotic images and 60 trials that included 18 erotic images. We will simulate results for 1000 experiments with 40 + 60 participants each.</a:t>
             </a:r>
           </a:p>
         </p:txBody>
       </p:sp>
     </p:spTree>
   </p:cSld>
+  <p:clrMapOvr>
+    <a:masterClrMapping/>
+  </p:clrMapOvr>
 </p:sld>
 </file>
 

--- a/statistical_inference.pptx
+++ b/statistical_inference.pptx
@@ -335,7 +335,7 @@
           <a:p>
             <a:fld id="{241EB5C9-1307-BA42-ABA2-0BC069CD8E7F}" type="datetimeFigureOut">
               <a:rPr lang="en-US" smtClean="0"/>
-              <a:t>8/6/2018</a:t>
+              <a:t>8/20/2018</a:t>
             </a:fld>
             <a:endParaRPr lang="en-US"/>
           </a:p>
@@ -505,7 +505,7 @@
           <a:p>
             <a:fld id="{241EB5C9-1307-BA42-ABA2-0BC069CD8E7F}" type="datetimeFigureOut">
               <a:rPr lang="en-US" smtClean="0"/>
-              <a:t>8/6/2018</a:t>
+              <a:t>8/20/2018</a:t>
             </a:fld>
             <a:endParaRPr lang="en-US"/>
           </a:p>
@@ -685,7 +685,7 @@
           <a:p>
             <a:fld id="{241EB5C9-1307-BA42-ABA2-0BC069CD8E7F}" type="datetimeFigureOut">
               <a:rPr lang="en-US" smtClean="0"/>
-              <a:t>8/6/2018</a:t>
+              <a:t>8/20/2018</a:t>
             </a:fld>
             <a:endParaRPr lang="en-US"/>
           </a:p>
@@ -855,7 +855,7 @@
           <a:p>
             <a:fld id="{241EB5C9-1307-BA42-ABA2-0BC069CD8E7F}" type="datetimeFigureOut">
               <a:rPr lang="en-US" smtClean="0"/>
-              <a:t>8/6/2018</a:t>
+              <a:t>8/20/2018</a:t>
             </a:fld>
             <a:endParaRPr lang="en-US"/>
           </a:p>
@@ -1101,7 +1101,7 @@
           <a:p>
             <a:fld id="{241EB5C9-1307-BA42-ABA2-0BC069CD8E7F}" type="datetimeFigureOut">
               <a:rPr lang="en-US" smtClean="0"/>
-              <a:t>8/6/2018</a:t>
+              <a:t>8/20/2018</a:t>
             </a:fld>
             <a:endParaRPr lang="en-US"/>
           </a:p>
@@ -1389,7 +1389,7 @@
           <a:p>
             <a:fld id="{241EB5C9-1307-BA42-ABA2-0BC069CD8E7F}" type="datetimeFigureOut">
               <a:rPr lang="en-US" smtClean="0"/>
-              <a:t>8/6/2018</a:t>
+              <a:t>8/20/2018</a:t>
             </a:fld>
             <a:endParaRPr lang="en-US"/>
           </a:p>
@@ -1811,7 +1811,7 @@
           <a:p>
             <a:fld id="{241EB5C9-1307-BA42-ABA2-0BC069CD8E7F}" type="datetimeFigureOut">
               <a:rPr lang="en-US" smtClean="0"/>
-              <a:t>8/6/2018</a:t>
+              <a:t>8/20/2018</a:t>
             </a:fld>
             <a:endParaRPr lang="en-US"/>
           </a:p>
@@ -1929,7 +1929,7 @@
           <a:p>
             <a:fld id="{241EB5C9-1307-BA42-ABA2-0BC069CD8E7F}" type="datetimeFigureOut">
               <a:rPr lang="en-US" smtClean="0"/>
-              <a:t>8/6/2018</a:t>
+              <a:t>8/20/2018</a:t>
             </a:fld>
             <a:endParaRPr lang="en-US"/>
           </a:p>
@@ -2024,7 +2024,7 @@
           <a:p>
             <a:fld id="{241EB5C9-1307-BA42-ABA2-0BC069CD8E7F}" type="datetimeFigureOut">
               <a:rPr lang="en-US" smtClean="0"/>
-              <a:t>8/6/2018</a:t>
+              <a:t>8/20/2018</a:t>
             </a:fld>
             <a:endParaRPr lang="en-US"/>
           </a:p>
@@ -2301,7 +2301,7 @@
           <a:p>
             <a:fld id="{241EB5C9-1307-BA42-ABA2-0BC069CD8E7F}" type="datetimeFigureOut">
               <a:rPr lang="en-US" smtClean="0"/>
-              <a:t>8/6/2018</a:t>
+              <a:t>8/20/2018</a:t>
             </a:fld>
             <a:endParaRPr lang="en-US"/>
           </a:p>
@@ -2554,7 +2554,7 @@
           <a:p>
             <a:fld id="{241EB5C9-1307-BA42-ABA2-0BC069CD8E7F}" type="datetimeFigureOut">
               <a:rPr lang="en-US" smtClean="0"/>
-              <a:t>8/6/2018</a:t>
+              <a:t>8/20/2018</a:t>
             </a:fld>
             <a:endParaRPr lang="en-US"/>
           </a:p>
@@ -2767,7 +2767,7 @@
           <a:p>
             <a:fld id="{241EB5C9-1307-BA42-ABA2-0BC069CD8E7F}" type="datetimeFigureOut">
               <a:rPr lang="en-US" smtClean="0"/>
-              <a:t>8/6/2018</a:t>
+              <a:t>8/20/2018</a:t>
             </a:fld>
             <a:endParaRPr lang="en-US"/>
           </a:p>
@@ -3992,7 +3992,7 @@
                 </a:solidFill>
                 <a:latin typeface="Courier"/>
               </a:rPr>
-              <a:t>1.5</a:t>
+              <a:t>1.25</a:t>
             </a:r>
             <a:r>
               <a:t/>
@@ -4508,12 +4508,12 @@
 ## 4  2.4  0
 ## 5  3.3  0
 ## 6  3.4  0
-## 7  3.3  1
-## 8  4.1  1
-## 9  2.9  1
-## 10 4.2  1
-## 11 5.6  1
-## 12 5.3  1</a:t>
+## 7  3.0  1
+## 8  3.9  1
+## 9  2.6  1
+## 10 4.0  1
+## 11 5.4  1
+## 12 5.0  1</a:t>
             </a:r>
           </a:p>
         </p:txBody>
@@ -4593,13 +4593,13 @@
 ##  Welch Two Sample t-test
 ## 
 ## data:  y by x1
-## t = -2.8891, df = 8.4102, p-value = 0.0192
+## t = -2.3643, df = 8.3009, p-value = 0.04455
 ## alternative hypothesis: true difference in means is not equal to 0
 ## 95 percent confidence interval:
-##  -2.6573292 -0.3093374
+##  -2.42869638 -0.03797029
 ## sample estimates:
 ## mean in group 0 mean in group 1 
-##        2.750000        4.233333</a:t>
+##        2.750000        3.983333</a:t>
             </a:r>
           </a:p>
           <a:p>
@@ -4612,7 +4612,7 @@
               </a:rPr>
               <a:t>## 
 ## 
-## Difference in group means =  1.483333</a:t>
+## Difference in group means =  1.233333</a:t>
             </a:r>
           </a:p>
         </p:txBody>
@@ -4759,279 +4759,60 @@
           </a:p>
         </p:txBody>
       </p:sp>
-      <mc:AlternateContent xmlns:mc="http://schemas.openxmlformats.org/markup-compatibility/2006">
-        <mc:Choice xmlns:a14="http://schemas.microsoft.com/office/drawing/2010/main" Requires="a14">
-          <p:sp>
-            <p:nvSpPr>
-              <p:cNvPr id="3" name="Content Placeholder 2"/>
-              <p:cNvSpPr>
-                <a:spLocks noGrp="1"/>
-              </p:cNvSpPr>
-              <p:nvPr>
-                <p:ph idx="1"/>
-              </p:nvPr>
-            </p:nvSpPr>
-            <p:spPr/>
-            <p:txBody>
-              <a:bodyPr>
-                <a:normAutofit lnSpcReduction="10000"/>
-              </a:bodyPr>
-              <a:lstStyle/>
-              <a:p>
-                <a:pPr marL="0" indent="0">
-                  <a:buNone/>
-                </a:pPr>
-                <a:r>
-                  <a:rPr/>
-                  <a:t>Using the R scripts provided, generate data and write the numbers on the squares provided. On the coloured squares write the </a:t>
-                </a:r>
-                <a14:m>
-                  <m:oMath xmlns:m="http://schemas.openxmlformats.org/officeDocument/2006/math">
-                    <m:sSub>
-                      <m:sSubPr>
-                        <m:ctrlPr>
-                          <a:rPr>
-                            <a:latin typeface="Cambria Math" panose="02040503050406030204" pitchFamily="18" charset="0"/>
-                          </a:rPr>
-                        </m:ctrlPr>
-                      </m:sSubPr>
-                      <m:e>
-                        <m:r>
-                          <a:rPr>
-                            <a:latin typeface="Cambria Math" panose="02040503050406030204" pitchFamily="18" charset="0"/>
-                          </a:rPr>
-                          <m:t>𝑦</m:t>
-                        </m:r>
-                      </m:e>
-                      <m:sub>
-                        <m:r>
-                          <a:rPr>
-                            <a:latin typeface="Cambria Math" panose="02040503050406030204" pitchFamily="18" charset="0"/>
-                          </a:rPr>
-                          <m:t>𝑖</m:t>
-                        </m:r>
-                      </m:sub>
-                    </m:sSub>
-                  </m:oMath>
-                </a14:m>
-                <a:r>
-                  <a:rPr/>
-                  <a:t> values corresponding to </a:t>
-                </a:r>
-                <a14:m>
-                  <m:oMath xmlns:m="http://schemas.openxmlformats.org/officeDocument/2006/math">
-                    <m:sSub>
-                      <m:sSubPr>
-                        <m:ctrlPr>
-                          <a:rPr>
-                            <a:latin typeface="Cambria Math" panose="02040503050406030204" pitchFamily="18" charset="0"/>
-                          </a:rPr>
-                        </m:ctrlPr>
-                      </m:sSubPr>
-                      <m:e>
-                        <m:r>
-                          <a:rPr>
-                            <a:latin typeface="Cambria Math" panose="02040503050406030204" pitchFamily="18" charset="0"/>
-                          </a:rPr>
-                          <m:t>𝑥</m:t>
-                        </m:r>
-                      </m:e>
-                      <m:sub>
-                        <m:sSub>
-                          <m:sSubPr>
-                            <m:ctrlPr>
-                              <a:rPr i="1">
-                                <a:latin typeface="Cambria Math" panose="02040503050406030204" pitchFamily="18" charset="0"/>
-                              </a:rPr>
-                            </m:ctrlPr>
-                          </m:sSubPr>
-                          <m:e>
-                            <m:r>
-                              <a:rPr>
-                                <a:latin typeface="Cambria Math" panose="02040503050406030204" pitchFamily="18" charset="0"/>
-                              </a:rPr>
-                              <m:t>1</m:t>
-                            </m:r>
-                          </m:e>
-                          <m:sub>
-                            <m:r>
-                              <a:rPr>
-                                <a:latin typeface="Cambria Math" panose="02040503050406030204" pitchFamily="18" charset="0"/>
-                              </a:rPr>
-                              <m:t>𝑖</m:t>
-                            </m:r>
-                          </m:sub>
-                        </m:sSub>
-                      </m:sub>
-                    </m:sSub>
-                    <m:r>
-                      <a:rPr>
-                        <a:latin typeface="Cambria Math" panose="02040503050406030204" pitchFamily="18" charset="0"/>
-                      </a:rPr>
-                      <m:t>=0</m:t>
-                    </m:r>
-                  </m:oMath>
-                </a14:m>
-                <a:r>
-                  <a:rPr/>
-                  <a:t>, and on the white paper write the </a:t>
-                </a:r>
-                <a14:m>
-                  <m:oMath xmlns:m="http://schemas.openxmlformats.org/officeDocument/2006/math">
-                    <m:sSub>
-                      <m:sSubPr>
-                        <m:ctrlPr>
-                          <a:rPr>
-                            <a:latin typeface="Cambria Math" panose="02040503050406030204" pitchFamily="18" charset="0"/>
-                          </a:rPr>
-                        </m:ctrlPr>
-                      </m:sSubPr>
-                      <m:e>
-                        <m:r>
-                          <a:rPr>
-                            <a:latin typeface="Cambria Math" panose="02040503050406030204" pitchFamily="18" charset="0"/>
-                          </a:rPr>
-                          <m:t>𝑦</m:t>
-                        </m:r>
-                      </m:e>
-                      <m:sub>
-                        <m:r>
-                          <a:rPr>
-                            <a:latin typeface="Cambria Math" panose="02040503050406030204" pitchFamily="18" charset="0"/>
-                          </a:rPr>
-                          <m:t>𝑖</m:t>
-                        </m:r>
-                      </m:sub>
-                    </m:sSub>
-                  </m:oMath>
-                </a14:m>
-                <a:r>
-                  <a:rPr/>
-                  <a:t> values corresponding to </a:t>
-                </a:r>
-                <a14:m>
-                  <m:oMath xmlns:m="http://schemas.openxmlformats.org/officeDocument/2006/math">
-                    <m:sSub>
-                      <m:sSubPr>
-                        <m:ctrlPr>
-                          <a:rPr>
-                            <a:latin typeface="Cambria Math" panose="02040503050406030204" pitchFamily="18" charset="0"/>
-                          </a:rPr>
-                        </m:ctrlPr>
-                      </m:sSubPr>
-                      <m:e>
-                        <m:r>
-                          <a:rPr>
-                            <a:latin typeface="Cambria Math" panose="02040503050406030204" pitchFamily="18" charset="0"/>
-                          </a:rPr>
-                          <m:t>𝑥</m:t>
-                        </m:r>
-                      </m:e>
-                      <m:sub>
-                        <m:sSub>
-                          <m:sSubPr>
-                            <m:ctrlPr>
-                              <a:rPr i="1">
-                                <a:latin typeface="Cambria Math" panose="02040503050406030204" pitchFamily="18" charset="0"/>
-                              </a:rPr>
-                            </m:ctrlPr>
-                          </m:sSubPr>
-                          <m:e>
-                            <m:r>
-                              <a:rPr>
-                                <a:latin typeface="Cambria Math" panose="02040503050406030204" pitchFamily="18" charset="0"/>
-                              </a:rPr>
-                              <m:t>1</m:t>
-                            </m:r>
-                          </m:e>
-                          <m:sub>
-                            <m:r>
-                              <a:rPr>
-                                <a:latin typeface="Cambria Math" panose="02040503050406030204" pitchFamily="18" charset="0"/>
-                              </a:rPr>
-                              <m:t>𝑖</m:t>
-                            </m:r>
-                          </m:sub>
-                        </m:sSub>
-                      </m:sub>
-                    </m:sSub>
-                    <m:r>
-                      <a:rPr>
-                        <a:latin typeface="Cambria Math" panose="02040503050406030204" pitchFamily="18" charset="0"/>
-                      </a:rPr>
-                      <m:t>=1</m:t>
-                    </m:r>
-                  </m:oMath>
-                </a14:m>
-                <a:r>
-                  <a:rPr/>
-                  <a:t>.</a:t>
-                </a:r>
-              </a:p>
-              <a:p>
-                <a:pPr marL="0" indent="0">
-                  <a:buNone/>
-                </a:pPr>
-                <a:r>
-                  <a:rPr/>
-                  <a:t>Now shuffle the squares and divide into two groups of 6.</a:t>
-                </a:r>
-              </a:p>
-              <a:p>
-                <a:pPr marL="0" indent="0">
-                  <a:buNone/>
-                </a:pPr>
-                <a:r>
-                  <a:rPr/>
-                  <a:t>Calculate the difference between group means and record this number.</a:t>
-                </a:r>
-              </a:p>
-              <a:p>
-                <a:pPr marL="0" indent="0">
-                  <a:buNone/>
-                </a:pPr>
-                <a:r>
-                  <a:rPr/>
-                  <a:t>Re-shuffle, divide into new groups and calculate the group mean differences 20 times.</a:t>
-                </a:r>
-              </a:p>
-            </p:txBody>
-          </p:sp>
-        </mc:Choice>
-        <mc:Fallback>
-          <p:sp>
-            <p:nvSpPr>
-              <p:cNvPr id="3" name="Content Placeholder 2"/>
-              <p:cNvSpPr>
-                <a:spLocks noGrp="1" noRot="1" noChangeAspect="1" noMove="1" noResize="1" noEditPoints="1" noAdjustHandles="1" noChangeArrowheads="1" noChangeShapeType="1" noTextEdit="1"/>
-              </p:cNvSpPr>
-              <p:nvPr>
-                <p:ph idx="1"/>
-              </p:nvPr>
-            </p:nvSpPr>
-            <p:spPr>
-              <a:blipFill rotWithShape="0">
-                <a:blip r:embed="rId2"/>
-                <a:stretch>
-                  <a:fillRect l="-1389" t="-2830" r="-1944" b="-2022"/>
-                </a:stretch>
-              </a:blipFill>
-            </p:spPr>
-            <p:txBody>
-              <a:bodyPr/>
-              <a:lstStyle/>
-              <a:p>
-                <a:r>
-                  <a:rPr lang="en-AU">
-                    <a:noFill/>
-                  </a:rPr>
-                  <a:t> </a:t>
-                </a:r>
-              </a:p>
-            </p:txBody>
-          </p:sp>
-        </mc:Fallback>
-      </mc:AlternateContent>
+      <p:sp>
+        <p:nvSpPr>
+          <p:cNvPr id="3" name="Content Placeholder 2"/>
+          <p:cNvSpPr>
+            <a:spLocks noGrp="1"/>
+          </p:cNvSpPr>
+          <p:nvPr>
+            <p:ph idx="1"/>
+          </p:nvPr>
+        </p:nvSpPr>
+        <p:spPr/>
+        <p:txBody>
+          <a:bodyPr>
+            <a:normAutofit lnSpcReduction="10000"/>
+          </a:bodyPr>
+          <a:lstStyle/>
+          <a:p>
+            <a:pPr marL="0" indent="0">
+              <a:buNone/>
+            </a:pPr>
+            <a:r>
+              <a:rPr/>
+              <a:t>Write each number on the paper squares provided. Alternatively, you can generate new data using the provided script if you like to live dangerously.</a:t>
+            </a:r>
+          </a:p>
+          <a:p>
+            <a:pPr marL="0" indent="0">
+              <a:buNone/>
+            </a:pPr>
+            <a:r>
+              <a:rPr/>
+              <a:t>Now shuffle the squares face down and divide into two groups of 6.</a:t>
+            </a:r>
+          </a:p>
+          <a:p>
+            <a:pPr marL="0" indent="0">
+              <a:buNone/>
+            </a:pPr>
+            <a:r>
+              <a:rPr/>
+              <a:t>Calculate the difference between group means and record this number.</a:t>
+            </a:r>
+          </a:p>
+          <a:p>
+            <a:pPr marL="0" indent="0">
+              <a:buNone/>
+            </a:pPr>
+            <a:r>
+              <a:rPr/>
+              <a:t>Re-shuffle, divide into new groups and calculate the group mean differences 20 times.</a:t>
+            </a:r>
+          </a:p>
+        </p:txBody>
+      </p:sp>
     </p:spTree>
   </p:cSld>
   <p:clrMapOvr>
@@ -5201,7 +4982,7 @@
           <a:p>
             <a:r>
               <a:rPr/>
-              <a:t>Distribution of p-values (large effect)</a:t>
+              <a:t>Distribution of p-values (moderate effect)</a:t>
             </a:r>
           </a:p>
         </p:txBody>
@@ -5726,7 +5507,7 @@
               <a:rPr sz="1800">
                 <a:latin typeface="Courier"/>
               </a:rPr>
-              <a:t>## [1] 0.622</a:t>
+              <a:t>## [1] 0.47</a:t>
             </a:r>
           </a:p>
         </p:txBody>
@@ -5773,7 +5554,7 @@
           <a:p>
             <a:r>
               <a:rPr/>
-              <a:t>Distribution of p-values (large effect)</a:t>
+              <a:t>Distribution of p-values (moderate effect)</a:t>
             </a:r>
           </a:p>
         </p:txBody>

--- a/statistical_inference.pptx
+++ b/statistical_inference.pptx
@@ -3231,6 +3231,13 @@
   <p:clrMapOvr>
     <a:masterClrMapping/>
   </p:clrMapOvr>
+  <p:timing>
+    <p:tnLst>
+      <p:par>
+        <p:cTn id="1" dur="indefinite" restart="never" nodeType="tmRoot"/>
+      </p:par>
+    </p:tnLst>
+  </p:timing>
 </p:sld>
 </file>
 
@@ -3286,6 +3293,13 @@
   <p:clrMapOvr>
     <a:masterClrMapping/>
   </p:clrMapOvr>
+  <p:timing>
+    <p:tnLst>
+      <p:par>
+        <p:cTn id="1" dur="indefinite" restart="never" nodeType="tmRoot"/>
+      </p:par>
+    </p:tnLst>
+  </p:timing>
 </p:sld>
 </file>
 
@@ -3345,6 +3359,13 @@
   <p:clrMapOvr>
     <a:masterClrMapping/>
   </p:clrMapOvr>
+  <p:timing>
+    <p:tnLst>
+      <p:par>
+        <p:cTn id="1" dur="indefinite" restart="never" nodeType="tmRoot"/>
+      </p:par>
+    </p:tnLst>
+  </p:timing>
 </p:sld>
 </file>
 
@@ -3417,6 +3438,13 @@
   <p:clrMapOvr>
     <a:masterClrMapping/>
   </p:clrMapOvr>
+  <p:timing>
+    <p:tnLst>
+      <p:par>
+        <p:cTn id="1" dur="indefinite" restart="never" nodeType="tmRoot"/>
+      </p:par>
+    </p:tnLst>
+  </p:timing>
 </p:sld>
 </file>
 
@@ -3472,6 +3500,13 @@
   <p:clrMapOvr>
     <a:masterClrMapping/>
   </p:clrMapOvr>
+  <p:timing>
+    <p:tnLst>
+      <p:par>
+        <p:cTn id="1" dur="indefinite" restart="never" nodeType="tmRoot"/>
+      </p:par>
+    </p:tnLst>
+  </p:timing>
 </p:sld>
 </file>
 
@@ -3599,6 +3634,13 @@
   <p:clrMapOvr>
     <a:masterClrMapping/>
   </p:clrMapOvr>
+  <p:timing>
+    <p:tnLst>
+      <p:par>
+        <p:cTn id="1" dur="indefinite" restart="never" nodeType="tmRoot"/>
+      </p:par>
+    </p:tnLst>
+  </p:timing>
 </p:sld>
 </file>
 
@@ -3848,6 +3890,13 @@
   <p:clrMapOvr>
     <a:masterClrMapping/>
   </p:clrMapOvr>
+  <p:timing>
+    <p:tnLst>
+      <p:par>
+        <p:cTn id="1" dur="indefinite" restart="never" nodeType="tmRoot"/>
+      </p:par>
+    </p:tnLst>
+  </p:timing>
 </p:sld>
 </file>
 
@@ -4360,6 +4409,13 @@
   <p:clrMapOvr>
     <a:masterClrMapping/>
   </p:clrMapOvr>
+  <p:timing>
+    <p:tnLst>
+      <p:par>
+        <p:cTn id="1" dur="indefinite" restart="never" nodeType="tmRoot"/>
+      </p:par>
+    </p:tnLst>
+  </p:timing>
 </p:sld>
 </file>
 
@@ -4437,6 +4493,13 @@
   <p:clrMapOvr>
     <a:masterClrMapping/>
   </p:clrMapOvr>
+  <p:timing>
+    <p:tnLst>
+      <p:par>
+        <p:cTn id="1" dur="indefinite" restart="never" nodeType="tmRoot"/>
+      </p:par>
+    </p:tnLst>
+  </p:timing>
 </p:sld>
 </file>
 
@@ -4523,6 +4586,13 @@
   <p:clrMapOvr>
     <a:masterClrMapping/>
   </p:clrMapOvr>
+  <p:timing>
+    <p:tnLst>
+      <p:par>
+        <p:cTn id="1" dur="indefinite" restart="never" nodeType="tmRoot"/>
+      </p:par>
+    </p:tnLst>
+  </p:timing>
 </p:sld>
 </file>
 
@@ -4590,13 +4660,13 @@
                 <a:latin typeface="Courier"/>
               </a:rPr>
               <a:t>## 
-##  Welch Two Sample t-test
+##  Two Sample t-test
 ## 
 ## data:  y by x1
-## t = -2.3643, df = 8.3009, p-value = 0.04455
+## t = -2.3643, df = 10, p-value = 0.03966
 ## alternative hypothesis: true difference in means is not equal to 0
 ## 95 percent confidence interval:
-##  -2.42869638 -0.03797029
+##  -2.39562571 -0.07104096
 ## sample estimates:
 ## mean in group 0 mean in group 1 
 ##        2.750000        3.983333</a:t>
@@ -4622,6 +4692,13 @@
   <p:clrMapOvr>
     <a:masterClrMapping/>
   </p:clrMapOvr>
+  <p:timing>
+    <p:tnLst>
+      <p:par>
+        <p:cTn id="1" dur="indefinite" restart="never" nodeType="tmRoot"/>
+      </p:par>
+    </p:tnLst>
+  </p:timing>
 </p:sld>
 </file>
 
@@ -4717,6 +4794,13 @@
   <p:clrMapOvr>
     <a:masterClrMapping/>
   </p:clrMapOvr>
+  <p:timing>
+    <p:tnLst>
+      <p:par>
+        <p:cTn id="1" dur="indefinite" restart="never" nodeType="tmRoot"/>
+      </p:par>
+    </p:tnLst>
+  </p:timing>
 </p:sld>
 </file>
 
@@ -4818,6 +4902,13 @@
   <p:clrMapOvr>
     <a:masterClrMapping/>
   </p:clrMapOvr>
+  <p:timing>
+    <p:tnLst>
+      <p:par>
+        <p:cTn id="1" dur="indefinite" restart="never" nodeType="tmRoot"/>
+      </p:par>
+    </p:tnLst>
+  </p:timing>
 </p:sld>
 </file>
 
@@ -4890,6 +4981,13 @@
   <p:clrMapOvr>
     <a:masterClrMapping/>
   </p:clrMapOvr>
+  <p:timing>
+    <p:tnLst>
+      <p:par>
+        <p:cTn id="1" dur="indefinite" restart="never" nodeType="tmRoot"/>
+      </p:par>
+    </p:tnLst>
+  </p:timing>
 </p:sld>
 </file>
 
@@ -4945,6 +5043,13 @@
   <p:clrMapOvr>
     <a:masterClrMapping/>
   </p:clrMapOvr>
+  <p:timing>
+    <p:tnLst>
+      <p:par>
+        <p:cTn id="1" dur="indefinite" restart="never" nodeType="tmRoot"/>
+      </p:par>
+    </p:tnLst>
+  </p:timing>
 </p:sld>
 </file>
 
@@ -5517,6 +5622,13 @@
   <p:clrMapOvr>
     <a:masterClrMapping/>
   </p:clrMapOvr>
+  <p:timing>
+    <p:tnLst>
+      <p:par>
+        <p:cTn id="1" dur="indefinite" restart="never" nodeType="tmRoot"/>
+      </p:par>
+    </p:tnLst>
+  </p:timing>
 </p:sld>
 </file>
 
@@ -5594,6 +5706,13 @@
   <p:clrMapOvr>
     <a:masterClrMapping/>
   </p:clrMapOvr>
+  <p:timing>
+    <p:tnLst>
+      <p:par>
+        <p:cTn id="1" dur="indefinite" restart="never" nodeType="tmRoot"/>
+      </p:par>
+    </p:tnLst>
+  </p:timing>
 </p:sld>
 </file>
 
@@ -5698,7 +5817,7 @@
             <a:pPr lvl="1"/>
             <a:r>
               <a:rPr/>
-              <a:t>if there is a difference between groups, p-values will not be uniformly distributed over many experiments (this is why p-values are useful under the “frequentist” assumptions)</a:t>
+              <a:t>if there is a difference between groups, p-values should not be uniformly distributed over many experiments (this is why p-values are useful under the “frequentist” assumptions)</a:t>
             </a:r>
           </a:p>
         </p:txBody>
@@ -5708,6 +5827,13 @@
   <p:clrMapOvr>
     <a:masterClrMapping/>
   </p:clrMapOvr>
+  <p:timing>
+    <p:tnLst>
+      <p:par>
+        <p:cTn id="1" dur="indefinite" restart="never" nodeType="tmRoot"/>
+      </p:par>
+    </p:tnLst>
+  </p:timing>
 </p:sld>
 </file>
 
@@ -5816,7 +5942,7 @@
                 <a:pPr lvl="1"/>
                 <a:r>
                   <a:rPr/>
-                  <a:t>if there is a difference between groups, p-values will not be uniformly distributed over many experiments (this is why p-values are useful under the “frequentist” assumptions)</a:t>
+                  <a:t>if there is a difference between groups, p-values should not be uniformly distributed over many experiments (this is why p-values are useful under the “frequentist” assumptions)</a:t>
                 </a:r>
               </a:p>
               <a:p>
@@ -5868,6 +5994,13 @@
   <p:clrMapOvr>
     <a:masterClrMapping/>
   </p:clrMapOvr>
+  <p:timing>
+    <p:tnLst>
+      <p:par>
+        <p:cTn id="1" dur="indefinite" restart="never" nodeType="tmRoot"/>
+      </p:par>
+    </p:tnLst>
+  </p:timing>
 </p:sld>
 </file>
 
@@ -6067,6 +6200,13 @@
   <p:clrMapOvr>
     <a:masterClrMapping/>
   </p:clrMapOvr>
+  <p:timing>
+    <p:tnLst>
+      <p:par>
+        <p:cTn id="1" dur="indefinite" restart="never" nodeType="tmRoot"/>
+      </p:par>
+    </p:tnLst>
+  </p:timing>
 </p:sld>
 </file>
 
@@ -6282,6 +6422,13 @@
   <p:clrMapOvr>
     <a:masterClrMapping/>
   </p:clrMapOvr>
+  <p:timing>
+    <p:tnLst>
+      <p:par>
+        <p:cTn id="1" dur="indefinite" restart="never" nodeType="tmRoot"/>
+      </p:par>
+    </p:tnLst>
+  </p:timing>
 </p:sld>
 </file>
 
@@ -6511,6 +6658,13 @@
   <p:clrMapOvr>
     <a:masterClrMapping/>
   </p:clrMapOvr>
+  <p:timing>
+    <p:tnLst>
+      <p:par>
+        <p:cTn id="1" dur="indefinite" restart="never" nodeType="tmRoot"/>
+      </p:par>
+    </p:tnLst>
+  </p:timing>
 </p:sld>
 </file>
 
@@ -6603,6 +6757,13 @@
   <p:clrMapOvr>
     <a:masterClrMapping/>
   </p:clrMapOvr>
+  <p:timing>
+    <p:tnLst>
+      <p:par>
+        <p:cTn id="1" dur="indefinite" restart="never" nodeType="tmRoot"/>
+      </p:par>
+    </p:tnLst>
+  </p:timing>
 </p:sld>
 </file>
 
@@ -6680,6 +6841,13 @@
   <p:clrMapOvr>
     <a:masterClrMapping/>
   </p:clrMapOvr>
+  <p:timing>
+    <p:tnLst>
+      <p:par>
+        <p:cTn id="1" dur="indefinite" restart="never" nodeType="tmRoot"/>
+      </p:par>
+    </p:tnLst>
+  </p:timing>
 </p:sld>
 </file>
 
@@ -6730,6 +6898,13 @@
   <p:clrMapOvr>
     <a:masterClrMapping/>
   </p:clrMapOvr>
+  <p:timing>
+    <p:tnLst>
+      <p:par>
+        <p:cTn id="1" dur="indefinite" restart="never" nodeType="tmRoot"/>
+      </p:par>
+    </p:tnLst>
+  </p:timing>
 </p:sld>
 </file>
 
@@ -6839,6 +7014,13 @@
   <p:clrMapOvr>
     <a:masterClrMapping/>
   </p:clrMapOvr>
+  <p:timing>
+    <p:tnLst>
+      <p:par>
+        <p:cTn id="1" dur="indefinite" restart="never" nodeType="tmRoot"/>
+      </p:par>
+    </p:tnLst>
+  </p:timing>
 </p:sld>
 </file>
 
@@ -6975,6 +7157,13 @@
   <p:clrMapOvr>
     <a:masterClrMapping/>
   </p:clrMapOvr>
+  <p:timing>
+    <p:tnLst>
+      <p:par>
+        <p:cTn id="1" dur="indefinite" restart="never" nodeType="tmRoot"/>
+      </p:par>
+    </p:tnLst>
+  </p:timing>
 </p:sld>
 </file>
 
@@ -7367,6 +7556,13 @@
   <p:clrMapOvr>
     <a:masterClrMapping/>
   </p:clrMapOvr>
+  <p:timing>
+    <p:tnLst>
+      <p:par>
+        <p:cTn id="1" dur="indefinite" restart="never" nodeType="tmRoot"/>
+      </p:par>
+    </p:tnLst>
+  </p:timing>
 </p:sld>
 </file>
 
@@ -7444,6 +7640,13 @@
   <p:clrMapOvr>
     <a:masterClrMapping/>
   </p:clrMapOvr>
+  <p:timing>
+    <p:tnLst>
+      <p:par>
+        <p:cTn id="1" dur="indefinite" restart="never" nodeType="tmRoot"/>
+      </p:par>
+    </p:tnLst>
+  </p:timing>
 </p:sld>
 </file>
 
@@ -7516,6 +7719,13 @@
   <p:clrMapOvr>
     <a:masterClrMapping/>
   </p:clrMapOvr>
+  <p:timing>
+    <p:tnLst>
+      <p:par>
+        <p:cTn id="1" dur="indefinite" restart="never" nodeType="tmRoot"/>
+      </p:par>
+    </p:tnLst>
+  </p:timing>
 </p:sld>
 </file>
 
@@ -7571,6 +7781,13 @@
   <p:clrMapOvr>
     <a:masterClrMapping/>
   </p:clrMapOvr>
+  <p:timing>
+    <p:tnLst>
+      <p:par>
+        <p:cTn id="1" dur="indefinite" restart="never" nodeType="tmRoot"/>
+      </p:par>
+    </p:tnLst>
+  </p:timing>
 </p:sld>
 </file>
 
@@ -7662,6 +7879,13 @@
   <p:clrMapOvr>
     <a:masterClrMapping/>
   </p:clrMapOvr>
+  <p:timing>
+    <p:tnLst>
+      <p:par>
+        <p:cTn id="1" dur="indefinite" restart="never" nodeType="tmRoot"/>
+      </p:par>
+    </p:tnLst>
+  </p:timing>
 </p:sld>
 </file>
 
